--- a/Il Mio.pptx
+++ b/Il Mio.pptx
@@ -1,27 +1,26 @@
 
 <file path=ppt/presentation.xml><?xml version="1.0" encoding="utf-8"?>
-<p:presentation xmlns:a="http://schemas.openxmlformats.org/drawingml/2006/main" xmlns:r="http://schemas.openxmlformats.org/officeDocument/2006/relationships" xmlns:p="http://schemas.openxmlformats.org/presentationml/2006/main" xmlns:m="http://schemas.openxmlformats.org/officeDocument/2006/math" xmlns:w="http://schemas.openxmlformats.org/wordprocessingml/2006/main" autoCompressPictures="0" saveSubsetFonts="1" showSpecialPlsOnTitleSld="0">
+<p:presentation xmlns:a="http://schemas.openxmlformats.org/drawingml/2006/main" xmlns:r="http://schemas.openxmlformats.org/officeDocument/2006/relationships" xmlns:p="http://schemas.openxmlformats.org/presentationml/2006/main" showSpecialPlsOnTitleSld="0" saveSubsetFonts="1" autoCompressPictures="0">
   <p:sldMasterIdLst>
     <p:sldMasterId id="2147483648" r:id="rId1"/>
   </p:sldMasterIdLst>
   <p:notesMasterIdLst>
-    <p:notesMasterId r:id="rId18"/>
+    <p:notesMasterId r:id="rId15"/>
   </p:notesMasterIdLst>
   <p:sldIdLst>
-    <p:sldId id="256" r:id="rId4"/>
-    <p:sldId id="257" r:id="rId5"/>
-    <p:sldId id="258" r:id="rId6"/>
-    <p:sldId id="259" r:id="rId7"/>
-    <p:sldId id="260" r:id="rId8"/>
-    <p:sldId id="261" r:id="rId9"/>
-    <p:sldId id="262" r:id="rId10"/>
-    <p:sldId id="263" r:id="rId11"/>
-    <p:sldId id="264" r:id="rId12"/>
-    <p:sldId id="265" r:id="rId13"/>
-    <p:sldId id="266" r:id="rId14"/>
-    <p:sldId id="267" r:id="rId15"/>
-    <p:sldId id="268" r:id="rId16"/>
-    <p:sldId id="269" r:id="rId17"/>
+    <p:sldId id="256" r:id="rId2"/>
+    <p:sldId id="257" r:id="rId3"/>
+    <p:sldId id="258" r:id="rId4"/>
+    <p:sldId id="259" r:id="rId5"/>
+    <p:sldId id="260" r:id="rId6"/>
+    <p:sldId id="261" r:id="rId7"/>
+    <p:sldId id="262" r:id="rId8"/>
+    <p:sldId id="263" r:id="rId9"/>
+    <p:sldId id="264" r:id="rId10"/>
+    <p:sldId id="265" r:id="rId11"/>
+    <p:sldId id="266" r:id="rId12"/>
+    <p:sldId id="267" r:id="rId13"/>
+    <p:sldId id="268" r:id="rId14"/>
   </p:sldIdLst>
   <p:sldSz cx="12192000" cy="6858000"/>
   <p:notesSz cx="6858000" cy="9144000"/>
@@ -120,12 +119,48 @@
       </a:defRPr>
     </a:lvl9pPr>
   </p:defaultTextStyle>
+  <p:extLst>
+    <p:ext uri="{EFAFB233-063F-42B5-8137-9DF3F51BA10A}">
+      <p15:sldGuideLst xmlns:p15="http://schemas.microsoft.com/office/powerpoint/2012/main">
+        <p15:guide id="1" orient="horz" pos="528">
+          <p15:clr>
+            <a:srgbClr val="A4A3A4"/>
+          </p15:clr>
+        </p15:guide>
+        <p15:guide id="2" pos="3864">
+          <p15:clr>
+            <a:srgbClr val="A4A3A4"/>
+          </p15:clr>
+        </p15:guide>
+        <p15:guide id="3" orient="horz" pos="1272">
+          <p15:clr>
+            <a:srgbClr val="A4A3A4"/>
+          </p15:clr>
+        </p15:guide>
+        <p15:guide id="4" orient="horz" pos="2312">
+          <p15:clr>
+            <a:srgbClr val="A4A3A4"/>
+          </p15:clr>
+        </p15:guide>
+        <p15:guide id="5" orient="horz" pos="1944">
+          <p15:clr>
+            <a:srgbClr val="A4A3A4"/>
+          </p15:clr>
+        </p15:guide>
+        <p15:guide id="6" orient="horz" pos="2328">
+          <p15:clr>
+            <a:srgbClr val="A4A3A4"/>
+          </p15:clr>
+        </p15:guide>
+      </p15:sldGuideLst>
+    </p:ext>
+  </p:extLst>
 </p:presentation>
 </file>
 
 <file path=ppt/notesMasters/notesMaster1.xml><?xml version="1.0" encoding="utf-8"?>
 <p:notesMaster xmlns:a="http://schemas.openxmlformats.org/drawingml/2006/main" xmlns:r="http://schemas.openxmlformats.org/officeDocument/2006/relationships" xmlns:p="http://schemas.openxmlformats.org/presentationml/2006/main">
-  <p:cSld name="">
+  <p:cSld>
     <p:bg>
       <p:bgRef idx="1001">
         <a:schemeClr val="bg1"/>
@@ -211,7 +246,7 @@
             </a:pPr>
             <a:fld id="{F2AE225E-43E0-7047-8ADB-DD9EBB41B4D0}" type="datetimeFigureOut">
               <a:rPr lang="en-US"/>
-              <a:t>5/19/2024</a:t>
+              <a:t>5/23/2024</a:t>
             </a:fld>
             <a:endParaRPr lang="en-US"/>
           </a:p>
@@ -221,7 +256,7 @@
         <p:nvSpPr>
           <p:cNvPr id="4" name="Slide Image Placeholder 3"/>
           <p:cNvSpPr>
-            <a:spLocks noChangeAspect="1" noGrp="1" noRot="1"/>
+            <a:spLocks noGrp="1" noRot="1" noChangeAspect="1"/>
           </p:cNvSpPr>
           <p:nvPr>
             <p:ph type="sldImg" idx="2"/>
@@ -498,8 +533,8 @@
 </file>
 
 <file path=ppt/notesSlides/notesSlide1.xml><?xml version="1.0" encoding="utf-8"?>
-<p:notes xmlns:a="http://schemas.openxmlformats.org/drawingml/2006/main" xmlns:r="http://schemas.openxmlformats.org/officeDocument/2006/relationships" xmlns:p="http://schemas.openxmlformats.org/presentationml/2006/main" xmlns:m="http://schemas.openxmlformats.org/officeDocument/2006/math" xmlns:w="http://schemas.openxmlformats.org/wordprocessingml/2006/main">
-  <p:cSld name="">
+<p:notes xmlns:a="http://schemas.openxmlformats.org/drawingml/2006/main" xmlns:r="http://schemas.openxmlformats.org/officeDocument/2006/relationships" xmlns:p="http://schemas.openxmlformats.org/presentationml/2006/main">
+  <p:cSld>
     <p:spTree>
       <p:nvGrpSpPr>
         <p:cNvPr id="1" name=""/>
@@ -518,7 +553,7 @@
         <p:nvSpPr>
           <p:cNvPr id="2" name="Slide Image Placeholder 1"/>
           <p:cNvSpPr>
-            <a:spLocks noChangeAspect="1" noGrp="1" noRot="1"/>
+            <a:spLocks noGrp="1" noRot="1" noChangeAspect="1"/>
           </p:cNvSpPr>
           <p:nvPr>
             <p:ph type="sldImg"/>
@@ -576,12 +611,15 @@
       </p:sp>
     </p:spTree>
   </p:cSld>
+  <p:clrMapOvr>
+    <a:masterClrMapping/>
+  </p:clrMapOvr>
 </p:notes>
 </file>
 
 <file path=ppt/notesSlides/notesSlide10.xml><?xml version="1.0" encoding="utf-8"?>
-<p:notes xmlns:a="http://schemas.openxmlformats.org/drawingml/2006/main" xmlns:r="http://schemas.openxmlformats.org/officeDocument/2006/relationships" xmlns:p="http://schemas.openxmlformats.org/presentationml/2006/main" xmlns:m="http://schemas.openxmlformats.org/officeDocument/2006/math" xmlns:w="http://schemas.openxmlformats.org/wordprocessingml/2006/main">
-  <p:cSld name="">
+<p:notes xmlns:a="http://schemas.openxmlformats.org/drawingml/2006/main" xmlns:r="http://schemas.openxmlformats.org/officeDocument/2006/relationships" xmlns:p="http://schemas.openxmlformats.org/presentationml/2006/main">
+  <p:cSld>
     <p:spTree>
       <p:nvGrpSpPr>
         <p:cNvPr id="1" name=""/>
@@ -600,7 +638,7 @@
         <p:nvSpPr>
           <p:cNvPr id="2" name="Slide Image Placeholder 1"/>
           <p:cNvSpPr>
-            <a:spLocks noChangeAspect="1" noGrp="1" noRot="1"/>
+            <a:spLocks noGrp="1" noRot="1" noChangeAspect="1"/>
           </p:cNvSpPr>
           <p:nvPr>
             <p:ph type="sldImg"/>
@@ -658,12 +696,15 @@
       </p:sp>
     </p:spTree>
   </p:cSld>
+  <p:clrMapOvr>
+    <a:masterClrMapping/>
+  </p:clrMapOvr>
 </p:notes>
 </file>
 
 <file path=ppt/notesSlides/notesSlide11.xml><?xml version="1.0" encoding="utf-8"?>
-<p:notes xmlns:a="http://schemas.openxmlformats.org/drawingml/2006/main" xmlns:r="http://schemas.openxmlformats.org/officeDocument/2006/relationships" xmlns:p="http://schemas.openxmlformats.org/presentationml/2006/main" xmlns:m="http://schemas.openxmlformats.org/officeDocument/2006/math" xmlns:w="http://schemas.openxmlformats.org/wordprocessingml/2006/main">
-  <p:cSld name="">
+<p:notes xmlns:a="http://schemas.openxmlformats.org/drawingml/2006/main" xmlns:r="http://schemas.openxmlformats.org/officeDocument/2006/relationships" xmlns:p="http://schemas.openxmlformats.org/presentationml/2006/main">
+  <p:cSld>
     <p:spTree>
       <p:nvGrpSpPr>
         <p:cNvPr id="1" name=""/>
@@ -682,7 +723,7 @@
         <p:nvSpPr>
           <p:cNvPr id="2" name="Slide Image Placeholder 1"/>
           <p:cNvSpPr>
-            <a:spLocks noChangeAspect="1" noGrp="1" noRot="1"/>
+            <a:spLocks noGrp="1" noRot="1" noChangeAspect="1"/>
           </p:cNvSpPr>
           <p:nvPr>
             <p:ph type="sldImg"/>
@@ -732,7 +773,7 @@
             </a:pPr>
             <a:fld id="{1206BC60-8C9C-E0BA-4CD7-77E18B34F12C}" type="slidenum">
               <a:rPr/>
-              <a:t/>
+              <a:t>11</a:t>
             </a:fld>
             <a:endParaRPr/>
           </a:p>
@@ -740,12 +781,15 @@
       </p:sp>
     </p:spTree>
   </p:cSld>
+  <p:clrMapOvr>
+    <a:masterClrMapping/>
+  </p:clrMapOvr>
 </p:notes>
 </file>
 
 <file path=ppt/notesSlides/notesSlide12.xml><?xml version="1.0" encoding="utf-8"?>
-<p:notes xmlns:a="http://schemas.openxmlformats.org/drawingml/2006/main" xmlns:r="http://schemas.openxmlformats.org/officeDocument/2006/relationships" xmlns:p="http://schemas.openxmlformats.org/presentationml/2006/main" xmlns:m="http://schemas.openxmlformats.org/officeDocument/2006/math" xmlns:w="http://schemas.openxmlformats.org/wordprocessingml/2006/main">
-  <p:cSld name="">
+<p:notes xmlns:a="http://schemas.openxmlformats.org/drawingml/2006/main" xmlns:r="http://schemas.openxmlformats.org/officeDocument/2006/relationships" xmlns:p="http://schemas.openxmlformats.org/presentationml/2006/main">
+  <p:cSld>
     <p:spTree>
       <p:nvGrpSpPr>
         <p:cNvPr id="1" name=""/>
@@ -764,7 +808,7 @@
         <p:nvSpPr>
           <p:cNvPr id="2" name="Slide Image Placeholder 1"/>
           <p:cNvSpPr>
-            <a:spLocks noChangeAspect="1" noGrp="1" noRot="1"/>
+            <a:spLocks noGrp="1" noRot="1" noChangeAspect="1"/>
           </p:cNvSpPr>
           <p:nvPr>
             <p:ph type="sldImg"/>
@@ -822,12 +866,15 @@
       </p:sp>
     </p:spTree>
   </p:cSld>
+  <p:clrMapOvr>
+    <a:masterClrMapping/>
+  </p:clrMapOvr>
 </p:notes>
 </file>
 
 <file path=ppt/notesSlides/notesSlide13.xml><?xml version="1.0" encoding="utf-8"?>
-<p:notes xmlns:a="http://schemas.openxmlformats.org/drawingml/2006/main" xmlns:r="http://schemas.openxmlformats.org/officeDocument/2006/relationships" xmlns:p="http://schemas.openxmlformats.org/presentationml/2006/main" xmlns:m="http://schemas.openxmlformats.org/officeDocument/2006/math" xmlns:w="http://schemas.openxmlformats.org/wordprocessingml/2006/main">
-  <p:cSld name="">
+<p:notes xmlns:a="http://schemas.openxmlformats.org/drawingml/2006/main" xmlns:r="http://schemas.openxmlformats.org/officeDocument/2006/relationships" xmlns:p="http://schemas.openxmlformats.org/presentationml/2006/main">
+  <p:cSld>
     <p:spTree>
       <p:nvGrpSpPr>
         <p:cNvPr id="1" name=""/>
@@ -846,7 +893,7 @@
         <p:nvSpPr>
           <p:cNvPr id="2" name="Slide Image Placeholder 1"/>
           <p:cNvSpPr>
-            <a:spLocks noChangeAspect="1" noGrp="1" noRot="1"/>
+            <a:spLocks noGrp="1" noRot="1" noChangeAspect="1"/>
           </p:cNvSpPr>
           <p:nvPr>
             <p:ph type="sldImg"/>
@@ -904,12 +951,15 @@
       </p:sp>
     </p:spTree>
   </p:cSld>
+  <p:clrMapOvr>
+    <a:masterClrMapping/>
+  </p:clrMapOvr>
 </p:notes>
 </file>
 
-<file path=ppt/notesSlides/notesSlide14.xml><?xml version="1.0" encoding="utf-8"?>
-<p:notes xmlns:a="http://schemas.openxmlformats.org/drawingml/2006/main" xmlns:r="http://schemas.openxmlformats.org/officeDocument/2006/relationships" xmlns:p="http://schemas.openxmlformats.org/presentationml/2006/main" xmlns:m="http://schemas.openxmlformats.org/officeDocument/2006/math" xmlns:w="http://schemas.openxmlformats.org/wordprocessingml/2006/main">
-  <p:cSld name="">
+<file path=ppt/notesSlides/notesSlide2.xml><?xml version="1.0" encoding="utf-8"?>
+<p:notes xmlns:a="http://schemas.openxmlformats.org/drawingml/2006/main" xmlns:r="http://schemas.openxmlformats.org/officeDocument/2006/relationships" xmlns:p="http://schemas.openxmlformats.org/presentationml/2006/main">
+  <p:cSld>
     <p:spTree>
       <p:nvGrpSpPr>
         <p:cNvPr id="1" name=""/>
@@ -928,89 +978,7 @@
         <p:nvSpPr>
           <p:cNvPr id="2" name="Slide Image Placeholder 1"/>
           <p:cNvSpPr>
-            <a:spLocks noChangeAspect="1" noGrp="1" noRot="1"/>
-          </p:cNvSpPr>
-          <p:nvPr>
-            <p:ph type="sldImg"/>
-          </p:nvPr>
-        </p:nvSpPr>
-        <p:spPr bwMode="auto"/>
-      </p:sp>
-      <p:sp>
-        <p:nvSpPr>
-          <p:cNvPr id="3" name="Notes Placeholder 2"/>
-          <p:cNvSpPr>
-            <a:spLocks noGrp="1"/>
-          </p:cNvSpPr>
-          <p:nvPr>
-            <p:ph type="body" idx="1"/>
-          </p:nvPr>
-        </p:nvSpPr>
-        <p:spPr bwMode="auto"/>
-        <p:txBody>
-          <a:bodyPr/>
-          <a:lstStyle/>
-          <a:p>
-            <a:pPr>
-              <a:defRPr/>
-            </a:pPr>
-            <a:endParaRPr lang="en-US"/>
-          </a:p>
-        </p:txBody>
-      </p:sp>
-      <p:sp>
-        <p:nvSpPr>
-          <p:cNvPr id="4" name="Slide Number Placeholder 3"/>
-          <p:cNvSpPr>
-            <a:spLocks noGrp="1"/>
-          </p:cNvSpPr>
-          <p:nvPr>
-            <p:ph type="sldNum" sz="quarter" idx="5"/>
-          </p:nvPr>
-        </p:nvSpPr>
-        <p:spPr bwMode="auto"/>
-        <p:txBody>
-          <a:bodyPr/>
-          <a:lstStyle/>
-          <a:p>
-            <a:pPr>
-              <a:defRPr/>
-            </a:pPr>
-            <a:fld id="{7C366290-4595-5745-A50F-D5EC13BAC604}" type="slidenum">
-              <a:rPr lang="en-US"/>
-              <a:t>14</a:t>
-            </a:fld>
-            <a:endParaRPr lang="en-US"/>
-          </a:p>
-        </p:txBody>
-      </p:sp>
-    </p:spTree>
-  </p:cSld>
-</p:notes>
-</file>
-
-<file path=ppt/notesSlides/notesSlide2.xml><?xml version="1.0" encoding="utf-8"?>
-<p:notes xmlns:a="http://schemas.openxmlformats.org/drawingml/2006/main" xmlns:r="http://schemas.openxmlformats.org/officeDocument/2006/relationships" xmlns:p="http://schemas.openxmlformats.org/presentationml/2006/main" xmlns:m="http://schemas.openxmlformats.org/officeDocument/2006/math" xmlns:w="http://schemas.openxmlformats.org/wordprocessingml/2006/main">
-  <p:cSld name="">
-    <p:spTree>
-      <p:nvGrpSpPr>
-        <p:cNvPr id="1" name=""/>
-        <p:cNvGrpSpPr/>
-        <p:nvPr/>
-      </p:nvGrpSpPr>
-      <p:grpSpPr bwMode="auto">
-        <a:xfrm>
-          <a:off x="0" y="0"/>
-          <a:ext cx="0" cy="0"/>
-          <a:chOff x="0" y="0"/>
-          <a:chExt cx="0" cy="0"/>
-        </a:xfrm>
-      </p:grpSpPr>
-      <p:sp>
-        <p:nvSpPr>
-          <p:cNvPr id="2" name="Slide Image Placeholder 1"/>
-          <p:cNvSpPr>
-            <a:spLocks noChangeAspect="1" noGrp="1" noRot="1"/>
+            <a:spLocks noGrp="1" noRot="1" noChangeAspect="1"/>
           </p:cNvSpPr>
           <p:nvPr>
             <p:ph type="sldImg"/>
@@ -1068,12 +1036,15 @@
       </p:sp>
     </p:spTree>
   </p:cSld>
+  <p:clrMapOvr>
+    <a:masterClrMapping/>
+  </p:clrMapOvr>
 </p:notes>
 </file>
 
 <file path=ppt/notesSlides/notesSlide3.xml><?xml version="1.0" encoding="utf-8"?>
-<p:notes xmlns:a="http://schemas.openxmlformats.org/drawingml/2006/main" xmlns:r="http://schemas.openxmlformats.org/officeDocument/2006/relationships" xmlns:p="http://schemas.openxmlformats.org/presentationml/2006/main" xmlns:m="http://schemas.openxmlformats.org/officeDocument/2006/math" xmlns:w="http://schemas.openxmlformats.org/wordprocessingml/2006/main">
-  <p:cSld name="">
+<p:notes xmlns:a="http://schemas.openxmlformats.org/drawingml/2006/main" xmlns:r="http://schemas.openxmlformats.org/officeDocument/2006/relationships" xmlns:p="http://schemas.openxmlformats.org/presentationml/2006/main">
+  <p:cSld>
     <p:spTree>
       <p:nvGrpSpPr>
         <p:cNvPr id="1" name=""/>
@@ -1092,7 +1063,7 @@
         <p:nvSpPr>
           <p:cNvPr id="2" name="Slide Image Placeholder 1"/>
           <p:cNvSpPr>
-            <a:spLocks noChangeAspect="1" noGrp="1" noRot="1"/>
+            <a:spLocks noGrp="1" noRot="1" noChangeAspect="1"/>
           </p:cNvSpPr>
           <p:nvPr>
             <p:ph type="sldImg"/>
@@ -1150,12 +1121,15 @@
       </p:sp>
     </p:spTree>
   </p:cSld>
+  <p:clrMapOvr>
+    <a:masterClrMapping/>
+  </p:clrMapOvr>
 </p:notes>
 </file>
 
 <file path=ppt/notesSlides/notesSlide4.xml><?xml version="1.0" encoding="utf-8"?>
-<p:notes xmlns:a="http://schemas.openxmlformats.org/drawingml/2006/main" xmlns:r="http://schemas.openxmlformats.org/officeDocument/2006/relationships" xmlns:p="http://schemas.openxmlformats.org/presentationml/2006/main" xmlns:m="http://schemas.openxmlformats.org/officeDocument/2006/math" xmlns:w="http://schemas.openxmlformats.org/wordprocessingml/2006/main">
-  <p:cSld name="">
+<p:notes xmlns:a="http://schemas.openxmlformats.org/drawingml/2006/main" xmlns:r="http://schemas.openxmlformats.org/officeDocument/2006/relationships" xmlns:p="http://schemas.openxmlformats.org/presentationml/2006/main">
+  <p:cSld>
     <p:spTree>
       <p:nvGrpSpPr>
         <p:cNvPr id="1" name=""/>
@@ -1174,7 +1148,7 @@
         <p:nvSpPr>
           <p:cNvPr id="2" name="Slide Image Placeholder 1"/>
           <p:cNvSpPr>
-            <a:spLocks noChangeAspect="1" noGrp="1" noRot="1"/>
+            <a:spLocks noGrp="1" noRot="1" noChangeAspect="1"/>
           </p:cNvSpPr>
           <p:nvPr>
             <p:ph type="sldImg"/>
@@ -1224,7 +1198,7 @@
             </a:pPr>
             <a:fld id="{03F46B93-DAF1-DF43-C458-04E5AE4A3CE9}" type="slidenum">
               <a:rPr/>
-              <a:t/>
+              <a:t>4</a:t>
             </a:fld>
             <a:endParaRPr/>
           </a:p>
@@ -1232,12 +1206,15 @@
       </p:sp>
     </p:spTree>
   </p:cSld>
+  <p:clrMapOvr>
+    <a:masterClrMapping/>
+  </p:clrMapOvr>
 </p:notes>
 </file>
 
 <file path=ppt/notesSlides/notesSlide5.xml><?xml version="1.0" encoding="utf-8"?>
-<p:notes xmlns:a="http://schemas.openxmlformats.org/drawingml/2006/main" xmlns:r="http://schemas.openxmlformats.org/officeDocument/2006/relationships" xmlns:p="http://schemas.openxmlformats.org/presentationml/2006/main" xmlns:m="http://schemas.openxmlformats.org/officeDocument/2006/math" xmlns:w="http://schemas.openxmlformats.org/wordprocessingml/2006/main">
-  <p:cSld name="">
+<p:notes xmlns:a="http://schemas.openxmlformats.org/drawingml/2006/main" xmlns:r="http://schemas.openxmlformats.org/officeDocument/2006/relationships" xmlns:p="http://schemas.openxmlformats.org/presentationml/2006/main">
+  <p:cSld>
     <p:spTree>
       <p:nvGrpSpPr>
         <p:cNvPr id="1" name=""/>
@@ -1256,7 +1233,7 @@
         <p:nvSpPr>
           <p:cNvPr id="2" name="Slide Image Placeholder 1"/>
           <p:cNvSpPr>
-            <a:spLocks noChangeAspect="1" noGrp="1" noRot="1"/>
+            <a:spLocks noGrp="1" noRot="1" noChangeAspect="1"/>
           </p:cNvSpPr>
           <p:nvPr>
             <p:ph type="sldImg"/>
@@ -1306,7 +1283,7 @@
             </a:pPr>
             <a:fld id="{F8FB34CC-43A1-54C3-5F78-78984DFCDFC8}" type="slidenum">
               <a:rPr/>
-              <a:t/>
+              <a:t>5</a:t>
             </a:fld>
             <a:endParaRPr/>
           </a:p>
@@ -1314,12 +1291,15 @@
       </p:sp>
     </p:spTree>
   </p:cSld>
+  <p:clrMapOvr>
+    <a:masterClrMapping/>
+  </p:clrMapOvr>
 </p:notes>
 </file>
 
 <file path=ppt/notesSlides/notesSlide6.xml><?xml version="1.0" encoding="utf-8"?>
-<p:notes xmlns:a="http://schemas.openxmlformats.org/drawingml/2006/main" xmlns:r="http://schemas.openxmlformats.org/officeDocument/2006/relationships" xmlns:p="http://schemas.openxmlformats.org/presentationml/2006/main" xmlns:m="http://schemas.openxmlformats.org/officeDocument/2006/math" xmlns:w="http://schemas.openxmlformats.org/wordprocessingml/2006/main">
-  <p:cSld name="">
+<p:notes xmlns:a="http://schemas.openxmlformats.org/drawingml/2006/main" xmlns:r="http://schemas.openxmlformats.org/officeDocument/2006/relationships" xmlns:p="http://schemas.openxmlformats.org/presentationml/2006/main">
+  <p:cSld>
     <p:spTree>
       <p:nvGrpSpPr>
         <p:cNvPr id="1" name=""/>
@@ -1338,7 +1318,7 @@
         <p:nvSpPr>
           <p:cNvPr id="2" name="Slide Image Placeholder 1"/>
           <p:cNvSpPr>
-            <a:spLocks noChangeAspect="1" noGrp="1" noRot="1"/>
+            <a:spLocks noGrp="1" noRot="1" noChangeAspect="1"/>
           </p:cNvSpPr>
           <p:nvPr>
             <p:ph type="sldImg"/>
@@ -1396,12 +1376,15 @@
       </p:sp>
     </p:spTree>
   </p:cSld>
+  <p:clrMapOvr>
+    <a:masterClrMapping/>
+  </p:clrMapOvr>
 </p:notes>
 </file>
 
 <file path=ppt/notesSlides/notesSlide7.xml><?xml version="1.0" encoding="utf-8"?>
-<p:notes xmlns:a="http://schemas.openxmlformats.org/drawingml/2006/main" xmlns:r="http://schemas.openxmlformats.org/officeDocument/2006/relationships" xmlns:p="http://schemas.openxmlformats.org/presentationml/2006/main" xmlns:m="http://schemas.openxmlformats.org/officeDocument/2006/math" xmlns:w="http://schemas.openxmlformats.org/wordprocessingml/2006/main">
-  <p:cSld name="">
+<p:notes xmlns:a="http://schemas.openxmlformats.org/drawingml/2006/main" xmlns:r="http://schemas.openxmlformats.org/officeDocument/2006/relationships" xmlns:p="http://schemas.openxmlformats.org/presentationml/2006/main">
+  <p:cSld>
     <p:spTree>
       <p:nvGrpSpPr>
         <p:cNvPr id="1" name=""/>
@@ -1420,7 +1403,7 @@
         <p:nvSpPr>
           <p:cNvPr id="2" name="Slide Image Placeholder 1"/>
           <p:cNvSpPr>
-            <a:spLocks noChangeAspect="1" noGrp="1" noRot="1"/>
+            <a:spLocks noGrp="1" noRot="1" noChangeAspect="1"/>
           </p:cNvSpPr>
           <p:nvPr>
             <p:ph type="sldImg"/>
@@ -1478,12 +1461,15 @@
       </p:sp>
     </p:spTree>
   </p:cSld>
+  <p:clrMapOvr>
+    <a:masterClrMapping/>
+  </p:clrMapOvr>
 </p:notes>
 </file>
 
 <file path=ppt/notesSlides/notesSlide8.xml><?xml version="1.0" encoding="utf-8"?>
-<p:notes xmlns:a="http://schemas.openxmlformats.org/drawingml/2006/main" xmlns:r="http://schemas.openxmlformats.org/officeDocument/2006/relationships" xmlns:p="http://schemas.openxmlformats.org/presentationml/2006/main" xmlns:m="http://schemas.openxmlformats.org/officeDocument/2006/math" xmlns:w="http://schemas.openxmlformats.org/wordprocessingml/2006/main">
-  <p:cSld name="">
+<p:notes xmlns:a="http://schemas.openxmlformats.org/drawingml/2006/main" xmlns:r="http://schemas.openxmlformats.org/officeDocument/2006/relationships" xmlns:p="http://schemas.openxmlformats.org/presentationml/2006/main">
+  <p:cSld>
     <p:spTree>
       <p:nvGrpSpPr>
         <p:cNvPr id="1" name=""/>
@@ -1502,7 +1488,7 @@
         <p:nvSpPr>
           <p:cNvPr id="2" name="Slide Image Placeholder 1"/>
           <p:cNvSpPr>
-            <a:spLocks noChangeAspect="1" noGrp="1" noRot="1"/>
+            <a:spLocks noGrp="1" noRot="1" noChangeAspect="1"/>
           </p:cNvSpPr>
           <p:nvPr>
             <p:ph type="sldImg"/>
@@ -1560,12 +1546,15 @@
       </p:sp>
     </p:spTree>
   </p:cSld>
+  <p:clrMapOvr>
+    <a:masterClrMapping/>
+  </p:clrMapOvr>
 </p:notes>
 </file>
 
 <file path=ppt/notesSlides/notesSlide9.xml><?xml version="1.0" encoding="utf-8"?>
-<p:notes xmlns:a="http://schemas.openxmlformats.org/drawingml/2006/main" xmlns:r="http://schemas.openxmlformats.org/officeDocument/2006/relationships" xmlns:p="http://schemas.openxmlformats.org/presentationml/2006/main" xmlns:m="http://schemas.openxmlformats.org/officeDocument/2006/math" xmlns:w="http://schemas.openxmlformats.org/wordprocessingml/2006/main">
-  <p:cSld name="">
+<p:notes xmlns:a="http://schemas.openxmlformats.org/drawingml/2006/main" xmlns:r="http://schemas.openxmlformats.org/officeDocument/2006/relationships" xmlns:p="http://schemas.openxmlformats.org/presentationml/2006/main">
+  <p:cSld>
     <p:spTree>
       <p:nvGrpSpPr>
         <p:cNvPr id="1" name=""/>
@@ -1584,7 +1573,7 @@
         <p:nvSpPr>
           <p:cNvPr id="2" name="Slide Image Placeholder 1"/>
           <p:cNvSpPr>
-            <a:spLocks noChangeAspect="1" noGrp="1" noRot="1"/>
+            <a:spLocks noGrp="1" noRot="1" noChangeAspect="1"/>
           </p:cNvSpPr>
           <p:nvPr>
             <p:ph type="sldImg"/>
@@ -1642,17 +1631,21 @@
       </p:sp>
     </p:spTree>
   </p:cSld>
+  <p:clrMapOvr>
+    <a:masterClrMapping/>
+  </p:clrMapOvr>
 </p:notes>
 </file>
 
 <file path=ppt/slideLayouts/slideLayout1.xml><?xml version="1.0" encoding="utf-8"?>
-<p:sldLayout xmlns:a="http://schemas.openxmlformats.org/drawingml/2006/main" xmlns:r="http://schemas.openxmlformats.org/officeDocument/2006/relationships" xmlns:p="http://schemas.openxmlformats.org/presentationml/2006/main" xmlns:m="http://schemas.openxmlformats.org/officeDocument/2006/math" xmlns:w="http://schemas.openxmlformats.org/wordprocessingml/2006/main" matchingName="" preserve="1" showMasterPhAnim="0" showMasterSp="0" userDrawn="1">
+<p:sldLayout xmlns:a="http://schemas.openxmlformats.org/drawingml/2006/main" xmlns:r="http://schemas.openxmlformats.org/officeDocument/2006/relationships" xmlns:p="http://schemas.openxmlformats.org/presentationml/2006/main" showMasterSp="0" showMasterPhAnim="0" preserve="1" userDrawn="1">
   <p:cSld name="Title Slide 2">
     <p:bg>
-      <p:bgPr shadeToTitle="0">
+      <p:bgPr>
         <a:solidFill>
           <a:schemeClr val="bg2"/>
         </a:solidFill>
+        <a:effectLst/>
       </p:bgPr>
     </p:bg>
     <p:spTree>
@@ -1759,7 +1752,7 @@
             </a:cxnLst>
             <a:rect l="l" t="t" r="r" b="b"/>
             <a:pathLst>
-              <a:path w="4748735" h="5016187" fill="norm" stroke="1" extrusionOk="0">
+              <a:path w="4748735" h="5016187" extrusionOk="0">
                 <a:moveTo>
                   <a:pt x="4348134" y="6"/>
                 </a:moveTo>
@@ -2091,7 +2084,7 @@
             </a:cxnLst>
             <a:rect l="l" t="t" r="r" b="b"/>
             <a:pathLst>
-              <a:path w="1678579" h="5460561" fill="norm" stroke="1" extrusionOk="0">
+              <a:path w="1678579" h="5460561" extrusionOk="0">
                 <a:moveTo>
                   <a:pt x="1678579" y="5416834"/>
                 </a:moveTo>
@@ -2169,7 +2162,9 @@
         </p:spPr>
         <p:txBody>
           <a:bodyPr rot="0" spcFirstLastPara="0" vertOverflow="overflow" horzOverflow="overflow" vert="horz" wrap="square" lIns="91440" tIns="45720" rIns="91440" bIns="45720" numCol="1" spcCol="0" rtlCol="0" fromWordArt="0" anchor="ctr" anchorCtr="0" forceAA="0" compatLnSpc="1">
-            <a:prstTxWarp prst="textNoShape"/>
+            <a:prstTxWarp prst="textNoShape">
+              <a:avLst/>
+            </a:prstTxWarp>
             <a:noAutofit/>
           </a:bodyPr>
           <a:lstStyle/>
@@ -2240,7 +2235,7 @@
             </a:cxnLst>
             <a:rect l="l" t="t" r="r" b="b"/>
             <a:pathLst>
-              <a:path w="5880649" h="6075137" fill="norm" stroke="1" extrusionOk="0">
+              <a:path w="5880649" h="6075137" extrusionOk="0">
                 <a:moveTo>
                   <a:pt x="0" y="0"/>
                 </a:moveTo>
@@ -2285,7 +2280,9 @@
         </p:spPr>
         <p:txBody>
           <a:bodyPr rot="0" spcFirstLastPara="0" vertOverflow="overflow" horzOverflow="overflow" vert="horz" wrap="square" lIns="91440" tIns="45720" rIns="91440" bIns="45720" numCol="1" spcCol="0" rtlCol="0" fromWordArt="0" anchor="ctr" anchorCtr="0" forceAA="0" compatLnSpc="1">
-            <a:prstTxWarp prst="textNoShape"/>
+            <a:prstTxWarp prst="textNoShape">
+              <a:avLst/>
+            </a:prstTxWarp>
             <a:noAutofit/>
           </a:bodyPr>
           <a:lstStyle/>
@@ -3646,7 +3643,7 @@
             </a:cxnLst>
             <a:rect l="l" t="t" r="r" b="b"/>
             <a:pathLst>
-              <a:path w="5137691" h="3723310" fill="norm" stroke="1" extrusionOk="0">
+              <a:path w="5137691" h="3723310" extrusionOk="0">
                 <a:moveTo>
                   <a:pt x="659084" y="2921625"/>
                 </a:moveTo>
@@ -4911,7 +4908,9 @@
         </p:spPr>
         <p:txBody>
           <a:bodyPr rot="0" spcFirstLastPara="0" vertOverflow="overflow" horzOverflow="overflow" vert="horz" wrap="square" lIns="91440" tIns="45720" rIns="91440" bIns="45720" numCol="1" spcCol="0" rtlCol="0" fromWordArt="0" anchor="ctr" anchorCtr="0" forceAA="0" compatLnSpc="1">
-            <a:prstTxWarp prst="textNoShape"/>
+            <a:prstTxWarp prst="textNoShape">
+              <a:avLst/>
+            </a:prstTxWarp>
             <a:noAutofit/>
           </a:bodyPr>
           <a:lstStyle/>
@@ -4971,13 +4970,14 @@
 </file>
 
 <file path=ppt/slideLayouts/slideLayout10.xml><?xml version="1.0" encoding="utf-8"?>
-<p:sldLayout xmlns:a="http://schemas.openxmlformats.org/drawingml/2006/main" xmlns:r="http://schemas.openxmlformats.org/officeDocument/2006/relationships" xmlns:p="http://schemas.openxmlformats.org/presentationml/2006/main" xmlns:m="http://schemas.openxmlformats.org/officeDocument/2006/math" xmlns:w="http://schemas.openxmlformats.org/wordprocessingml/2006/main" matchingName="" preserve="1" showMasterPhAnim="0" showMasterSp="0" userDrawn="1">
+<p:sldLayout xmlns:a="http://schemas.openxmlformats.org/drawingml/2006/main" xmlns:r="http://schemas.openxmlformats.org/officeDocument/2006/relationships" xmlns:p="http://schemas.openxmlformats.org/presentationml/2006/main" showMasterSp="0" showMasterPhAnim="0" preserve="1" userDrawn="1">
   <p:cSld name="Title and Two Content 2">
     <p:bg>
-      <p:bgPr shadeToTitle="0">
+      <p:bgPr>
         <a:solidFill>
           <a:schemeClr val="bg2"/>
         </a:solidFill>
+        <a:effectLst/>
       </p:bgPr>
     </p:bg>
     <p:spTree>
@@ -5044,7 +5044,7 @@
             </a:cxnLst>
             <a:rect l="l" t="t" r="r" b="b"/>
             <a:pathLst>
-              <a:path w="3216357" h="3480449" fill="norm" stroke="1" extrusionOk="0">
+              <a:path w="3216357" h="3480449" extrusionOk="0">
                 <a:moveTo>
                   <a:pt x="0" y="0"/>
                 </a:moveTo>
@@ -5303,7 +5303,7 @@
             </a:cxnLst>
             <a:rect l="l" t="t" r="r" b="b"/>
             <a:pathLst>
-              <a:path w="5371060" h="6899910" fill="norm" stroke="1" extrusionOk="0">
+              <a:path w="5371060" h="6899910" extrusionOk="0">
                 <a:moveTo>
                   <a:pt x="4892349" y="6899910"/>
                 </a:moveTo>
@@ -5344,7 +5344,9 @@
         </p:spPr>
         <p:txBody>
           <a:bodyPr rot="0" spcFirstLastPara="0" vertOverflow="overflow" horzOverflow="overflow" vert="horz" wrap="square" lIns="91440" tIns="45720" rIns="91440" bIns="45720" numCol="1" spcCol="0" rtlCol="0" fromWordArt="0" anchor="ctr" anchorCtr="0" forceAA="0" compatLnSpc="1">
-            <a:prstTxWarp prst="textNoShape"/>
+            <a:prstTxWarp prst="textNoShape">
+              <a:avLst/>
+            </a:prstTxWarp>
             <a:noAutofit/>
           </a:bodyPr>
           <a:lstStyle/>
@@ -5885,7 +5887,7 @@
             </a:cxnLst>
             <a:rect l="l" t="t" r="r" b="b"/>
             <a:pathLst>
-              <a:path w="3097831" h="2532431" fill="norm" stroke="1" extrusionOk="0">
+              <a:path w="3097831" h="2532431" extrusionOk="0">
                 <a:moveTo>
                   <a:pt x="177065" y="2339513"/>
                 </a:moveTo>
@@ -6354,7 +6356,9 @@
         </p:spPr>
         <p:txBody>
           <a:bodyPr rot="0" spcFirstLastPara="0" vertOverflow="overflow" horzOverflow="overflow" vert="horz" wrap="square" lIns="91440" tIns="45720" rIns="91440" bIns="45720" numCol="1" spcCol="0" rtlCol="0" fromWordArt="0" anchor="ctr" anchorCtr="0" forceAA="0" compatLnSpc="1">
-            <a:prstTxWarp prst="textNoShape"/>
+            <a:prstTxWarp prst="textNoShape">
+              <a:avLst/>
+            </a:prstTxWarp>
             <a:noAutofit/>
           </a:bodyPr>
           <a:lstStyle/>
@@ -6438,7 +6442,6 @@
               <a:rPr lang="en-US"/>
               <a:t>Click to edit Master title style</a:t>
             </a:r>
-            <a:endParaRPr lang="en-US"/>
           </a:p>
         </p:txBody>
       </p:sp>
@@ -6548,7 +6551,6 @@
               <a:rPr lang="en-US"/>
               <a:t>Fifth level</a:t>
             </a:r>
-            <a:endParaRPr lang="en-US"/>
           </a:p>
         </p:txBody>
       </p:sp>
@@ -6659,7 +6661,6 @@
               <a:rPr lang="en-US"/>
               <a:t>Fifth level</a:t>
             </a:r>
-            <a:endParaRPr lang="en-US"/>
           </a:p>
         </p:txBody>
       </p:sp>
@@ -6715,13 +6716,14 @@
 </file>
 
 <file path=ppt/slideLayouts/slideLayout11.xml><?xml version="1.0" encoding="utf-8"?>
-<p:sldLayout xmlns:a="http://schemas.openxmlformats.org/drawingml/2006/main" xmlns:r="http://schemas.openxmlformats.org/officeDocument/2006/relationships" xmlns:p="http://schemas.openxmlformats.org/presentationml/2006/main" xmlns:m="http://schemas.openxmlformats.org/officeDocument/2006/math" xmlns:w="http://schemas.openxmlformats.org/wordprocessingml/2006/main" matchingName="" preserve="1" showMasterPhAnim="0" userDrawn="1">
+<p:sldLayout xmlns:a="http://schemas.openxmlformats.org/drawingml/2006/main" xmlns:r="http://schemas.openxmlformats.org/officeDocument/2006/relationships" xmlns:p="http://schemas.openxmlformats.org/presentationml/2006/main" showMasterPhAnim="0" preserve="1" userDrawn="1">
   <p:cSld name="Title and Two Content">
     <p:bg>
-      <p:bgPr shadeToTitle="0">
+      <p:bgPr>
         <a:solidFill>
           <a:schemeClr val="bg2"/>
         </a:solidFill>
+        <a:effectLst/>
       </p:bgPr>
     </p:bg>
     <p:spTree>
@@ -6798,7 +6800,7 @@
             </a:cxnLst>
             <a:rect l="l" t="t" r="r" b="b"/>
             <a:pathLst>
-              <a:path w="7591189" h="6858000" fill="norm" stroke="1" extrusionOk="0">
+              <a:path w="7591189" h="6858000" extrusionOk="0">
                 <a:moveTo>
                   <a:pt x="3873124" y="0"/>
                 </a:moveTo>
@@ -6846,7 +6848,9 @@
         </p:spPr>
         <p:txBody>
           <a:bodyPr rot="0" spcFirstLastPara="0" vertOverflow="overflow" horzOverflow="overflow" vert="horz" wrap="square" lIns="91440" tIns="45720" rIns="91440" bIns="45720" numCol="1" spcCol="0" rtlCol="0" fromWordArt="0" anchor="ctr" anchorCtr="0" forceAA="0" compatLnSpc="1">
-            <a:prstTxWarp prst="textNoShape"/>
+            <a:prstTxWarp prst="textNoShape">
+              <a:avLst/>
+            </a:prstTxWarp>
             <a:noAutofit/>
           </a:bodyPr>
           <a:lstStyle/>
@@ -7082,7 +7086,7 @@
             </a:cxnLst>
             <a:rect l="l" t="t" r="r" b="b"/>
             <a:pathLst>
-              <a:path w="5047481" h="6915258" fill="norm" stroke="1" extrusionOk="0">
+              <a:path w="5047481" h="6915258" extrusionOk="0">
                 <a:moveTo>
                   <a:pt x="4995009" y="6915258"/>
                 </a:moveTo>
@@ -7123,7 +7127,9 @@
         </p:spPr>
         <p:txBody>
           <a:bodyPr rot="0" spcFirstLastPara="0" vertOverflow="overflow" horzOverflow="overflow" vert="horz" wrap="square" lIns="91440" tIns="45720" rIns="91440" bIns="45720" numCol="1" spcCol="0" rtlCol="0" fromWordArt="0" anchor="ctr" anchorCtr="0" forceAA="0" compatLnSpc="1">
-            <a:prstTxWarp prst="textNoShape"/>
+            <a:prstTxWarp prst="textNoShape">
+              <a:avLst/>
+            </a:prstTxWarp>
             <a:noAutofit/>
           </a:bodyPr>
           <a:lstStyle/>
@@ -7281,7 +7287,6 @@
               <a:rPr lang="en-US"/>
               <a:t>Fifth level</a:t>
             </a:r>
-            <a:endParaRPr lang="en-US"/>
           </a:p>
         </p:txBody>
       </p:sp>
@@ -7391,7 +7396,6 @@
               <a:rPr lang="en-US"/>
               <a:t>Fifth level</a:t>
             </a:r>
-            <a:endParaRPr lang="en-US"/>
           </a:p>
         </p:txBody>
       </p:sp>
@@ -7447,13 +7451,14 @@
 </file>
 
 <file path=ppt/slideLayouts/slideLayout12.xml><?xml version="1.0" encoding="utf-8"?>
-<p:sldLayout xmlns:a="http://schemas.openxmlformats.org/drawingml/2006/main" xmlns:r="http://schemas.openxmlformats.org/officeDocument/2006/relationships" xmlns:p="http://schemas.openxmlformats.org/presentationml/2006/main" xmlns:m="http://schemas.openxmlformats.org/officeDocument/2006/math" xmlns:w="http://schemas.openxmlformats.org/wordprocessingml/2006/main" matchingName="" preserve="1" showMasterPhAnim="0" userDrawn="1">
+<p:sldLayout xmlns:a="http://schemas.openxmlformats.org/drawingml/2006/main" xmlns:r="http://schemas.openxmlformats.org/officeDocument/2006/relationships" xmlns:p="http://schemas.openxmlformats.org/presentationml/2006/main" showMasterPhAnim="0" preserve="1" userDrawn="1">
   <p:cSld name="Title and Content 5">
     <p:bg>
-      <p:bgPr shadeToTitle="0">
+      <p:bgPr>
         <a:solidFill>
           <a:schemeClr val="bg2"/>
         </a:solidFill>
+        <a:effectLst/>
       </p:bgPr>
     </p:bg>
     <p:spTree>
@@ -7560,7 +7565,7 @@
             </a:cxnLst>
             <a:rect l="l" t="t" r="r" b="b"/>
             <a:pathLst>
-              <a:path w="12192000" h="3586577" fill="norm" stroke="1" extrusionOk="0">
+              <a:path w="12192000" h="3586577" extrusionOk="0">
                 <a:moveTo>
                   <a:pt x="1849560" y="803"/>
                 </a:moveTo>
@@ -7636,7 +7641,9 @@
         </p:spPr>
         <p:txBody>
           <a:bodyPr rot="0" spcFirstLastPara="0" vertOverflow="overflow" horzOverflow="overflow" vert="horz" wrap="square" lIns="91440" tIns="45720" rIns="91440" bIns="45720" numCol="1" spcCol="0" rtlCol="0" fromWordArt="0" anchor="ctr" anchorCtr="0" forceAA="0" compatLnSpc="1">
-            <a:prstTxWarp prst="textNoShape"/>
+            <a:prstTxWarp prst="textNoShape">
+              <a:avLst/>
+            </a:prstTxWarp>
             <a:noAutofit/>
           </a:bodyPr>
           <a:lstStyle/>
@@ -7697,7 +7704,7 @@
             </a:cxnLst>
             <a:rect l="l" t="t" r="r" b="b"/>
             <a:pathLst>
-              <a:path w="5362677" h="590065" fill="norm" stroke="1" extrusionOk="0">
+              <a:path w="5362677" h="590065" extrusionOk="0">
                 <a:moveTo>
                   <a:pt x="0" y="0"/>
                 </a:moveTo>
@@ -7734,7 +7741,9 @@
         </p:spPr>
         <p:txBody>
           <a:bodyPr rot="0" spcFirstLastPara="0" vertOverflow="overflow" horzOverflow="overflow" vert="horz" wrap="square" lIns="91440" tIns="45720" rIns="91440" bIns="45720" numCol="1" spcCol="0" rtlCol="0" fromWordArt="0" anchor="ctr" anchorCtr="0" forceAA="0" compatLnSpc="1">
-            <a:prstTxWarp prst="textNoShape"/>
+            <a:prstTxWarp prst="textNoShape">
+              <a:avLst/>
+            </a:prstTxWarp>
             <a:noAutofit/>
           </a:bodyPr>
           <a:lstStyle/>
@@ -7868,13 +7877,14 @@
 </file>
 
 <file path=ppt/slideLayouts/slideLayout13.xml><?xml version="1.0" encoding="utf-8"?>
-<p:sldLayout xmlns:a="http://schemas.openxmlformats.org/drawingml/2006/main" xmlns:r="http://schemas.openxmlformats.org/officeDocument/2006/relationships" xmlns:p="http://schemas.openxmlformats.org/presentationml/2006/main" xmlns:m="http://schemas.openxmlformats.org/officeDocument/2006/math" xmlns:w="http://schemas.openxmlformats.org/wordprocessingml/2006/main" matchingName="" preserve="1" showMasterPhAnim="0" showMasterSp="0" userDrawn="1">
+<p:sldLayout xmlns:a="http://schemas.openxmlformats.org/drawingml/2006/main" xmlns:r="http://schemas.openxmlformats.org/officeDocument/2006/relationships" xmlns:p="http://schemas.openxmlformats.org/presentationml/2006/main" showMasterSp="0" showMasterPhAnim="0" preserve="1" userDrawn="1">
   <p:cSld name="Closing">
     <p:bg>
-      <p:bgPr shadeToTitle="0">
+      <p:bgPr>
         <a:solidFill>
           <a:schemeClr val="bg2"/>
         </a:solidFill>
+        <a:effectLst/>
       </p:bgPr>
     </p:bg>
     <p:spTree>
@@ -7961,7 +7971,7 @@
             </a:cxnLst>
             <a:rect l="l" t="t" r="r" b="b"/>
             <a:pathLst>
-              <a:path w="3865902" h="3856595" fill="norm" stroke="1" extrusionOk="0">
+              <a:path w="3865902" h="3856595" extrusionOk="0">
                 <a:moveTo>
                   <a:pt x="0" y="0"/>
                 </a:moveTo>
@@ -8668,7 +8678,7 @@
             </a:cxnLst>
             <a:rect l="l" t="t" r="r" b="b"/>
             <a:pathLst>
-              <a:path w="4267591" h="2882748" fill="norm" stroke="1" extrusionOk="0">
+              <a:path w="4267591" h="2882748" extrusionOk="0">
                 <a:moveTo>
                   <a:pt x="0" y="2134758"/>
                 </a:moveTo>
@@ -9237,7 +9247,9 @@
         </p:spPr>
         <p:txBody>
           <a:bodyPr rot="0" spcFirstLastPara="0" vertOverflow="overflow" horzOverflow="overflow" vert="horz" wrap="square" lIns="91440" tIns="45720" rIns="91440" bIns="45720" numCol="1" spcCol="0" rtlCol="0" fromWordArt="0" anchor="ctr" anchorCtr="0" forceAA="0" compatLnSpc="1">
-            <a:prstTxWarp prst="textNoShape"/>
+            <a:prstTxWarp prst="textNoShape">
+              <a:avLst/>
+            </a:prstTxWarp>
             <a:noAutofit/>
           </a:bodyPr>
           <a:lstStyle/>
@@ -9480,7 +9492,7 @@
             </a:cxnLst>
             <a:rect l="l" t="t" r="r" b="b"/>
             <a:pathLst>
-              <a:path w="1678579" h="5460561" fill="norm" stroke="1" extrusionOk="0">
+              <a:path w="1678579" h="5460561" extrusionOk="0">
                 <a:moveTo>
                   <a:pt x="1678579" y="5416834"/>
                 </a:moveTo>
@@ -9558,7 +9570,9 @@
         </p:spPr>
         <p:txBody>
           <a:bodyPr rot="0" spcFirstLastPara="0" vertOverflow="overflow" horzOverflow="overflow" vert="horz" wrap="square" lIns="91440" tIns="45720" rIns="91440" bIns="45720" numCol="1" spcCol="0" rtlCol="0" fromWordArt="0" anchor="ctr" anchorCtr="0" forceAA="0" compatLnSpc="1">
-            <a:prstTxWarp prst="textNoShape"/>
+            <a:prstTxWarp prst="textNoShape">
+              <a:avLst/>
+            </a:prstTxWarp>
             <a:noAutofit/>
           </a:bodyPr>
           <a:lstStyle/>
@@ -9716,7 +9730,6 @@
               <a:rPr lang="en-US"/>
               <a:t>Fifth level</a:t>
             </a:r>
-            <a:endParaRPr lang="en-US"/>
           </a:p>
         </p:txBody>
       </p:sp>
@@ -9729,13 +9742,14 @@
 </file>
 
 <file path=ppt/slideLayouts/slideLayout14.xml><?xml version="1.0" encoding="utf-8"?>
-<p:sldLayout xmlns:a="http://schemas.openxmlformats.org/drawingml/2006/main" xmlns:r="http://schemas.openxmlformats.org/officeDocument/2006/relationships" xmlns:p="http://schemas.openxmlformats.org/presentationml/2006/main" xmlns:m="http://schemas.openxmlformats.org/officeDocument/2006/math" xmlns:w="http://schemas.openxmlformats.org/wordprocessingml/2006/main" matchingName="" preserve="1" showMasterPhAnim="0" userDrawn="1">
+<p:sldLayout xmlns:a="http://schemas.openxmlformats.org/drawingml/2006/main" xmlns:r="http://schemas.openxmlformats.org/officeDocument/2006/relationships" xmlns:p="http://schemas.openxmlformats.org/presentationml/2006/main" showMasterPhAnim="0" preserve="1" userDrawn="1">
   <p:cSld name="Blank">
     <p:bg>
-      <p:bgPr shadeToTitle="0">
+      <p:bgPr>
         <a:solidFill>
           <a:schemeClr val="bg2"/>
         </a:solidFill>
+        <a:effectLst/>
       </p:bgPr>
     </p:bg>
     <p:spTree>
@@ -9914,7 +9928,7 @@
               </a:cxnLst>
               <a:rect l="l" t="t" r="r" b="b"/>
               <a:pathLst>
-                <a:path w="2430115" h="1294338" fill="norm" stroke="1" extrusionOk="0">
+                <a:path w="2430115" h="1294338" extrusionOk="0">
                   <a:moveTo>
                     <a:pt x="0" y="1281003"/>
                   </a:moveTo>
@@ -9965,7 +9979,9 @@
           </p:spPr>
           <p:txBody>
             <a:bodyPr rot="0" spcFirstLastPara="0" vertOverflow="overflow" horzOverflow="overflow" vert="horz" wrap="square" lIns="91440" tIns="45720" rIns="91440" bIns="45720" numCol="1" spcCol="0" rtlCol="0" fromWordArt="0" anchor="ctr" anchorCtr="0" forceAA="0" compatLnSpc="1">
-              <a:prstTxWarp prst="textNoShape"/>
+              <a:prstTxWarp prst="textNoShape">
+                <a:avLst/>
+              </a:prstTxWarp>
               <a:noAutofit/>
             </a:bodyPr>
             <a:lstStyle/>
@@ -10120,7 +10136,7 @@
               </a:cxnLst>
               <a:rect l="l" t="t" r="r" b="b"/>
               <a:pathLst>
-                <a:path w="2469462" h="2893553" fill="norm" stroke="1" extrusionOk="0">
+                <a:path w="2469462" h="2893553" extrusionOk="0">
                   <a:moveTo>
                     <a:pt x="0" y="28857"/>
                   </a:moveTo>
@@ -10156,7 +10172,9 @@
           </p:spPr>
           <p:txBody>
             <a:bodyPr rot="0" spcFirstLastPara="0" vertOverflow="overflow" horzOverflow="overflow" vert="horz" wrap="square" lIns="91440" tIns="45720" rIns="91440" bIns="45720" numCol="1" spcCol="0" rtlCol="0" fromWordArt="0" anchor="ctr" anchorCtr="0" forceAA="0" compatLnSpc="1">
-              <a:prstTxWarp prst="textNoShape"/>
+              <a:prstTxWarp prst="textNoShape">
+                <a:avLst/>
+              </a:prstTxWarp>
               <a:noAutofit/>
             </a:bodyPr>
             <a:lstStyle/>
@@ -10783,7 +10801,7 @@
             </a:cxnLst>
             <a:rect l="l" t="t" r="r" b="b"/>
             <a:pathLst>
-              <a:path w="2476443" h="3377247" fill="norm" stroke="1" extrusionOk="0">
+              <a:path w="2476443" h="3377247" extrusionOk="0">
                 <a:moveTo>
                   <a:pt x="131832" y="2603380"/>
                 </a:moveTo>
@@ -11346,7 +11364,9 @@
         </p:spPr>
         <p:txBody>
           <a:bodyPr rot="0" spcFirstLastPara="0" vertOverflow="overflow" horzOverflow="overflow" vert="horz" wrap="square" lIns="91440" tIns="45720" rIns="91440" bIns="45720" numCol="1" spcCol="0" rtlCol="0" fromWordArt="0" anchor="ctr" anchorCtr="0" forceAA="0" compatLnSpc="1">
-            <a:prstTxWarp prst="textNoShape"/>
+            <a:prstTxWarp prst="textNoShape">
+              <a:avLst/>
+            </a:prstTxWarp>
             <a:noAutofit/>
           </a:bodyPr>
           <a:lstStyle/>
@@ -11414,13 +11434,14 @@
 </file>
 
 <file path=ppt/slideLayouts/slideLayout2.xml><?xml version="1.0" encoding="utf-8"?>
-<p:sldLayout xmlns:a="http://schemas.openxmlformats.org/drawingml/2006/main" xmlns:r="http://schemas.openxmlformats.org/officeDocument/2006/relationships" xmlns:p="http://schemas.openxmlformats.org/presentationml/2006/main" xmlns:m="http://schemas.openxmlformats.org/officeDocument/2006/math" xmlns:w="http://schemas.openxmlformats.org/wordprocessingml/2006/main" matchingName="" preserve="1" showMasterPhAnim="0" showMasterSp="0" type="obj" userDrawn="1">
+<p:sldLayout xmlns:a="http://schemas.openxmlformats.org/drawingml/2006/main" xmlns:r="http://schemas.openxmlformats.org/officeDocument/2006/relationships" xmlns:p="http://schemas.openxmlformats.org/presentationml/2006/main" showMasterSp="0" showMasterPhAnim="0" type="obj" preserve="1" userDrawn="1">
   <p:cSld name="Agenda 2">
     <p:bg>
-      <p:bgPr shadeToTitle="0">
+      <p:bgPr>
         <a:solidFill>
           <a:schemeClr val="bg2"/>
         </a:solidFill>
+        <a:effectLst/>
       </p:bgPr>
     </p:bg>
     <p:spTree>
@@ -11517,7 +11538,7 @@
             </a:cxnLst>
             <a:rect l="l" t="t" r="r" b="b"/>
             <a:pathLst>
-              <a:path w="6558260" h="6858000" fill="norm" stroke="1" extrusionOk="0">
+              <a:path w="6558260" h="6858000" extrusionOk="0">
                 <a:moveTo>
                   <a:pt x="0" y="0"/>
                 </a:moveTo>
@@ -11585,7 +11606,9 @@
         </p:spPr>
         <p:txBody>
           <a:bodyPr rot="0" spcFirstLastPara="0" vertOverflow="overflow" horzOverflow="overflow" vert="horz" wrap="square" lIns="91440" tIns="45720" rIns="91440" bIns="45720" numCol="1" spcCol="0" rtlCol="0" fromWordArt="0" anchor="ctr" anchorCtr="0" forceAA="0" compatLnSpc="1">
-            <a:prstTxWarp prst="textNoShape"/>
+            <a:prstTxWarp prst="textNoShape">
+              <a:avLst/>
+            </a:prstTxWarp>
             <a:noAutofit/>
           </a:bodyPr>
           <a:lstStyle/>
@@ -12176,7 +12199,7 @@
             </a:cxnLst>
             <a:rect l="l" t="t" r="r" b="b"/>
             <a:pathLst>
-              <a:path w="5327858" h="3001484" fill="norm" stroke="1" extrusionOk="0">
+              <a:path w="5327858" h="3001484" extrusionOk="0">
                 <a:moveTo>
                   <a:pt x="2748958" y="1803860"/>
                 </a:moveTo>
@@ -12730,7 +12753,9 @@
         </p:spPr>
         <p:txBody>
           <a:bodyPr rot="0" spcFirstLastPara="0" vertOverflow="overflow" horzOverflow="overflow" vert="horz" wrap="square" lIns="91440" tIns="45720" rIns="91440" bIns="45720" numCol="1" spcCol="0" rtlCol="0" fromWordArt="0" anchor="ctr" anchorCtr="0" forceAA="0" compatLnSpc="1">
-            <a:prstTxWarp prst="textNoShape"/>
+            <a:prstTxWarp prst="textNoShape">
+              <a:avLst/>
+            </a:prstTxWarp>
             <a:noAutofit/>
           </a:bodyPr>
           <a:lstStyle/>
@@ -12894,7 +12919,7 @@
             </a:cxnLst>
             <a:rect l="l" t="t" r="r" b="b"/>
             <a:pathLst>
-              <a:path w="2430115" h="1294338" fill="norm" stroke="1" extrusionOk="0">
+              <a:path w="2430115" h="1294338" extrusionOk="0">
                 <a:moveTo>
                   <a:pt x="0" y="1281003"/>
                 </a:moveTo>
@@ -12945,7 +12970,9 @@
         </p:spPr>
         <p:txBody>
           <a:bodyPr rot="0" spcFirstLastPara="0" vertOverflow="overflow" horzOverflow="overflow" vert="horz" wrap="square" lIns="91440" tIns="45720" rIns="91440" bIns="45720" numCol="1" spcCol="0" rtlCol="0" fromWordArt="0" anchor="ctr" anchorCtr="0" forceAA="0" compatLnSpc="1">
-            <a:prstTxWarp prst="textNoShape"/>
+            <a:prstTxWarp prst="textNoShape">
+              <a:avLst/>
+            </a:prstTxWarp>
             <a:noAutofit/>
           </a:bodyPr>
           <a:lstStyle/>
@@ -13100,7 +13127,7 @@
             </a:cxnLst>
             <a:rect l="l" t="t" r="r" b="b"/>
             <a:pathLst>
-              <a:path w="2469462" h="2893553" fill="norm" stroke="1" extrusionOk="0">
+              <a:path w="2469462" h="2893553" extrusionOk="0">
                 <a:moveTo>
                   <a:pt x="0" y="28857"/>
                 </a:moveTo>
@@ -13136,7 +13163,9 @@
         </p:spPr>
         <p:txBody>
           <a:bodyPr rot="0" spcFirstLastPara="0" vertOverflow="overflow" horzOverflow="overflow" vert="horz" wrap="square" lIns="91440" tIns="45720" rIns="91440" bIns="45720" numCol="1" spcCol="0" rtlCol="0" fromWordArt="0" anchor="ctr" anchorCtr="0" forceAA="0" compatLnSpc="1">
-            <a:prstTxWarp prst="textNoShape"/>
+            <a:prstTxWarp prst="textNoShape">
+              <a:avLst/>
+            </a:prstTxWarp>
             <a:noAutofit/>
           </a:bodyPr>
           <a:lstStyle/>
@@ -13294,13 +13323,14 @@
 </file>
 
 <file path=ppt/slideLayouts/slideLayout3.xml><?xml version="1.0" encoding="utf-8"?>
-<p:sldLayout xmlns:a="http://schemas.openxmlformats.org/drawingml/2006/main" xmlns:r="http://schemas.openxmlformats.org/officeDocument/2006/relationships" xmlns:p="http://schemas.openxmlformats.org/presentationml/2006/main" xmlns:m="http://schemas.openxmlformats.org/officeDocument/2006/math" xmlns:w="http://schemas.openxmlformats.org/wordprocessingml/2006/main" matchingName="" preserve="1" showMasterPhAnim="0" showMasterSp="0" userDrawn="1">
+<p:sldLayout xmlns:a="http://schemas.openxmlformats.org/drawingml/2006/main" xmlns:r="http://schemas.openxmlformats.org/officeDocument/2006/relationships" xmlns:p="http://schemas.openxmlformats.org/presentationml/2006/main" showMasterSp="0" showMasterPhAnim="0" preserve="1" userDrawn="1">
   <p:cSld name="Picture with Caption 2">
     <p:bg>
-      <p:bgPr shadeToTitle="0">
+      <p:bgPr>
         <a:solidFill>
           <a:schemeClr val="bg2"/>
         </a:solidFill>
+        <a:effectLst/>
       </p:bgPr>
     </p:bg>
     <p:spTree>
@@ -13367,7 +13397,7 @@
           <a:blip r:embed="rId2">
             <a:alphaModFix/>
           </a:blip>
-          <a:srcRect l="0" t="0" r="30186" b="9727"/>
+          <a:srcRect r="30186" b="9727"/>
           <a:stretch/>
         </p:blipFill>
         <p:spPr bwMode="auto">
@@ -13480,7 +13510,7 @@
             </a:cxnLst>
             <a:rect l="l" t="t" r="r" b="b"/>
             <a:pathLst>
-              <a:path w="5113309" h="6162929" fill="norm" stroke="1" extrusionOk="0">
+              <a:path w="5113309" h="6162929" extrusionOk="0">
                 <a:moveTo>
                   <a:pt x="81117" y="0"/>
                 </a:moveTo>
@@ -13566,7 +13596,9 @@
         </p:spPr>
         <p:txBody>
           <a:bodyPr rot="0" spcFirstLastPara="0" vertOverflow="overflow" horzOverflow="overflow" vert="horz" wrap="square" lIns="91440" tIns="45720" rIns="91440" bIns="45720" numCol="1" spcCol="0" rtlCol="0" fromWordArt="0" anchor="ctr" anchorCtr="0" forceAA="0" compatLnSpc="1">
-            <a:prstTxWarp prst="textNoShape"/>
+            <a:prstTxWarp prst="textNoShape">
+              <a:avLst/>
+            </a:prstTxWarp>
             <a:noAutofit/>
           </a:bodyPr>
           <a:lstStyle/>
@@ -13666,7 +13698,7 @@
             </a:cxnLst>
             <a:rect l="l" t="t" r="r" b="b"/>
             <a:pathLst>
-              <a:path w="4376530" h="6018401" fill="norm" stroke="1" extrusionOk="0">
+              <a:path w="4376530" h="6018401" extrusionOk="0">
                 <a:moveTo>
                   <a:pt x="1022042" y="0"/>
                 </a:moveTo>
@@ -13769,7 +13801,6 @@
               <a:rPr lang="en-US"/>
               <a:t>Click icon to add picture</a:t>
             </a:r>
-            <a:endParaRPr lang="en-US"/>
           </a:p>
         </p:txBody>
       </p:sp>
@@ -13782,13 +13813,14 @@
 </file>
 
 <file path=ppt/slideLayouts/slideLayout4.xml><?xml version="1.0" encoding="utf-8"?>
-<p:sldLayout xmlns:a="http://schemas.openxmlformats.org/drawingml/2006/main" xmlns:r="http://schemas.openxmlformats.org/officeDocument/2006/relationships" xmlns:p="http://schemas.openxmlformats.org/presentationml/2006/main" xmlns:m="http://schemas.openxmlformats.org/officeDocument/2006/math" xmlns:w="http://schemas.openxmlformats.org/wordprocessingml/2006/main" matchingName="" preserve="1" showMasterPhAnim="0" showMasterSp="0" userDrawn="1">
+<p:sldLayout xmlns:a="http://schemas.openxmlformats.org/drawingml/2006/main" xmlns:r="http://schemas.openxmlformats.org/officeDocument/2006/relationships" xmlns:p="http://schemas.openxmlformats.org/presentationml/2006/main" showMasterSp="0" showMasterPhAnim="0" preserve="1" userDrawn="1">
   <p:cSld name="Section Header 1">
     <p:bg>
-      <p:bgPr shadeToTitle="0">
+      <p:bgPr>
         <a:solidFill>
           <a:schemeClr val="bg2"/>
         </a:solidFill>
+        <a:effectLst/>
       </p:bgPr>
     </p:bg>
     <p:spTree>
@@ -13880,7 +13912,7 @@
             </a:cxnLst>
             <a:rect l="l" t="t" r="r" b="b"/>
             <a:pathLst>
-              <a:path w="5288935" h="6857999" fill="norm" stroke="1" extrusionOk="0">
+              <a:path w="5288935" h="6857999" extrusionOk="0">
                 <a:moveTo>
                   <a:pt x="5288935" y="5846993"/>
                 </a:moveTo>
@@ -13938,7 +13970,9 @@
         </p:spPr>
         <p:txBody>
           <a:bodyPr rot="0" spcFirstLastPara="0" vertOverflow="overflow" horzOverflow="overflow" vert="horz" wrap="square" lIns="91440" tIns="45720" rIns="91440" bIns="45720" numCol="1" spcCol="0" rtlCol="0" fromWordArt="0" anchor="ctr" anchorCtr="0" forceAA="0" compatLnSpc="1">
-            <a:prstTxWarp prst="textNoShape"/>
+            <a:prstTxWarp prst="textNoShape">
+              <a:avLst/>
+            </a:prstTxWarp>
             <a:noAutofit/>
           </a:bodyPr>
           <a:lstStyle/>
@@ -14074,7 +14108,7 @@
             </a:cxnLst>
             <a:rect l="l" t="t" r="r" b="b"/>
             <a:pathLst>
-              <a:path w="5273226" h="1169180" fill="norm" stroke="1" extrusionOk="0">
+              <a:path w="5273226" h="1169180" extrusionOk="0">
                 <a:moveTo>
                   <a:pt x="0" y="1135564"/>
                 </a:moveTo>
@@ -14113,7 +14147,9 @@
         </p:spPr>
         <p:txBody>
           <a:bodyPr rot="0" spcFirstLastPara="0" vertOverflow="overflow" horzOverflow="overflow" vert="horz" wrap="square" lIns="91440" tIns="45720" rIns="91440" bIns="45720" numCol="1" spcCol="0" rtlCol="0" fromWordArt="0" anchor="ctr" anchorCtr="0" forceAA="0" compatLnSpc="1">
-            <a:prstTxWarp prst="textNoShape"/>
+            <a:prstTxWarp prst="textNoShape">
+              <a:avLst/>
+            </a:prstTxWarp>
             <a:noAutofit/>
           </a:bodyPr>
           <a:lstStyle/>
@@ -14305,7 +14341,7 @@
             </a:cxnLst>
             <a:rect l="l" t="t" r="r" b="b"/>
             <a:pathLst>
-              <a:path w="4200862" h="3685693" fill="norm" stroke="1" extrusionOk="0">
+              <a:path w="4200862" h="3685693" extrusionOk="0">
                 <a:moveTo>
                   <a:pt x="0" y="3685693"/>
                 </a:moveTo>
@@ -14356,7 +14392,9 @@
         </p:spPr>
         <p:txBody>
           <a:bodyPr rot="0" spcFirstLastPara="0" vertOverflow="overflow" horzOverflow="overflow" vert="horz" wrap="square" lIns="91440" tIns="45720" rIns="91440" bIns="45720" numCol="1" spcCol="0" rtlCol="0" fromWordArt="0" anchor="ctr" anchorCtr="0" forceAA="0" compatLnSpc="1">
-            <a:prstTxWarp prst="textNoShape"/>
+            <a:prstTxWarp prst="textNoShape">
+              <a:avLst/>
+            </a:prstTxWarp>
             <a:noAutofit/>
           </a:bodyPr>
           <a:lstStyle/>
@@ -14488,7 +14526,7 @@
             </a:cxnLst>
             <a:rect l="l" t="t" r="r" b="b"/>
             <a:pathLst>
-              <a:path w="5046134" h="6596220" fill="norm" stroke="1" extrusionOk="0">
+              <a:path w="5046134" h="6596220" extrusionOk="0">
                 <a:moveTo>
                   <a:pt x="184819" y="2431"/>
                 </a:moveTo>
@@ -14555,7 +14593,6 @@
               <a:rPr lang="en-US"/>
               <a:t>Click icon to add picture</a:t>
             </a:r>
-            <a:endParaRPr lang="en-US"/>
           </a:p>
         </p:txBody>
       </p:sp>
@@ -14639,13 +14676,14 @@
 </file>
 
 <file path=ppt/slideLayouts/slideLayout5.xml><?xml version="1.0" encoding="utf-8"?>
-<p:sldLayout xmlns:a="http://schemas.openxmlformats.org/drawingml/2006/main" xmlns:r="http://schemas.openxmlformats.org/officeDocument/2006/relationships" xmlns:p="http://schemas.openxmlformats.org/presentationml/2006/main" xmlns:m="http://schemas.openxmlformats.org/officeDocument/2006/math" xmlns:w="http://schemas.openxmlformats.org/wordprocessingml/2006/main" matchingName="" preserve="1" showMasterPhAnim="0" userDrawn="1">
+<p:sldLayout xmlns:a="http://schemas.openxmlformats.org/drawingml/2006/main" xmlns:r="http://schemas.openxmlformats.org/officeDocument/2006/relationships" xmlns:p="http://schemas.openxmlformats.org/presentationml/2006/main" showMasterPhAnim="0" preserve="1" userDrawn="1">
   <p:cSld name="Title and Content 7">
     <p:bg>
-      <p:bgPr shadeToTitle="0">
+      <p:bgPr>
         <a:solidFill>
           <a:schemeClr val="bg2"/>
         </a:solidFill>
+        <a:effectLst/>
       </p:bgPr>
     </p:bg>
     <p:spTree>
@@ -14824,7 +14862,7 @@
               </a:cxnLst>
               <a:rect l="l" t="t" r="r" b="b"/>
               <a:pathLst>
-                <a:path w="2430115" h="1294338" fill="norm" stroke="1" extrusionOk="0">
+                <a:path w="2430115" h="1294338" extrusionOk="0">
                   <a:moveTo>
                     <a:pt x="0" y="1281003"/>
                   </a:moveTo>
@@ -14875,7 +14913,9 @@
           </p:spPr>
           <p:txBody>
             <a:bodyPr rot="0" spcFirstLastPara="0" vertOverflow="overflow" horzOverflow="overflow" vert="horz" wrap="square" lIns="91440" tIns="45720" rIns="91440" bIns="45720" numCol="1" spcCol="0" rtlCol="0" fromWordArt="0" anchor="ctr" anchorCtr="0" forceAA="0" compatLnSpc="1">
-              <a:prstTxWarp prst="textNoShape"/>
+              <a:prstTxWarp prst="textNoShape">
+                <a:avLst/>
+              </a:prstTxWarp>
               <a:noAutofit/>
             </a:bodyPr>
             <a:lstStyle/>
@@ -15030,7 +15070,7 @@
               </a:cxnLst>
               <a:rect l="l" t="t" r="r" b="b"/>
               <a:pathLst>
-                <a:path w="2469462" h="2893553" fill="norm" stroke="1" extrusionOk="0">
+                <a:path w="2469462" h="2893553" extrusionOk="0">
                   <a:moveTo>
                     <a:pt x="0" y="28857"/>
                   </a:moveTo>
@@ -15066,7 +15106,9 @@
           </p:spPr>
           <p:txBody>
             <a:bodyPr rot="0" spcFirstLastPara="0" vertOverflow="overflow" horzOverflow="overflow" vert="horz" wrap="square" lIns="91440" tIns="45720" rIns="91440" bIns="45720" numCol="1" spcCol="0" rtlCol="0" fromWordArt="0" anchor="ctr" anchorCtr="0" forceAA="0" compatLnSpc="1">
-              <a:prstTxWarp prst="textNoShape"/>
+              <a:prstTxWarp prst="textNoShape">
+                <a:avLst/>
+              </a:prstTxWarp>
               <a:noAutofit/>
             </a:bodyPr>
             <a:lstStyle/>
@@ -15163,7 +15205,7 @@
             </a:cxnLst>
             <a:rect l="l" t="t" r="r" b="b"/>
             <a:pathLst>
-              <a:path w="3307890" h="1876021" fill="norm" stroke="1" extrusionOk="0">
+              <a:path w="3307890" h="1876021" extrusionOk="0">
                 <a:moveTo>
                   <a:pt x="3307890" y="1876021"/>
                 </a:moveTo>
@@ -15198,7 +15240,9 @@
         </p:spPr>
         <p:txBody>
           <a:bodyPr rot="0" spcFirstLastPara="0" vertOverflow="overflow" horzOverflow="overflow" vert="horz" wrap="square" lIns="91440" tIns="45720" rIns="91440" bIns="45720" numCol="1" spcCol="0" rtlCol="0" fromWordArt="0" anchor="ctr" anchorCtr="0" forceAA="0" compatLnSpc="1">
-            <a:prstTxWarp prst="textNoShape"/>
+            <a:prstTxWarp prst="textNoShape">
+              <a:avLst/>
+            </a:prstTxWarp>
             <a:noAutofit/>
           </a:bodyPr>
           <a:lstStyle/>
@@ -15729,7 +15773,7 @@
             </a:cxnLst>
             <a:rect l="l" t="t" r="r" b="b"/>
             <a:pathLst>
-              <a:path w="1859768" h="2207713" fill="norm" stroke="1" extrusionOk="0">
+              <a:path w="1859768" h="2207713" extrusionOk="0">
                 <a:moveTo>
                   <a:pt x="0" y="118614"/>
                 </a:moveTo>
@@ -16203,7 +16247,9 @@
         </p:spPr>
         <p:txBody>
           <a:bodyPr rot="0" spcFirstLastPara="0" vertOverflow="overflow" horzOverflow="overflow" vert="horz" wrap="square" lIns="91440" tIns="45720" rIns="91440" bIns="45720" numCol="1" spcCol="0" rtlCol="0" fromWordArt="0" anchor="ctr" anchorCtr="0" forceAA="0" compatLnSpc="1">
-            <a:prstTxWarp prst="textNoShape"/>
+            <a:prstTxWarp prst="textNoShape">
+              <a:avLst/>
+            </a:prstTxWarp>
             <a:noAutofit/>
           </a:bodyPr>
           <a:lstStyle/>
@@ -16274,7 +16320,7 @@
             </a:cxnLst>
             <a:rect l="l" t="t" r="r" b="b"/>
             <a:pathLst>
-              <a:path w="5509165" h="1249078" fill="norm" stroke="1" extrusionOk="0">
+              <a:path w="5509165" h="1249078" extrusionOk="0">
                 <a:moveTo>
                   <a:pt x="5509165" y="1249078"/>
                 </a:moveTo>
@@ -16319,7 +16365,9 @@
         </p:spPr>
         <p:txBody>
           <a:bodyPr rot="0" spcFirstLastPara="0" vertOverflow="overflow" horzOverflow="overflow" vert="horz" wrap="square" lIns="91440" tIns="45720" rIns="91440" bIns="45720" numCol="1" spcCol="0" rtlCol="0" fromWordArt="0" anchor="ctr" anchorCtr="0" forceAA="0" compatLnSpc="1">
-            <a:prstTxWarp prst="textNoShape"/>
+            <a:prstTxWarp prst="textNoShape">
+              <a:avLst/>
+            </a:prstTxWarp>
             <a:noAutofit/>
           </a:bodyPr>
           <a:lstStyle/>
@@ -16420,7 +16468,6 @@
               <a:rPr lang="en-US"/>
               <a:t>Fifth level</a:t>
             </a:r>
-            <a:endParaRPr lang="en-US"/>
           </a:p>
         </p:txBody>
       </p:sp>
@@ -16476,13 +16523,14 @@
 </file>
 
 <file path=ppt/slideLayouts/slideLayout6.xml><?xml version="1.0" encoding="utf-8"?>
-<p:sldLayout xmlns:a="http://schemas.openxmlformats.org/drawingml/2006/main" xmlns:r="http://schemas.openxmlformats.org/officeDocument/2006/relationships" xmlns:p="http://schemas.openxmlformats.org/presentationml/2006/main" xmlns:m="http://schemas.openxmlformats.org/officeDocument/2006/math" xmlns:w="http://schemas.openxmlformats.org/wordprocessingml/2006/main" matchingName="" preserve="1" showMasterPhAnim="0" showMasterSp="0" userDrawn="1">
+<p:sldLayout xmlns:a="http://schemas.openxmlformats.org/drawingml/2006/main" xmlns:r="http://schemas.openxmlformats.org/officeDocument/2006/relationships" xmlns:p="http://schemas.openxmlformats.org/presentationml/2006/main" showMasterSp="0" showMasterPhAnim="0" preserve="1" userDrawn="1">
   <p:cSld name="Quote">
     <p:bg>
-      <p:bgPr shadeToTitle="0">
+      <p:bgPr>
         <a:solidFill>
           <a:schemeClr val="bg2"/>
         </a:solidFill>
+        <a:effectLst/>
       </p:bgPr>
     </p:bg>
     <p:spTree>
@@ -16549,7 +16597,7 @@
             </a:cxnLst>
             <a:rect l="l" t="t" r="r" b="b"/>
             <a:pathLst>
-              <a:path w="3216357" h="3480449" fill="norm" stroke="1" extrusionOk="0">
+              <a:path w="3216357" h="3480449" extrusionOk="0">
                 <a:moveTo>
                   <a:pt x="0" y="0"/>
                 </a:moveTo>
@@ -17801,7 +17849,7 @@
             </a:cxnLst>
             <a:rect l="l" t="t" r="r" b="b"/>
             <a:pathLst>
-              <a:path w="3154526" h="5229819" fill="norm" stroke="1" extrusionOk="0">
+              <a:path w="3154526" h="5229819" extrusionOk="0">
                 <a:moveTo>
                   <a:pt x="2984957" y="4764199"/>
                 </a:moveTo>
@@ -18904,7 +18952,9 @@
         </p:spPr>
         <p:txBody>
           <a:bodyPr rot="0" spcFirstLastPara="0" vertOverflow="overflow" horzOverflow="overflow" vert="horz" wrap="square" lIns="91440" tIns="45720" rIns="91440" bIns="45720" numCol="1" spcCol="0" rtlCol="0" fromWordArt="0" anchor="ctr" anchorCtr="0" forceAA="0" compatLnSpc="1">
-            <a:prstTxWarp prst="textNoShape"/>
+            <a:prstTxWarp prst="textNoShape">
+              <a:avLst/>
+            </a:prstTxWarp>
             <a:noAutofit/>
           </a:bodyPr>
           <a:lstStyle/>
@@ -18937,7 +18987,7 @@
               </a:ext>
             </a:extLst>
           </a:blip>
-          <a:srcRect l="27188" t="0" r="0" b="0"/>
+          <a:srcRect l="27188"/>
           <a:stretch/>
         </p:blipFill>
         <p:spPr bwMode="auto">
@@ -18974,7 +19024,7 @@
             </a:cxnLst>
             <a:rect l="l" t="t" r="r" b="b"/>
             <a:pathLst>
-              <a:path w="1697023" h="1898712" fill="norm" stroke="1" extrusionOk="0">
+              <a:path w="1697023" h="1898712" extrusionOk="0">
                 <a:moveTo>
                   <a:pt x="0" y="0"/>
                 </a:moveTo>
@@ -19603,7 +19653,7 @@
             </a:cxnLst>
             <a:rect l="l" t="t" r="r" b="b"/>
             <a:pathLst>
-              <a:path w="2476443" h="3377247" fill="norm" stroke="1" extrusionOk="0">
+              <a:path w="2476443" h="3377247" extrusionOk="0">
                 <a:moveTo>
                   <a:pt x="131832" y="2603380"/>
                 </a:moveTo>
@@ -20166,7 +20216,9 @@
         </p:spPr>
         <p:txBody>
           <a:bodyPr rot="0" spcFirstLastPara="0" vertOverflow="overflow" horzOverflow="overflow" vert="horz" wrap="square" lIns="91440" tIns="45720" rIns="91440" bIns="45720" numCol="1" spcCol="0" rtlCol="0" fromWordArt="0" anchor="ctr" anchorCtr="0" forceAA="0" compatLnSpc="1">
-            <a:prstTxWarp prst="textNoShape"/>
+            <a:prstTxWarp prst="textNoShape">
+              <a:avLst/>
+            </a:prstTxWarp>
             <a:noAutofit/>
           </a:bodyPr>
           <a:lstStyle/>
@@ -20272,13 +20324,14 @@
 </file>
 
 <file path=ppt/slideLayouts/slideLayout7.xml><?xml version="1.0" encoding="utf-8"?>
-<p:sldLayout xmlns:a="http://schemas.openxmlformats.org/drawingml/2006/main" xmlns:r="http://schemas.openxmlformats.org/officeDocument/2006/relationships" xmlns:p="http://schemas.openxmlformats.org/presentationml/2006/main" xmlns:m="http://schemas.openxmlformats.org/officeDocument/2006/math" xmlns:w="http://schemas.openxmlformats.org/wordprocessingml/2006/main" matchingName="" preserve="1" showMasterPhAnim="0" userDrawn="1">
+<p:sldLayout xmlns:a="http://schemas.openxmlformats.org/drawingml/2006/main" xmlns:r="http://schemas.openxmlformats.org/officeDocument/2006/relationships" xmlns:p="http://schemas.openxmlformats.org/presentationml/2006/main" showMasterPhAnim="0" preserve="1" userDrawn="1">
   <p:cSld name="Table 1">
     <p:bg>
-      <p:bgPr shadeToTitle="0">
+      <p:bgPr>
         <a:solidFill>
           <a:schemeClr val="bg2"/>
         </a:solidFill>
+        <a:effectLst/>
       </p:bgPr>
     </p:bg>
     <p:spTree>
@@ -20436,7 +20489,6 @@
               <a:rPr lang="en-US"/>
               <a:t>Fifth level</a:t>
             </a:r>
-            <a:endParaRPr lang="en-US"/>
           </a:p>
         </p:txBody>
       </p:sp>
@@ -20546,7 +20598,6 @@
               <a:rPr lang="en-US"/>
               <a:t>Fifth level</a:t>
             </a:r>
-            <a:endParaRPr lang="en-US"/>
           </a:p>
         </p:txBody>
       </p:sp>
@@ -21040,7 +21091,7 @@
             </a:cxnLst>
             <a:rect l="l" t="t" r="r" b="b"/>
             <a:pathLst>
-              <a:path w="4707470" h="978196" fill="norm" stroke="1" extrusionOk="0">
+              <a:path w="4707470" h="978196" extrusionOk="0">
                 <a:moveTo>
                   <a:pt x="4059737" y="967990"/>
                 </a:moveTo>
@@ -21461,7 +21512,9 @@
         </p:spPr>
         <p:txBody>
           <a:bodyPr rot="0" spcFirstLastPara="0" vertOverflow="overflow" horzOverflow="overflow" vert="horz" wrap="square" lIns="91440" tIns="45720" rIns="91440" bIns="45720" numCol="1" spcCol="0" rtlCol="0" fromWordArt="0" anchor="ctr" anchorCtr="0" forceAA="0" compatLnSpc="1">
-            <a:prstTxWarp prst="textNoShape"/>
+            <a:prstTxWarp prst="textNoShape">
+              <a:avLst/>
+            </a:prstTxWarp>
             <a:noAutofit/>
           </a:bodyPr>
           <a:lstStyle/>
@@ -21542,7 +21595,7 @@
             </a:cxnLst>
             <a:rect l="l" t="t" r="r" b="b"/>
             <a:pathLst>
-              <a:path w="3179502" h="2726160" fill="norm" stroke="1" extrusionOk="0">
+              <a:path w="3179502" h="2726160" extrusionOk="0">
                 <a:moveTo>
                   <a:pt x="3179502" y="2726160"/>
                 </a:moveTo>
@@ -21676,13 +21729,14 @@
 </file>
 
 <file path=ppt/slideLayouts/slideLayout8.xml><?xml version="1.0" encoding="utf-8"?>
-<p:sldLayout xmlns:a="http://schemas.openxmlformats.org/drawingml/2006/main" xmlns:r="http://schemas.openxmlformats.org/officeDocument/2006/relationships" xmlns:p="http://schemas.openxmlformats.org/presentationml/2006/main" xmlns:m="http://schemas.openxmlformats.org/officeDocument/2006/math" xmlns:w="http://schemas.openxmlformats.org/wordprocessingml/2006/main" matchingName="" preserve="1" showMasterPhAnim="0" userDrawn="1">
+<p:sldLayout xmlns:a="http://schemas.openxmlformats.org/drawingml/2006/main" xmlns:r="http://schemas.openxmlformats.org/officeDocument/2006/relationships" xmlns:p="http://schemas.openxmlformats.org/presentationml/2006/main" showMasterPhAnim="0" preserve="1" userDrawn="1">
   <p:cSld name="Two Content 2">
     <p:bg>
-      <p:bgPr shadeToTitle="0">
+      <p:bgPr>
         <a:solidFill>
           <a:schemeClr val="bg2"/>
         </a:solidFill>
+        <a:effectLst/>
       </p:bgPr>
     </p:bg>
     <p:spTree>
@@ -22238,7 +22292,7 @@
               </a:cxnLst>
               <a:rect l="l" t="t" r="r" b="b"/>
               <a:pathLst>
-                <a:path w="3097831" h="2532431" fill="norm" stroke="1" extrusionOk="0">
+                <a:path w="3097831" h="2532431" extrusionOk="0">
                   <a:moveTo>
                     <a:pt x="177065" y="2339513"/>
                   </a:moveTo>
@@ -22707,7 +22761,9 @@
           </p:spPr>
           <p:txBody>
             <a:bodyPr rot="0" spcFirstLastPara="0" vertOverflow="overflow" horzOverflow="overflow" vert="horz" wrap="square" lIns="91440" tIns="45720" rIns="91440" bIns="45720" numCol="1" spcCol="0" rtlCol="0" fromWordArt="0" anchor="ctr" anchorCtr="0" forceAA="0" compatLnSpc="1">
-              <a:prstTxWarp prst="textNoShape"/>
+              <a:prstTxWarp prst="textNoShape">
+                <a:avLst/>
+              </a:prstTxWarp>
               <a:noAutofit/>
             </a:bodyPr>
             <a:lstStyle/>
@@ -23233,7 +23289,7 @@
               </a:cxnLst>
               <a:rect l="l" t="t" r="r" b="b"/>
               <a:pathLst>
-                <a:path w="3027835" h="4339045" fill="norm" stroke="1" extrusionOk="0">
+                <a:path w="3027835" h="4339045" extrusionOk="0">
                   <a:moveTo>
                     <a:pt x="3027835" y="1577904"/>
                   </a:moveTo>
@@ -23715,7 +23771,9 @@
           </p:spPr>
           <p:txBody>
             <a:bodyPr rot="0" spcFirstLastPara="0" vertOverflow="overflow" horzOverflow="overflow" vert="horz" wrap="square" lIns="91440" tIns="45720" rIns="91440" bIns="45720" numCol="1" spcCol="0" rtlCol="0" fromWordArt="0" anchor="ctr" anchorCtr="0" forceAA="0" compatLnSpc="1">
-              <a:prstTxWarp prst="textNoShape"/>
+              <a:prstTxWarp prst="textNoShape">
+                <a:avLst/>
+              </a:prstTxWarp>
               <a:noAutofit/>
             </a:bodyPr>
             <a:lstStyle/>
@@ -23974,7 +24032,6 @@
               <a:rPr lang="en-US"/>
               <a:t>Fifth level</a:t>
             </a:r>
-            <a:endParaRPr lang="en-US"/>
           </a:p>
         </p:txBody>
       </p:sp>
@@ -24030,13 +24087,14 @@
 </file>
 
 <file path=ppt/slideLayouts/slideLayout9.xml><?xml version="1.0" encoding="utf-8"?>
-<p:sldLayout xmlns:a="http://schemas.openxmlformats.org/drawingml/2006/main" xmlns:r="http://schemas.openxmlformats.org/officeDocument/2006/relationships" xmlns:p="http://schemas.openxmlformats.org/presentationml/2006/main" xmlns:m="http://schemas.openxmlformats.org/officeDocument/2006/math" xmlns:w="http://schemas.openxmlformats.org/wordprocessingml/2006/main" matchingName="" preserve="1" showMasterPhAnim="0" showMasterSp="0" userDrawn="1">
+<p:sldLayout xmlns:a="http://schemas.openxmlformats.org/drawingml/2006/main" xmlns:r="http://schemas.openxmlformats.org/officeDocument/2006/relationships" xmlns:p="http://schemas.openxmlformats.org/presentationml/2006/main" showMasterSp="0" showMasterPhAnim="0" preserve="1" userDrawn="1">
   <p:cSld name="Title Content and Picture">
     <p:bg>
-      <p:bgPr shadeToTitle="0">
+      <p:bgPr>
         <a:solidFill>
           <a:schemeClr val="bg2"/>
         </a:solidFill>
+        <a:effectLst/>
       </p:bgPr>
     </p:bg>
     <p:spTree>
@@ -24103,7 +24161,7 @@
             </a:cxnLst>
             <a:rect l="l" t="t" r="r" b="b"/>
             <a:pathLst>
-              <a:path w="4303817" h="6100294" fill="norm" stroke="1" extrusionOk="0">
+              <a:path w="4303817" h="6100294" extrusionOk="0">
                 <a:moveTo>
                   <a:pt x="0" y="0"/>
                 </a:moveTo>
@@ -24143,7 +24201,9 @@
         </p:spPr>
         <p:txBody>
           <a:bodyPr rot="0" spcFirstLastPara="0" vertOverflow="overflow" horzOverflow="overflow" vert="horz" wrap="square" lIns="91440" tIns="45720" rIns="91440" bIns="45720" numCol="1" spcCol="0" rtlCol="0" fromWordArt="0" anchor="ctr" anchorCtr="0" forceAA="0" compatLnSpc="1">
-            <a:prstTxWarp prst="textNoShape"/>
+            <a:prstTxWarp prst="textNoShape">
+              <a:avLst/>
+            </a:prstTxWarp>
             <a:noAutofit/>
           </a:bodyPr>
           <a:lstStyle/>
@@ -24669,7 +24729,7 @@
             </a:cxnLst>
             <a:rect l="l" t="t" r="r" b="b"/>
             <a:pathLst>
-              <a:path w="3027835" h="4339045" fill="norm" stroke="1" extrusionOk="0">
+              <a:path w="3027835" h="4339045" extrusionOk="0">
                 <a:moveTo>
                   <a:pt x="3027835" y="1577904"/>
                 </a:moveTo>
@@ -25151,7 +25211,9 @@
         </p:spPr>
         <p:txBody>
           <a:bodyPr rot="0" spcFirstLastPara="0" vertOverflow="overflow" horzOverflow="overflow" vert="horz" wrap="square" lIns="91440" tIns="45720" rIns="91440" bIns="45720" numCol="1" spcCol="0" rtlCol="0" fromWordArt="0" anchor="ctr" anchorCtr="0" forceAA="0" compatLnSpc="1">
-            <a:prstTxWarp prst="textNoShape"/>
+            <a:prstTxWarp prst="textNoShape">
+              <a:avLst/>
+            </a:prstTxWarp>
             <a:noAutofit/>
           </a:bodyPr>
           <a:lstStyle/>
@@ -25198,7 +25260,6 @@
               <a:rPr lang="en-US"/>
               <a:t>Click to edit Master title style</a:t>
             </a:r>
-            <a:endParaRPr lang="en-US"/>
           </a:p>
         </p:txBody>
       </p:sp>
@@ -25308,7 +25369,6 @@
               <a:rPr lang="en-US"/>
               <a:t>Fifth level</a:t>
             </a:r>
-            <a:endParaRPr lang="en-US"/>
           </a:p>
         </p:txBody>
       </p:sp>
@@ -26179,7 +26239,7 @@
             </a:cxnLst>
             <a:rect l="l" t="t" r="r" b="b"/>
             <a:pathLst>
-              <a:path w="4589511" h="6555026" fill="norm" stroke="1" extrusionOk="0">
+              <a:path w="4589511" h="6555026" extrusionOk="0">
                 <a:moveTo>
                   <a:pt x="44498" y="4448077"/>
                 </a:moveTo>
@@ -26250,7 +26310,6 @@
               <a:rPr lang="en-US"/>
               <a:t>Click icon to add picture</a:t>
             </a:r>
-            <a:endParaRPr lang="en-US"/>
           </a:p>
         </p:txBody>
       </p:sp>
@@ -26306,13 +26365,14 @@
 </file>
 
 <file path=ppt/slideMasters/slideMaster1.xml><?xml version="1.0" encoding="utf-8"?>
-<p:sldMaster xmlns:a="http://schemas.openxmlformats.org/drawingml/2006/main" xmlns:r="http://schemas.openxmlformats.org/officeDocument/2006/relationships" xmlns:p="http://schemas.openxmlformats.org/presentationml/2006/main" xmlns:m="http://schemas.openxmlformats.org/officeDocument/2006/math" xmlns:w="http://schemas.openxmlformats.org/wordprocessingml/2006/main" preserve="0">
-  <p:cSld name="">
+<p:sldMaster xmlns:a="http://schemas.openxmlformats.org/drawingml/2006/main" xmlns:r="http://schemas.openxmlformats.org/officeDocument/2006/relationships" xmlns:p="http://schemas.openxmlformats.org/presentationml/2006/main">
+  <p:cSld>
     <p:bg>
-      <p:bgPr shadeToTitle="0">
+      <p:bgPr>
         <a:solidFill>
           <a:schemeClr val="bg2"/>
         </a:solidFill>
+        <a:effectLst/>
       </p:bgPr>
     </p:bg>
     <p:spTree>
@@ -26361,7 +26421,6 @@
               <a:rPr lang="en-US"/>
               <a:t>Click to edit Master title style</a:t>
             </a:r>
-            <a:endParaRPr lang="en-US"/>
           </a:p>
         </p:txBody>
       </p:sp>
@@ -26617,7 +26676,7 @@
     <p:sldLayoutId id="2147483661" r:id="rId13"/>
     <p:sldLayoutId id="2147483662" r:id="rId14"/>
   </p:sldLayoutIdLst>
-  <p:hf dt="0" ftr="0" hdr="0" sldNum="1"/>
+  <p:hf hdr="0" ftr="0" dt="0"/>
   <p:txStyles>
     <p:titleStyle>
       <a:lvl1pPr algn="l" defTabSz="914400">
@@ -26902,8 +26961,8 @@
 </file>
 
 <file path=ppt/slides/slide1.xml><?xml version="1.0" encoding="utf-8"?>
-<p:sld xmlns:a="http://schemas.openxmlformats.org/drawingml/2006/main" xmlns:r="http://schemas.openxmlformats.org/officeDocument/2006/relationships" xmlns:p="http://schemas.openxmlformats.org/presentationml/2006/main" xmlns:m="http://schemas.openxmlformats.org/officeDocument/2006/math" xmlns:w="http://schemas.openxmlformats.org/wordprocessingml/2006/main" showMasterPhAnim="0" show="1">
-  <p:cSld name="">
+<p:sld xmlns:a="http://schemas.openxmlformats.org/drawingml/2006/main" xmlns:r="http://schemas.openxmlformats.org/officeDocument/2006/relationships" xmlns:p="http://schemas.openxmlformats.org/presentationml/2006/main" showMasterPhAnim="0">
+  <p:cSld>
     <p:spTree>
       <p:nvGrpSpPr>
         <p:cNvPr id="1" name=""/>
@@ -26942,21 +27001,21 @@
               <a:defRPr/>
             </a:pPr>
             <a:r>
-              <a:rPr lang="en-US"/>
+              <a:rPr lang="en-US" dirty="0"/>
               <a:t>Il Mio </a:t>
             </a:r>
             <a:br>
-              <a:rPr lang="en-US"/>
+              <a:rPr lang="en-US" dirty="0"/>
             </a:br>
             <a:r>
-              <a:rPr lang="en-US"/>
+              <a:rPr lang="en-US" dirty="0" err="1"/>
               <a:t>Capolavoro</a:t>
             </a:r>
             <a:r>
-              <a:rPr lang="en-US"/>
+              <a:rPr lang="en-US" dirty="0"/>
               <a:t> 2023/2024</a:t>
             </a:r>
-            <a:endParaRPr/>
+            <a:endParaRPr dirty="0"/>
           </a:p>
         </p:txBody>
       </p:sp>
@@ -26986,7 +27045,7 @@
               <a:defRPr/>
             </a:pPr>
             <a:r>
-              <a:rPr lang="en-US" sz="5400" b="0" cap="none" spc="0">
+              <a:rPr lang="en-US" sz="5400" b="0" cap="none" spc="0" dirty="0">
                 <a:ln w="0"/>
                 <a:solidFill>
                   <a:schemeClr val="tx1"/>
@@ -26994,7 +27053,7 @@
               </a:rPr>
               <a:t>Alessandro Pizzi</a:t>
             </a:r>
-            <a:endParaRPr/>
+            <a:endParaRPr dirty="0"/>
           </a:p>
         </p:txBody>
       </p:sp>
@@ -27003,20 +27062,12 @@
   <p:clrMapOvr>
     <a:masterClrMapping/>
   </p:clrMapOvr>
-  <mc:AlternateContent xmlns:mc="http://schemas.openxmlformats.org/markup-compatibility/2006">
-    <mc:Choice xmlns:p159="http://schemas.microsoft.com/office/powerpoint/2015/09/main" xmlns:p14="http://schemas.microsoft.com/office/powerpoint/2010/main" Requires="p159">
-      <p:transition p14:dur="2000" advClick="1"/>
-    </mc:Choice>
-    <mc:Fallback>
-      <p:transition advClick="1"/>
-    </mc:Fallback>
-  </mc:AlternateContent>
 </p:sld>
 </file>
 
 <file path=ppt/slides/slide10.xml><?xml version="1.0" encoding="utf-8"?>
-<p:sld xmlns:a="http://schemas.openxmlformats.org/drawingml/2006/main" xmlns:r="http://schemas.openxmlformats.org/officeDocument/2006/relationships" xmlns:p="http://schemas.openxmlformats.org/presentationml/2006/main" xmlns:m="http://schemas.openxmlformats.org/officeDocument/2006/math" xmlns:w="http://schemas.openxmlformats.org/wordprocessingml/2006/main" showMasterPhAnim="0" show="1">
-  <p:cSld name="">
+<p:sld xmlns:a="http://schemas.openxmlformats.org/drawingml/2006/main" xmlns:r="http://schemas.openxmlformats.org/officeDocument/2006/relationships" xmlns:p="http://schemas.openxmlformats.org/presentationml/2006/main" showMasterPhAnim="0">
+  <p:cSld>
     <p:spTree>
       <p:nvGrpSpPr>
         <p:cNvPr id="1" name=""/>
@@ -27084,7 +27135,6 @@
               <a:rPr lang="en-US"/>
               <a:t>In più per dare funzionalità a moltissime cose nella programmazione grafica bisogna imparare ad ascoltare per eventi come la premuta di un bottone e persino ceare thread separati per girare parti di codice in parallelo con il resto del programma. L’ascolto del bottone e fatto attraverso un metodo apposito chiamato addActionListener e l’overwrite del blocco di codice che viene chiamato e altamente facilitato da una funzionalità del java chiamate *delta functions* (sul imagine la delta function e </a:t>
             </a:r>
-            <a:endParaRPr lang="en-US"/>
           </a:p>
           <a:p>
             <a:pPr>
@@ -27108,7 +27158,7 @@
       </p:sp>
       <p:pic>
         <p:nvPicPr>
-          <p:cNvPr id="2103217538" name=""/>
+          <p:cNvPr id="2103217538" name="Picture 2103217537"/>
           <p:cNvPicPr>
             <a:picLocks noChangeAspect="1"/>
           </p:cNvPicPr>
@@ -27119,7 +27169,7 @@
           <a:stretch/>
         </p:blipFill>
         <p:spPr bwMode="auto">
-          <a:xfrm flipH="0" flipV="0">
+          <a:xfrm>
             <a:off x="6830419" y="1746630"/>
             <a:ext cx="5217550" cy="4110377"/>
           </a:xfrm>
@@ -27133,20 +27183,12 @@
   <p:clrMapOvr>
     <a:masterClrMapping/>
   </p:clrMapOvr>
-  <mc:AlternateContent xmlns:mc="http://schemas.openxmlformats.org/markup-compatibility/2006">
-    <mc:Choice xmlns:p159="http://schemas.microsoft.com/office/powerpoint/2015/09/main" xmlns:p14="http://schemas.microsoft.com/office/powerpoint/2010/main" Requires="p159">
-      <p:transition p14:dur="2000" advClick="1"/>
-    </mc:Choice>
-    <mc:Fallback>
-      <p:transition advClick="1"/>
-    </mc:Fallback>
-  </mc:AlternateContent>
 </p:sld>
 </file>
 
 <file path=ppt/slides/slide11.xml><?xml version="1.0" encoding="utf-8"?>
-<p:sld xmlns:a="http://schemas.openxmlformats.org/drawingml/2006/main" xmlns:r="http://schemas.openxmlformats.org/officeDocument/2006/relationships" xmlns:p="http://schemas.openxmlformats.org/presentationml/2006/main" xmlns:m="http://schemas.openxmlformats.org/officeDocument/2006/math" xmlns:w="http://schemas.openxmlformats.org/wordprocessingml/2006/main" showMasterPhAnim="0" show="1">
-  <p:cSld name="">
+<p:sld xmlns:a="http://schemas.openxmlformats.org/drawingml/2006/main" xmlns:r="http://schemas.openxmlformats.org/officeDocument/2006/relationships" xmlns:p="http://schemas.openxmlformats.org/presentationml/2006/main" showMasterPhAnim="0">
+  <p:cSld>
     <p:spTree>
       <p:nvGrpSpPr>
         <p:cNvPr id="1" name=""/>
@@ -27198,13 +27240,13 @@
           </p:nvPr>
         </p:nvSpPr>
         <p:spPr bwMode="auto">
-          <a:xfrm flipH="0" flipV="0">
+          <a:xfrm>
             <a:off x="914398" y="2039110"/>
             <a:ext cx="10892305" cy="3840480"/>
           </a:xfrm>
         </p:spPr>
         <p:txBody>
-          <a:bodyPr vertOverflow="overflow" horzOverflow="overflow" vert="horz" wrap="square" lIns="91440" tIns="45720" rIns="91440" bIns="45720" numCol="1" spcCol="0" rtlCol="0" fromWordArt="0" anchor="t" anchorCtr="0" forceAA="0" upright="0" compatLnSpc="0">
+          <a:bodyPr vertOverflow="overflow" horzOverflow="overflow" vert="horz" wrap="square" lIns="91440" tIns="45720" rIns="91440" bIns="45720" numCol="1" spcCol="0" rtlCol="0" fromWordArt="0" anchor="t" anchorCtr="0" forceAA="0" compatLnSpc="0">
             <a:normAutofit fontScale="95000" lnSpcReduction="1000"/>
           </a:bodyPr>
           <a:lstStyle/>
@@ -27213,10 +27255,178 @@
               <a:defRPr/>
             </a:pPr>
             <a:r>
-              <a:rPr lang="en-US" sz="3600"/>
-              <a:t>Presto ho scoperto che il progetto sarebbe stato troppo complicato da implementare in maniera multifile senza l’uso di un build system / project manager un po come il makefile gestito da devcpp. Ho deciso di utilizzare gradle per creare il progetto dato che consente di fare molte cose in maniera più semplice rispetto a maven ma più sofisticata rispetto ad ant</a:t>
+              <a:rPr lang="en-US" sz="3600" dirty="0"/>
+              <a:t>Presto ho </a:t>
             </a:r>
-            <a:endParaRPr sz="3600"/>
+            <a:r>
+              <a:rPr lang="en-US" sz="3600" dirty="0" err="1"/>
+              <a:t>scoperto</a:t>
+            </a:r>
+            <a:r>
+              <a:rPr lang="en-US" sz="3600" dirty="0"/>
+              <a:t> </a:t>
+            </a:r>
+            <a:r>
+              <a:rPr lang="en-US" sz="3600" dirty="0" err="1"/>
+              <a:t>che</a:t>
+            </a:r>
+            <a:r>
+              <a:rPr lang="en-US" sz="3600" dirty="0"/>
+              <a:t> il </a:t>
+            </a:r>
+            <a:r>
+              <a:rPr lang="en-US" sz="3600" dirty="0" err="1"/>
+              <a:t>progetto</a:t>
+            </a:r>
+            <a:r>
+              <a:rPr lang="en-US" sz="3600" dirty="0"/>
+              <a:t> sarebbe stato troppo </a:t>
+            </a:r>
+            <a:r>
+              <a:rPr lang="en-US" sz="3600" dirty="0" err="1"/>
+              <a:t>complicato</a:t>
+            </a:r>
+            <a:r>
+              <a:rPr lang="en-US" sz="3600" dirty="0"/>
+              <a:t> da </a:t>
+            </a:r>
+            <a:r>
+              <a:rPr lang="en-US" sz="3600" dirty="0" err="1"/>
+              <a:t>implementare</a:t>
+            </a:r>
+            <a:r>
+              <a:rPr lang="en-US" sz="3600" dirty="0"/>
+              <a:t> in </a:t>
+            </a:r>
+            <a:r>
+              <a:rPr lang="en-US" sz="3600" dirty="0" err="1"/>
+              <a:t>maniera</a:t>
+            </a:r>
+            <a:r>
+              <a:rPr lang="en-US" sz="3600" dirty="0"/>
+              <a:t> multifile senza </a:t>
+            </a:r>
+            <a:r>
+              <a:rPr lang="en-US" sz="3600" dirty="0" err="1"/>
+              <a:t>l’uso</a:t>
+            </a:r>
+            <a:r>
+              <a:rPr lang="en-US" sz="3600" dirty="0"/>
+              <a:t> di un build system / project manager un po come il </a:t>
+            </a:r>
+            <a:r>
+              <a:rPr lang="en-US" sz="3600" dirty="0" err="1"/>
+              <a:t>makefile</a:t>
+            </a:r>
+            <a:r>
+              <a:rPr lang="en-US" sz="3600" dirty="0"/>
+              <a:t> </a:t>
+            </a:r>
+            <a:r>
+              <a:rPr lang="en-US" sz="3600" dirty="0" err="1"/>
+              <a:t>gestito</a:t>
+            </a:r>
+            <a:r>
+              <a:rPr lang="en-US" sz="3600" dirty="0"/>
+              <a:t> da </a:t>
+            </a:r>
+            <a:r>
+              <a:rPr lang="en-US" sz="3600" dirty="0" err="1"/>
+              <a:t>devcpp</a:t>
+            </a:r>
+            <a:r>
+              <a:rPr lang="en-US" sz="3600" dirty="0"/>
+              <a:t>. Ho </a:t>
+            </a:r>
+            <a:r>
+              <a:rPr lang="en-US" sz="3600" dirty="0" err="1"/>
+              <a:t>deciso</a:t>
+            </a:r>
+            <a:r>
+              <a:rPr lang="en-US" sz="3600" dirty="0"/>
+              <a:t> di </a:t>
+            </a:r>
+            <a:r>
+              <a:rPr lang="en-US" sz="3600" dirty="0" err="1"/>
+              <a:t>utilizzare</a:t>
+            </a:r>
+            <a:r>
+              <a:rPr lang="en-US" sz="3600" dirty="0"/>
+              <a:t> </a:t>
+            </a:r>
+            <a:r>
+              <a:rPr lang="en-US" sz="3600" dirty="0" err="1"/>
+              <a:t>gradle</a:t>
+            </a:r>
+            <a:r>
+              <a:rPr lang="en-US" sz="3600" dirty="0"/>
+              <a:t> per </a:t>
+            </a:r>
+            <a:r>
+              <a:rPr lang="en-US" sz="3600" dirty="0" err="1"/>
+              <a:t>creare</a:t>
+            </a:r>
+            <a:r>
+              <a:rPr lang="en-US" sz="3600" dirty="0"/>
+              <a:t> il </a:t>
+            </a:r>
+            <a:r>
+              <a:rPr lang="en-US" sz="3600" dirty="0" err="1"/>
+              <a:t>progetto</a:t>
+            </a:r>
+            <a:r>
+              <a:rPr lang="en-US" sz="3600" dirty="0"/>
+              <a:t> </a:t>
+            </a:r>
+            <a:r>
+              <a:rPr lang="en-US" sz="3600" dirty="0" err="1"/>
+              <a:t>dato</a:t>
+            </a:r>
+            <a:r>
+              <a:rPr lang="en-US" sz="3600" dirty="0"/>
+              <a:t> </a:t>
+            </a:r>
+            <a:r>
+              <a:rPr lang="en-US" sz="3600" dirty="0" err="1"/>
+              <a:t>che</a:t>
+            </a:r>
+            <a:r>
+              <a:rPr lang="en-US" sz="3600" dirty="0"/>
+              <a:t> </a:t>
+            </a:r>
+            <a:r>
+              <a:rPr lang="en-US" sz="3600" dirty="0" err="1"/>
+              <a:t>consente</a:t>
+            </a:r>
+            <a:r>
+              <a:rPr lang="en-US" sz="3600" dirty="0"/>
+              <a:t> di fare </a:t>
+            </a:r>
+            <a:r>
+              <a:rPr lang="en-US" sz="3600" dirty="0" err="1"/>
+              <a:t>molte</a:t>
+            </a:r>
+            <a:r>
+              <a:rPr lang="en-US" sz="3600" dirty="0"/>
+              <a:t> cose in </a:t>
+            </a:r>
+            <a:r>
+              <a:rPr lang="en-US" sz="3600" dirty="0" err="1"/>
+              <a:t>maniera</a:t>
+            </a:r>
+            <a:r>
+              <a:rPr lang="en-US" sz="3600" dirty="0"/>
+              <a:t> più semplice rispetto a maven ma più </a:t>
+            </a:r>
+            <a:r>
+              <a:rPr lang="en-US" sz="3600" dirty="0" err="1"/>
+              <a:t>sofisticata</a:t>
+            </a:r>
+            <a:r>
+              <a:rPr lang="en-US" sz="3600" dirty="0"/>
+              <a:t> rispetto ad ant</a:t>
+            </a:r>
+            <a:endParaRPr sz="3600" dirty="0"/>
           </a:p>
         </p:txBody>
       </p:sp>
@@ -27256,20 +27466,12 @@
   <p:clrMapOvr>
     <a:masterClrMapping/>
   </p:clrMapOvr>
-  <mc:AlternateContent xmlns:mc="http://schemas.openxmlformats.org/markup-compatibility/2006">
-    <mc:Choice xmlns:p159="http://schemas.microsoft.com/office/powerpoint/2015/09/main" xmlns:p14="http://schemas.microsoft.com/office/powerpoint/2010/main" Requires="p159">
-      <p:transition p14:dur="2000" advClick="1"/>
-    </mc:Choice>
-    <mc:Fallback>
-      <p:transition advClick="1"/>
-    </mc:Fallback>
-  </mc:AlternateContent>
 </p:sld>
 </file>
 
 <file path=ppt/slides/slide12.xml><?xml version="1.0" encoding="utf-8"?>
-<p:sld xmlns:a="http://schemas.openxmlformats.org/drawingml/2006/main" xmlns:r="http://schemas.openxmlformats.org/officeDocument/2006/relationships" xmlns:p="http://schemas.openxmlformats.org/presentationml/2006/main" xmlns:m="http://schemas.openxmlformats.org/officeDocument/2006/math" xmlns:w="http://schemas.openxmlformats.org/wordprocessingml/2006/main" showMasterPhAnim="0" show="1">
-  <p:cSld name="">
+<p:sld xmlns:a="http://schemas.openxmlformats.org/drawingml/2006/main" xmlns:r="http://schemas.openxmlformats.org/officeDocument/2006/relationships" xmlns:p="http://schemas.openxmlformats.org/presentationml/2006/main" showMasterPhAnim="0">
+  <p:cSld>
     <p:spTree>
       <p:nvGrpSpPr>
         <p:cNvPr id="1" name=""/>
@@ -27322,8 +27524,8 @@
         </p:nvSpPr>
         <p:spPr bwMode="auto">
           <a:xfrm>
-            <a:off x="914399" y="2039111"/>
-            <a:ext cx="6729984" cy="3840480"/>
+            <a:off x="108539" y="2039111"/>
+            <a:ext cx="6918283" cy="3840480"/>
           </a:xfrm>
         </p:spPr>
         <p:txBody>
@@ -27338,83 +27540,226 @@
               <a:defRPr/>
             </a:pPr>
             <a:r>
-              <a:rPr lang="en-US"/>
-              <a:t>Il progetto stava prendendo foma l’unico problema era che javaswing non ha un sistema di asse Z</a:t>
+              <a:rPr lang="en-US" dirty="0"/>
+              <a:t>Il </a:t>
             </a:r>
-            <a:endParaRPr/>
-          </a:p>
-        </p:txBody>
-      </p:sp>
-      <p:sp>
-        <p:nvSpPr>
-          <p:cNvPr id="5" name="Content Placeholder 4"/>
-          <p:cNvSpPr>
-            <a:spLocks noGrp="1"/>
-          </p:cNvSpPr>
-          <p:nvPr>
-            <p:ph sz="quarter" idx="12"/>
-          </p:nvPr>
-        </p:nvSpPr>
-        <p:spPr bwMode="auto">
-          <a:xfrm>
-            <a:off x="8113472" y="2039111"/>
-            <a:ext cx="3163824" cy="3840480"/>
-          </a:xfrm>
-        </p:spPr>
-        <p:txBody>
-          <a:bodyPr>
-            <a:normAutofit/>
-          </a:bodyPr>
-          <a:lstStyle/>
-          <a:p>
-            <a:pPr>
-              <a:defRPr/>
-            </a:pPr>
             <a:r>
-              <a:rPr lang="en-US"/>
-              <a:t>Seek feedback</a:t>
+              <a:rPr lang="en-US" dirty="0" err="1"/>
+              <a:t>progetto</a:t>
             </a:r>
-            <a:endParaRPr/>
-          </a:p>
-          <a:p>
-            <a:pPr>
-              <a:defRPr/>
-            </a:pPr>
             <a:r>
-              <a:rPr lang="en-US"/>
-              <a:t>Reflect on performance</a:t>
+              <a:rPr lang="en-US" dirty="0"/>
+              <a:t> </a:t>
             </a:r>
-            <a:endParaRPr/>
-          </a:p>
-          <a:p>
-            <a:pPr>
-              <a:defRPr/>
-            </a:pPr>
             <a:r>
-              <a:rPr lang="en-US"/>
-              <a:t>Explore new techniques</a:t>
+              <a:rPr lang="en-US" dirty="0" err="1"/>
+              <a:t>stava</a:t>
             </a:r>
-            <a:endParaRPr/>
-          </a:p>
-          <a:p>
-            <a:pPr>
-              <a:defRPr/>
-            </a:pPr>
             <a:r>
-              <a:rPr lang="en-US"/>
-              <a:t>Set personal goals</a:t>
+              <a:rPr lang="en-US" dirty="0"/>
+              <a:t> </a:t>
             </a:r>
-            <a:endParaRPr/>
-          </a:p>
-          <a:p>
-            <a:pPr>
-              <a:defRPr/>
-            </a:pPr>
             <a:r>
-              <a:rPr lang="en-US"/>
-              <a:t>Iterate and adapt</a:t>
+              <a:rPr lang="en-US" dirty="0" err="1"/>
+              <a:t>prendendo</a:t>
             </a:r>
-            <a:endParaRPr/>
+            <a:r>
+              <a:rPr lang="en-US" dirty="0"/>
+              <a:t> </a:t>
+            </a:r>
+            <a:r>
+              <a:rPr lang="en-US" dirty="0" err="1"/>
+              <a:t>foma</a:t>
+            </a:r>
+            <a:r>
+              <a:rPr lang="en-US" dirty="0"/>
+              <a:t> </a:t>
+            </a:r>
+            <a:r>
+              <a:rPr lang="en-US" dirty="0" err="1"/>
+              <a:t>l’unico</a:t>
+            </a:r>
+            <a:r>
+              <a:rPr lang="en-US" dirty="0"/>
+              <a:t> </a:t>
+            </a:r>
+            <a:r>
+              <a:rPr lang="en-US" dirty="0" err="1"/>
+              <a:t>problema</a:t>
+            </a:r>
+            <a:r>
+              <a:rPr lang="en-US" dirty="0"/>
+              <a:t> era </a:t>
+            </a:r>
+            <a:r>
+              <a:rPr lang="en-US" dirty="0" err="1"/>
+              <a:t>che</a:t>
+            </a:r>
+            <a:r>
+              <a:rPr lang="en-US" dirty="0"/>
+              <a:t> </a:t>
+            </a:r>
+            <a:r>
+              <a:rPr lang="en-US" dirty="0" err="1"/>
+              <a:t>javaswing</a:t>
+            </a:r>
+            <a:r>
+              <a:rPr lang="en-US" dirty="0"/>
+              <a:t> non ha un </a:t>
+            </a:r>
+            <a:r>
+              <a:rPr lang="en-US" dirty="0" err="1"/>
+              <a:t>sistema</a:t>
+            </a:r>
+            <a:r>
+              <a:rPr lang="en-US" dirty="0"/>
+              <a:t> di asse Z quindi e stato </a:t>
+            </a:r>
+            <a:r>
+              <a:rPr lang="en-US" dirty="0" err="1"/>
+              <a:t>necessario</a:t>
+            </a:r>
+            <a:r>
+              <a:rPr lang="en-US" dirty="0"/>
+              <a:t> </a:t>
+            </a:r>
+            <a:r>
+              <a:rPr lang="en-US" dirty="0" err="1"/>
+              <a:t>studiare</a:t>
+            </a:r>
+            <a:r>
+              <a:rPr lang="en-US" dirty="0"/>
+              <a:t> la classe </a:t>
+            </a:r>
+            <a:r>
+              <a:rPr lang="en-US" dirty="0" err="1"/>
+              <a:t>Jpanel</a:t>
+            </a:r>
+            <a:r>
+              <a:rPr lang="en-US" dirty="0"/>
+              <a:t> e il </a:t>
+            </a:r>
+            <a:r>
+              <a:rPr lang="en-US" dirty="0" err="1"/>
+              <a:t>suo</a:t>
+            </a:r>
+            <a:r>
+              <a:rPr lang="en-US" dirty="0"/>
+              <a:t> </a:t>
+            </a:r>
+            <a:r>
+              <a:rPr lang="en-US" dirty="0" err="1"/>
+              <a:t>costruttore</a:t>
+            </a:r>
+            <a:r>
+              <a:rPr lang="en-US" dirty="0"/>
+              <a:t> e </a:t>
+            </a:r>
+            <a:r>
+              <a:rPr lang="en-US" dirty="0" err="1"/>
+              <a:t>creare</a:t>
+            </a:r>
+            <a:r>
+              <a:rPr lang="en-US" dirty="0"/>
+              <a:t> una </a:t>
+            </a:r>
+            <a:r>
+              <a:rPr lang="en-US" dirty="0" err="1"/>
+              <a:t>sottoclasse</a:t>
+            </a:r>
+            <a:r>
+              <a:rPr lang="en-US" dirty="0"/>
+              <a:t> </a:t>
+            </a:r>
+            <a:r>
+              <a:rPr lang="en-US" dirty="0" err="1"/>
+              <a:t>usando</a:t>
+            </a:r>
+            <a:r>
+              <a:rPr lang="en-US" dirty="0"/>
+              <a:t> EXTENDS </a:t>
+            </a:r>
+            <a:r>
+              <a:rPr lang="en-US" dirty="0" err="1"/>
+              <a:t>che</a:t>
+            </a:r>
+            <a:r>
+              <a:rPr lang="en-US" dirty="0"/>
+              <a:t> </a:t>
+            </a:r>
+            <a:r>
+              <a:rPr lang="en-US" dirty="0" err="1"/>
+              <a:t>disegna</a:t>
+            </a:r>
+            <a:r>
+              <a:rPr lang="en-US" dirty="0"/>
+              <a:t> un imagine a </a:t>
+            </a:r>
+            <a:r>
+              <a:rPr lang="en-US" dirty="0" err="1"/>
+              <a:t>mia</a:t>
+            </a:r>
+            <a:r>
+              <a:rPr lang="en-US" dirty="0"/>
+              <a:t> </a:t>
+            </a:r>
+            <a:r>
+              <a:rPr lang="en-US" dirty="0" err="1"/>
+              <a:t>scelta</a:t>
+            </a:r>
+            <a:r>
+              <a:rPr lang="en-US" dirty="0"/>
+              <a:t> come </a:t>
+            </a:r>
+            <a:r>
+              <a:rPr lang="en-US" dirty="0" err="1"/>
+              <a:t>sfondo</a:t>
+            </a:r>
+            <a:r>
+              <a:rPr lang="en-US" dirty="0"/>
+              <a:t> del </a:t>
+            </a:r>
+            <a:r>
+              <a:rPr lang="en-US" dirty="0" err="1"/>
+              <a:t>panello</a:t>
+            </a:r>
+            <a:r>
+              <a:rPr lang="en-US" dirty="0"/>
+              <a:t> ma NON COME ELEMENTO in modo da </a:t>
+            </a:r>
+            <a:r>
+              <a:rPr lang="en-US" dirty="0" err="1"/>
+              <a:t>poter</a:t>
+            </a:r>
+            <a:r>
+              <a:rPr lang="en-US" dirty="0"/>
+              <a:t> </a:t>
+            </a:r>
+            <a:r>
+              <a:rPr lang="en-US" dirty="0" err="1"/>
+              <a:t>aggiungere</a:t>
+            </a:r>
+            <a:r>
+              <a:rPr lang="en-US" dirty="0"/>
+              <a:t> poi le </a:t>
+            </a:r>
+            <a:r>
+              <a:rPr lang="en-US" dirty="0" err="1"/>
+              <a:t>icone</a:t>
+            </a:r>
+            <a:r>
+              <a:rPr lang="en-US" dirty="0"/>
+              <a:t> del desktop al di sopra di </a:t>
+            </a:r>
+            <a:r>
+              <a:rPr lang="en-US" dirty="0" err="1"/>
+              <a:t>essa</a:t>
+            </a:r>
+            <a:r>
+              <a:rPr lang="en-US" dirty="0"/>
+              <a:t> </a:t>
+            </a:r>
+            <a:endParaRPr dirty="0"/>
           </a:p>
         </p:txBody>
       </p:sp>
@@ -27449,25 +27794,47 @@
           </a:p>
         </p:txBody>
       </p:sp>
+      <p:pic>
+        <p:nvPicPr>
+          <p:cNvPr id="8" name="Picture 7">
+            <a:extLst>
+              <a:ext uri="{FF2B5EF4-FFF2-40B4-BE49-F238E27FC236}">
+                <a16:creationId xmlns:a16="http://schemas.microsoft.com/office/drawing/2014/main" id="{8A93002A-AC86-446D-B06F-20DD9AEA5D50}"/>
+              </a:ext>
+            </a:extLst>
+          </p:cNvPr>
+          <p:cNvPicPr>
+            <a:picLocks noChangeAspect="1"/>
+          </p:cNvPicPr>
+          <p:nvPr/>
+        </p:nvPicPr>
+        <p:blipFill>
+          <a:blip r:embed="rId3"/>
+          <a:stretch>
+            <a:fillRect/>
+          </a:stretch>
+        </p:blipFill>
+        <p:spPr>
+          <a:xfrm>
+            <a:off x="7095067" y="1230351"/>
+            <a:ext cx="4988394" cy="4649240"/>
+          </a:xfrm>
+          <a:prstGeom prst="rect">
+            <a:avLst/>
+          </a:prstGeom>
+        </p:spPr>
+      </p:pic>
     </p:spTree>
   </p:cSld>
   <p:clrMapOvr>
     <a:masterClrMapping/>
   </p:clrMapOvr>
-  <mc:AlternateContent xmlns:mc="http://schemas.openxmlformats.org/markup-compatibility/2006">
-    <mc:Choice xmlns:p159="http://schemas.microsoft.com/office/powerpoint/2015/09/main" xmlns:p14="http://schemas.microsoft.com/office/powerpoint/2010/main" Requires="p159">
-      <p:transition p14:dur="2000" advClick="1"/>
-    </mc:Choice>
-    <mc:Fallback>
-      <p:transition advClick="1"/>
-    </mc:Fallback>
-  </mc:AlternateContent>
 </p:sld>
 </file>
 
 <file path=ppt/slides/slide13.xml><?xml version="1.0" encoding="utf-8"?>
-<p:sld xmlns:a="http://schemas.openxmlformats.org/drawingml/2006/main" xmlns:r="http://schemas.openxmlformats.org/officeDocument/2006/relationships" xmlns:p="http://schemas.openxmlformats.org/presentationml/2006/main" xmlns:m="http://schemas.openxmlformats.org/officeDocument/2006/math" xmlns:w="http://schemas.openxmlformats.org/wordprocessingml/2006/main" showMasterPhAnim="0" show="1">
-  <p:cSld name="">
+<p:sld xmlns:a="http://schemas.openxmlformats.org/drawingml/2006/main" xmlns:r="http://schemas.openxmlformats.org/officeDocument/2006/relationships" xmlns:p="http://schemas.openxmlformats.org/presentationml/2006/main" showMasterPhAnim="0">
+  <p:cSld>
     <p:spTree>
       <p:nvGrpSpPr>
         <p:cNvPr id="1" name=""/>
@@ -27494,7 +27861,7 @@
         </p:nvSpPr>
         <p:spPr bwMode="auto">
           <a:xfrm>
-            <a:off x="914400" y="914400"/>
+            <a:off x="915924" y="607230"/>
             <a:ext cx="10360152" cy="914400"/>
           </a:xfrm>
         </p:spPr>
@@ -27506,535 +27873,21 @@
               <a:defRPr/>
             </a:pPr>
             <a:r>
-              <a:rPr lang="en-US"/>
-              <a:t>speaking engagement metrics</a:t>
+              <a:rPr lang="en-US" dirty="0"/>
+              <a:t>Le {[(“</a:t>
             </a:r>
-            <a:endParaRPr/>
+            <a:r>
+              <a:rPr lang="en-US" dirty="0" err="1"/>
+              <a:t>Applicazioni</a:t>
+            </a:r>
+            <a:r>
+              <a:rPr lang="en-US" dirty="0"/>
+              <a:t>”)]}?</a:t>
+            </a:r>
+            <a:endParaRPr dirty="0"/>
           </a:p>
         </p:txBody>
       </p:sp>
-      <p:graphicFrame>
-        <p:nvGraphicFramePr>
-          <p:cNvPr id="8" name="Content Placeholder 4"/>
-          <p:cNvGraphicFramePr>
-            <a:graphicFrameLocks xmlns:a="http://schemas.openxmlformats.org/drawingml/2006/main" noGrp="1"/>
-          </p:cNvGraphicFramePr>
-          <p:nvPr>
-            <p:ph type="tbl" sz="quarter" idx="14"/>
-          </p:nvPr>
-        </p:nvGraphicFramePr>
-        <p:xfrm>
-          <a:off x="914400" y="2038349"/>
-          <a:ext cx="10515597" cy="3902538"/>
-        </p:xfrm>
-        <a:graphic>
-          <a:graphicData uri="http://schemas.openxmlformats.org/drawingml/2006/table">
-            <a:tbl>
-              <a:tblPr firstRow="1" firstCol="0" lastRow="0" lastCol="0" bandRow="1" bandCol="0">
-                <a:tableStyleId>{C4B1156A-380E-4F78-BDF5-A606A8083BF9}</a:tableStyleId>
-              </a:tblPr>
-              <a:tblGrid>
-                <a:gridCol w="3548095"/>
-                <a:gridCol w="3548095"/>
-                <a:gridCol w="1709704"/>
-                <a:gridCol w="1709704"/>
-              </a:tblGrid>
-              <a:tr h="650423">
-                <a:tc>
-                  <a:txBody>
-                    <a:bodyPr/>
-                    <a:p>
-                      <a:pPr>
-                        <a:defRPr/>
-                      </a:pPr>
-                      <a:r>
-                        <a:rPr lang="en-US" sz="2000" b="0">
-                          <a:solidFill>
-                            <a:schemeClr val="tx1"/>
-                          </a:solidFill>
-                        </a:rPr>
-                        <a:t>IMPACT FACTOR</a:t>
-                      </a:r>
-                      <a:endParaRPr/>
-                    </a:p>
-                  </a:txBody>
-                  <a:tcPr anchor="ctr"/>
-                </a:tc>
-                <a:tc>
-                  <a:txBody>
-                    <a:bodyPr/>
-                    <a:p>
-                      <a:pPr>
-                        <a:defRPr/>
-                      </a:pPr>
-                      <a:r>
-                        <a:rPr lang="en-US" sz="2000" b="0">
-                          <a:solidFill>
-                            <a:schemeClr val="tx1"/>
-                          </a:solidFill>
-                        </a:rPr>
-                        <a:t>MEASUREMENT</a:t>
-                      </a:r>
-                      <a:endParaRPr/>
-                    </a:p>
-                  </a:txBody>
-                  <a:tcPr anchor="ctr"/>
-                </a:tc>
-                <a:tc>
-                  <a:txBody>
-                    <a:bodyPr/>
-                    <a:p>
-                      <a:pPr>
-                        <a:defRPr/>
-                      </a:pPr>
-                      <a:r>
-                        <a:rPr lang="en-US" sz="2000" b="0">
-                          <a:solidFill>
-                            <a:schemeClr val="tx1"/>
-                          </a:solidFill>
-                        </a:rPr>
-                        <a:t>TARGET</a:t>
-                      </a:r>
-                      <a:endParaRPr/>
-                    </a:p>
-                  </a:txBody>
-                  <a:tcPr anchor="ctr"/>
-                </a:tc>
-                <a:tc>
-                  <a:txBody>
-                    <a:bodyPr/>
-                    <a:p>
-                      <a:pPr>
-                        <a:defRPr/>
-                      </a:pPr>
-                      <a:r>
-                        <a:rPr lang="en-US" sz="2000" b="0">
-                          <a:solidFill>
-                            <a:schemeClr val="tx1"/>
-                          </a:solidFill>
-                        </a:rPr>
-                        <a:t>ACHIEVED</a:t>
-                      </a:r>
-                      <a:endParaRPr/>
-                    </a:p>
-                  </a:txBody>
-                  <a:tcPr anchor="ctr"/>
-                </a:tc>
-              </a:tr>
-              <a:tr h="650423">
-                <a:tc>
-                  <a:txBody>
-                    <a:bodyPr/>
-                    <a:p>
-                      <a:pPr>
-                        <a:defRPr/>
-                      </a:pPr>
-                      <a:r>
-                        <a:rPr lang="en-US" sz="2000" b="0">
-                          <a:solidFill>
-                            <a:schemeClr val="tx1"/>
-                          </a:solidFill>
-                        </a:rPr>
-                        <a:t>Audience interaction</a:t>
-                      </a:r>
-                      <a:endParaRPr/>
-                    </a:p>
-                  </a:txBody>
-                  <a:tcPr anchor="ctr"/>
-                </a:tc>
-                <a:tc>
-                  <a:txBody>
-                    <a:bodyPr/>
-                    <a:p>
-                      <a:pPr>
-                        <a:defRPr/>
-                      </a:pPr>
-                      <a:r>
-                        <a:rPr lang="en-US" sz="2000" b="0">
-                          <a:solidFill>
-                            <a:schemeClr val="tx1"/>
-                          </a:solidFill>
-                        </a:rPr>
-                        <a:t>Percentage (%)</a:t>
-                      </a:r>
-                      <a:endParaRPr/>
-                    </a:p>
-                  </a:txBody>
-                  <a:tcPr anchor="ctr"/>
-                </a:tc>
-                <a:tc>
-                  <a:txBody>
-                    <a:bodyPr/>
-                    <a:p>
-                      <a:pPr>
-                        <a:defRPr/>
-                      </a:pPr>
-                      <a:r>
-                        <a:rPr lang="en-US" sz="2000" b="0">
-                          <a:solidFill>
-                            <a:schemeClr val="tx1"/>
-                          </a:solidFill>
-                        </a:rPr>
-                        <a:t>85</a:t>
-                      </a:r>
-                      <a:endParaRPr/>
-                    </a:p>
-                  </a:txBody>
-                  <a:tcPr anchor="ctr"/>
-                </a:tc>
-                <a:tc>
-                  <a:txBody>
-                    <a:bodyPr/>
-                    <a:p>
-                      <a:pPr>
-                        <a:defRPr/>
-                      </a:pPr>
-                      <a:r>
-                        <a:rPr lang="en-US" sz="2000" b="0">
-                          <a:solidFill>
-                            <a:schemeClr val="tx1"/>
-                          </a:solidFill>
-                        </a:rPr>
-                        <a:t>88</a:t>
-                      </a:r>
-                      <a:endParaRPr/>
-                    </a:p>
-                  </a:txBody>
-                  <a:tcPr anchor="ctr"/>
-                </a:tc>
-              </a:tr>
-              <a:tr h="650423">
-                <a:tc>
-                  <a:txBody>
-                    <a:bodyPr/>
-                    <a:p>
-                      <a:pPr>
-                        <a:defRPr/>
-                      </a:pPr>
-                      <a:r>
-                        <a:rPr lang="en-US" sz="2000" b="0">
-                          <a:solidFill>
-                            <a:schemeClr val="tx1"/>
-                          </a:solidFill>
-                        </a:rPr>
-                        <a:t>Knowledge retention</a:t>
-                      </a:r>
-                      <a:endParaRPr/>
-                    </a:p>
-                  </a:txBody>
-                  <a:tcPr anchor="ctr"/>
-                </a:tc>
-                <a:tc>
-                  <a:txBody>
-                    <a:bodyPr/>
-                    <a:p>
-                      <a:pPr>
-                        <a:defRPr/>
-                      </a:pPr>
-                      <a:r>
-                        <a:rPr lang="en-US" sz="2000" b="0">
-                          <a:solidFill>
-                            <a:schemeClr val="tx1"/>
-                          </a:solidFill>
-                        </a:rPr>
-                        <a:t>Percentage (%)</a:t>
-                      </a:r>
-                      <a:endParaRPr/>
-                    </a:p>
-                  </a:txBody>
-                  <a:tcPr anchor="ctr"/>
-                </a:tc>
-                <a:tc>
-                  <a:txBody>
-                    <a:bodyPr/>
-                    <a:p>
-                      <a:pPr>
-                        <a:defRPr/>
-                      </a:pPr>
-                      <a:r>
-                        <a:rPr lang="en-US" sz="2000" b="0">
-                          <a:solidFill>
-                            <a:schemeClr val="tx1"/>
-                          </a:solidFill>
-                        </a:rPr>
-                        <a:t>75</a:t>
-                      </a:r>
-                      <a:endParaRPr/>
-                    </a:p>
-                  </a:txBody>
-                  <a:tcPr anchor="ctr"/>
-                </a:tc>
-                <a:tc>
-                  <a:txBody>
-                    <a:bodyPr/>
-                    <a:p>
-                      <a:pPr>
-                        <a:defRPr/>
-                      </a:pPr>
-                      <a:r>
-                        <a:rPr lang="en-US" sz="2000" b="0">
-                          <a:solidFill>
-                            <a:schemeClr val="tx1"/>
-                          </a:solidFill>
-                        </a:rPr>
-                        <a:t>80</a:t>
-                      </a:r>
-                      <a:endParaRPr/>
-                    </a:p>
-                  </a:txBody>
-                  <a:tcPr anchor="ctr"/>
-                </a:tc>
-              </a:tr>
-              <a:tr h="650423">
-                <a:tc>
-                  <a:txBody>
-                    <a:bodyPr/>
-                    <a:p>
-                      <a:pPr>
-                        <a:defRPr/>
-                      </a:pPr>
-                      <a:r>
-                        <a:rPr lang="en-US" sz="2000" b="0">
-                          <a:solidFill>
-                            <a:schemeClr val="tx1"/>
-                          </a:solidFill>
-                        </a:rPr>
-                        <a:t>Post-presentation surveys</a:t>
-                      </a:r>
-                      <a:endParaRPr/>
-                    </a:p>
-                  </a:txBody>
-                  <a:tcPr anchor="ctr"/>
-                </a:tc>
-                <a:tc>
-                  <a:txBody>
-                    <a:bodyPr/>
-                    <a:p>
-                      <a:pPr>
-                        <a:defRPr/>
-                      </a:pPr>
-                      <a:r>
-                        <a:rPr lang="en-US" sz="2000" b="0">
-                          <a:solidFill>
-                            <a:schemeClr val="tx1"/>
-                          </a:solidFill>
-                        </a:rPr>
-                        <a:t>Average rating</a:t>
-                      </a:r>
-                      <a:endParaRPr/>
-                    </a:p>
-                  </a:txBody>
-                  <a:tcPr anchor="ctr"/>
-                </a:tc>
-                <a:tc>
-                  <a:txBody>
-                    <a:bodyPr/>
-                    <a:p>
-                      <a:pPr>
-                        <a:defRPr/>
-                      </a:pPr>
-                      <a:r>
-                        <a:rPr lang="en-US" sz="2000" b="0">
-                          <a:solidFill>
-                            <a:schemeClr val="tx1"/>
-                          </a:solidFill>
-                        </a:rPr>
-                        <a:t>4.2</a:t>
-                      </a:r>
-                      <a:endParaRPr/>
-                    </a:p>
-                  </a:txBody>
-                  <a:tcPr anchor="ctr"/>
-                </a:tc>
-                <a:tc>
-                  <a:txBody>
-                    <a:bodyPr/>
-                    <a:p>
-                      <a:pPr>
-                        <a:defRPr/>
-                      </a:pPr>
-                      <a:r>
-                        <a:rPr lang="en-US" sz="2000" b="0">
-                          <a:solidFill>
-                            <a:schemeClr val="tx1"/>
-                          </a:solidFill>
-                        </a:rPr>
-                        <a:t>4.5</a:t>
-                      </a:r>
-                      <a:endParaRPr/>
-                    </a:p>
-                  </a:txBody>
-                  <a:tcPr anchor="ctr"/>
-                </a:tc>
-              </a:tr>
-              <a:tr h="650423">
-                <a:tc>
-                  <a:txBody>
-                    <a:bodyPr/>
-                    <a:p>
-                      <a:pPr>
-                        <a:defRPr/>
-                      </a:pPr>
-                      <a:r>
-                        <a:rPr lang="en-US" sz="2000" b="0">
-                          <a:solidFill>
-                            <a:schemeClr val="tx1"/>
-                          </a:solidFill>
-                        </a:rPr>
-                        <a:t>Referral rate</a:t>
-                      </a:r>
-                      <a:endParaRPr/>
-                    </a:p>
-                  </a:txBody>
-                  <a:tcPr anchor="ctr"/>
-                </a:tc>
-                <a:tc>
-                  <a:txBody>
-                    <a:bodyPr/>
-                    <a:p>
-                      <a:pPr>
-                        <a:defRPr/>
-                      </a:pPr>
-                      <a:r>
-                        <a:rPr lang="en-US" sz="2000" b="0">
-                          <a:solidFill>
-                            <a:schemeClr val="tx1"/>
-                          </a:solidFill>
-                        </a:rPr>
-                        <a:t>Percentage (%)</a:t>
-                      </a:r>
-                      <a:endParaRPr/>
-                    </a:p>
-                  </a:txBody>
-                  <a:tcPr anchor="ctr"/>
-                </a:tc>
-                <a:tc>
-                  <a:txBody>
-                    <a:bodyPr/>
-                    <a:p>
-                      <a:pPr>
-                        <a:defRPr/>
-                      </a:pPr>
-                      <a:r>
-                        <a:rPr lang="en-US" sz="2000" b="0">
-                          <a:solidFill>
-                            <a:schemeClr val="tx1"/>
-                          </a:solidFill>
-                        </a:rPr>
-                        <a:t>10</a:t>
-                      </a:r>
-                      <a:endParaRPr/>
-                    </a:p>
-                  </a:txBody>
-                  <a:tcPr anchor="ctr"/>
-                </a:tc>
-                <a:tc>
-                  <a:txBody>
-                    <a:bodyPr/>
-                    <a:p>
-                      <a:pPr>
-                        <a:defRPr/>
-                      </a:pPr>
-                      <a:r>
-                        <a:rPr lang="en-US" sz="2000" b="0">
-                          <a:solidFill>
-                            <a:schemeClr val="tx1"/>
-                          </a:solidFill>
-                        </a:rPr>
-                        <a:t>12</a:t>
-                      </a:r>
-                      <a:endParaRPr/>
-                    </a:p>
-                  </a:txBody>
-                  <a:tcPr anchor="ctr"/>
-                </a:tc>
-              </a:tr>
-              <a:tr h="650423">
-                <a:tc>
-                  <a:txBody>
-                    <a:bodyPr/>
-                    <a:p>
-                      <a:pPr>
-                        <a:defRPr/>
-                      </a:pPr>
-                      <a:r>
-                        <a:rPr lang="en-US" sz="2000" b="0">
-                          <a:solidFill>
-                            <a:schemeClr val="tx1"/>
-                          </a:solidFill>
-                        </a:rPr>
-                        <a:t>Collaboration opportunities</a:t>
-                      </a:r>
-                      <a:endParaRPr/>
-                    </a:p>
-                  </a:txBody>
-                  <a:tcPr anchor="ctr"/>
-                </a:tc>
-                <a:tc>
-                  <a:txBody>
-                    <a:bodyPr/>
-                    <a:p>
-                      <a:pPr>
-                        <a:defRPr/>
-                      </a:pPr>
-                      <a:r>
-                        <a:rPr lang="en-US" sz="2000" b="0">
-                          <a:solidFill>
-                            <a:schemeClr val="tx1"/>
-                          </a:solidFill>
-                        </a:rPr>
-                        <a:t># of opportunities</a:t>
-                      </a:r>
-                      <a:endParaRPr/>
-                    </a:p>
-                  </a:txBody>
-                  <a:tcPr anchor="ctr"/>
-                </a:tc>
-                <a:tc>
-                  <a:txBody>
-                    <a:bodyPr/>
-                    <a:p>
-                      <a:pPr>
-                        <a:defRPr/>
-                      </a:pPr>
-                      <a:r>
-                        <a:rPr lang="en-US" sz="2000" b="0">
-                          <a:solidFill>
-                            <a:schemeClr val="tx1"/>
-                          </a:solidFill>
-                        </a:rPr>
-                        <a:t>8</a:t>
-                      </a:r>
-                      <a:endParaRPr/>
-                    </a:p>
-                  </a:txBody>
-                  <a:tcPr anchor="ctr"/>
-                </a:tc>
-                <a:tc>
-                  <a:txBody>
-                    <a:bodyPr/>
-                    <a:p>
-                      <a:pPr>
-                        <a:defRPr/>
-                      </a:pPr>
-                      <a:r>
-                        <a:rPr lang="en-US" sz="2000" b="0">
-                          <a:solidFill>
-                            <a:schemeClr val="tx1"/>
-                          </a:solidFill>
-                        </a:rPr>
-                        <a:t>10</a:t>
-                      </a:r>
-                      <a:endParaRPr/>
-                    </a:p>
-                  </a:txBody>
-                  <a:tcPr anchor="ctr"/>
-                </a:tc>
-              </a:tr>
-            </a:tbl>
-          </a:graphicData>
-        </a:graphic>
-      </p:graphicFrame>
       <p:sp>
         <p:nvSpPr>
           <p:cNvPr id="4" name="Slide Number Placeholder 3"/>
@@ -28047,7 +27900,7 @@
         </p:nvSpPr>
         <p:spPr bwMode="auto">
           <a:xfrm>
-            <a:off x="11353800" y="5879804"/>
+            <a:off x="11355324" y="5572634"/>
             <a:ext cx="661416" cy="895899"/>
           </a:xfrm>
         </p:spPr>
@@ -28066,158 +27919,257 @@
           </a:p>
         </p:txBody>
       </p:sp>
+      <p:sp>
+        <p:nvSpPr>
+          <p:cNvPr id="7" name="TextBox 6">
+            <a:extLst>
+              <a:ext uri="{FF2B5EF4-FFF2-40B4-BE49-F238E27FC236}">
+                <a16:creationId xmlns:a16="http://schemas.microsoft.com/office/drawing/2014/main" id="{83CB62C7-B599-4007-B131-9AAA520CC50A}"/>
+              </a:ext>
+            </a:extLst>
+          </p:cNvPr>
+          <p:cNvSpPr txBox="1"/>
+          <p:nvPr/>
+        </p:nvSpPr>
+        <p:spPr>
+          <a:xfrm>
+            <a:off x="982133" y="1845733"/>
+            <a:ext cx="10360152" cy="1477328"/>
+          </a:xfrm>
+          <a:prstGeom prst="rect">
+            <a:avLst/>
+          </a:prstGeom>
+          <a:noFill/>
+        </p:spPr>
+        <p:txBody>
+          <a:bodyPr wrap="square" rtlCol="0">
+            <a:spAutoFit/>
+          </a:bodyPr>
+          <a:lstStyle/>
+          <a:p>
+            <a:r>
+              <a:rPr lang="en-US" dirty="0" err="1"/>
+              <a:t>Adesso</a:t>
+            </a:r>
+            <a:r>
+              <a:rPr lang="en-US" dirty="0"/>
+              <a:t> </a:t>
+            </a:r>
+            <a:r>
+              <a:rPr lang="en-US" dirty="0" err="1"/>
+              <a:t>che</a:t>
+            </a:r>
+            <a:r>
+              <a:rPr lang="en-US" dirty="0"/>
+              <a:t> la base era </a:t>
+            </a:r>
+            <a:r>
+              <a:rPr lang="en-US" dirty="0" err="1"/>
+              <a:t>pronta</a:t>
+            </a:r>
+            <a:r>
+              <a:rPr lang="en-US" dirty="0"/>
+              <a:t> ho </a:t>
+            </a:r>
+            <a:r>
+              <a:rPr lang="en-US" dirty="0" err="1"/>
+              <a:t>addobbato</a:t>
+            </a:r>
+            <a:r>
+              <a:rPr lang="en-US" dirty="0"/>
+              <a:t> il “Desktop” con una </a:t>
+            </a:r>
+            <a:r>
+              <a:rPr lang="en-US" dirty="0" err="1"/>
+              <a:t>copia</a:t>
+            </a:r>
+            <a:r>
+              <a:rPr lang="en-US" dirty="0"/>
+              <a:t> di </a:t>
+            </a:r>
+            <a:r>
+              <a:rPr lang="en-US" dirty="0" err="1"/>
+              <a:t>alcune</a:t>
+            </a:r>
+            <a:r>
+              <a:rPr lang="en-US" dirty="0"/>
+              <a:t> </a:t>
+            </a:r>
+            <a:r>
+              <a:rPr lang="en-US" dirty="0" err="1"/>
+              <a:t>applicazioni</a:t>
+            </a:r>
+            <a:r>
+              <a:rPr lang="en-US" dirty="0"/>
+              <a:t> </a:t>
+            </a:r>
+            <a:r>
+              <a:rPr lang="en-US" dirty="0" err="1"/>
+              <a:t>che</a:t>
+            </a:r>
+            <a:r>
+              <a:rPr lang="en-US" dirty="0"/>
+              <a:t> </a:t>
+            </a:r>
+            <a:r>
+              <a:rPr lang="en-US" dirty="0" err="1"/>
+              <a:t>potrebbero</a:t>
+            </a:r>
+            <a:r>
+              <a:rPr lang="en-US" dirty="0"/>
+              <a:t> essere </a:t>
+            </a:r>
+            <a:r>
+              <a:rPr lang="en-US" dirty="0" err="1"/>
+              <a:t>incluse</a:t>
+            </a:r>
+            <a:r>
+              <a:rPr lang="en-US" dirty="0"/>
+              <a:t> in un </a:t>
+            </a:r>
+            <a:r>
+              <a:rPr lang="en-US" dirty="0" err="1"/>
+              <a:t>sistema</a:t>
+            </a:r>
+            <a:r>
+              <a:rPr lang="en-US" dirty="0"/>
+              <a:t> come windows XP in </a:t>
+            </a:r>
+            <a:r>
+              <a:rPr lang="en-US" dirty="0" err="1"/>
+              <a:t>particolare</a:t>
+            </a:r>
+            <a:r>
+              <a:rPr lang="en-US" dirty="0"/>
+              <a:t> il NOTEPAD e la CALCOLATRICE</a:t>
+            </a:r>
+          </a:p>
+          <a:p>
+            <a:endParaRPr lang="en-US" dirty="0"/>
+          </a:p>
+          <a:p>
+            <a:r>
+              <a:rPr lang="en-US" dirty="0"/>
+              <a:t>Ho </a:t>
+            </a:r>
+            <a:r>
+              <a:rPr lang="en-US" dirty="0" err="1"/>
+              <a:t>scelto</a:t>
+            </a:r>
+            <a:r>
+              <a:rPr lang="en-US" dirty="0"/>
+              <a:t> queste due app per delle </a:t>
+            </a:r>
+            <a:r>
+              <a:rPr lang="en-US" dirty="0" err="1"/>
+              <a:t>caratteristiche</a:t>
+            </a:r>
+            <a:r>
+              <a:rPr lang="en-US" dirty="0"/>
+              <a:t> ben precise: </a:t>
+            </a:r>
+          </a:p>
+          <a:p>
+            <a:r>
+              <a:rPr lang="en-US" dirty="0" err="1"/>
+              <a:t>Salvare</a:t>
+            </a:r>
+            <a:r>
+              <a:rPr lang="en-US" dirty="0"/>
+              <a:t> e </a:t>
+            </a:r>
+            <a:r>
+              <a:rPr lang="en-US" dirty="0" err="1"/>
+              <a:t>leggere</a:t>
+            </a:r>
+            <a:r>
+              <a:rPr lang="en-US" dirty="0"/>
+              <a:t> file per Il </a:t>
+            </a:r>
+            <a:r>
+              <a:rPr lang="en-US" dirty="0" err="1"/>
+              <a:t>blocco</a:t>
+            </a:r>
+            <a:r>
+              <a:rPr lang="en-US" dirty="0"/>
+              <a:t> note e il </a:t>
+            </a:r>
+            <a:r>
+              <a:rPr lang="en-US" dirty="0" err="1"/>
+              <a:t>calcolatore</a:t>
+            </a:r>
+            <a:r>
+              <a:rPr lang="en-US" dirty="0"/>
+              <a:t> di </a:t>
+            </a:r>
+            <a:r>
+              <a:rPr lang="en-US" dirty="0" err="1"/>
+              <a:t>espressioni</a:t>
+            </a:r>
+            <a:r>
+              <a:rPr lang="en-US" dirty="0"/>
+              <a:t> </a:t>
+            </a:r>
+            <a:r>
+              <a:rPr lang="en-US" dirty="0" err="1"/>
+              <a:t>matematiche</a:t>
+            </a:r>
+            <a:r>
+              <a:rPr lang="en-US" dirty="0"/>
+              <a:t> per la </a:t>
+            </a:r>
+            <a:r>
+              <a:rPr lang="en-US" dirty="0" err="1"/>
+              <a:t>calcolatrice</a:t>
+            </a:r>
+            <a:r>
+              <a:rPr lang="en-US" dirty="0"/>
+              <a:t>.</a:t>
+            </a:r>
+          </a:p>
+        </p:txBody>
+      </p:sp>
+      <p:pic>
+        <p:nvPicPr>
+          <p:cNvPr id="11" name="Picture 10">
+            <a:extLst>
+              <a:ext uri="{FF2B5EF4-FFF2-40B4-BE49-F238E27FC236}">
+                <a16:creationId xmlns:a16="http://schemas.microsoft.com/office/drawing/2014/main" id="{19E463DC-D793-45FA-9DDE-A5DFE2F8FD3C}"/>
+              </a:ext>
+            </a:extLst>
+          </p:cNvPr>
+          <p:cNvPicPr>
+            <a:picLocks noChangeAspect="1"/>
+          </p:cNvPicPr>
+          <p:nvPr/>
+        </p:nvPicPr>
+        <p:blipFill>
+          <a:blip r:embed="rId3"/>
+          <a:stretch>
+            <a:fillRect/>
+          </a:stretch>
+        </p:blipFill>
+        <p:spPr>
+          <a:xfrm>
+            <a:off x="2861732" y="3323061"/>
+            <a:ext cx="6163734" cy="3322638"/>
+          </a:xfrm>
+          <a:prstGeom prst="rect">
+            <a:avLst/>
+          </a:prstGeom>
+        </p:spPr>
+      </p:pic>
     </p:spTree>
   </p:cSld>
   <p:clrMapOvr>
     <a:masterClrMapping/>
   </p:clrMapOvr>
-  <mc:AlternateContent xmlns:mc="http://schemas.openxmlformats.org/markup-compatibility/2006">
-    <mc:Choice xmlns:p159="http://schemas.microsoft.com/office/powerpoint/2015/09/main" xmlns:p14="http://schemas.microsoft.com/office/powerpoint/2010/main" Requires="p159">
-      <p:transition p14:dur="2000" advClick="1"/>
-    </mc:Choice>
-    <mc:Fallback>
-      <p:transition advClick="1"/>
-    </mc:Fallback>
-  </mc:AlternateContent>
-</p:sld>
-</file>
-
-<file path=ppt/slides/slide14.xml><?xml version="1.0" encoding="utf-8"?>
-<p:sld xmlns:a="http://schemas.openxmlformats.org/drawingml/2006/main" xmlns:r="http://schemas.openxmlformats.org/officeDocument/2006/relationships" xmlns:p="http://schemas.openxmlformats.org/presentationml/2006/main" xmlns:m="http://schemas.openxmlformats.org/officeDocument/2006/math" xmlns:w="http://schemas.openxmlformats.org/wordprocessingml/2006/main" showMasterPhAnim="0" show="1">
-  <p:cSld name="">
-    <p:bg>
-      <p:bgPr shadeToTitle="0">
-        <a:solidFill>
-          <a:schemeClr val="bg2"/>
-        </a:solidFill>
-      </p:bgPr>
-    </p:bg>
-    <p:spTree>
-      <p:nvGrpSpPr>
-        <p:cNvPr id="1" name=""/>
-        <p:cNvGrpSpPr/>
-        <p:nvPr/>
-      </p:nvGrpSpPr>
-      <p:grpSpPr bwMode="auto">
-        <a:xfrm>
-          <a:off x="0" y="0"/>
-          <a:ext cx="0" cy="0"/>
-          <a:chOff x="0" y="0"/>
-          <a:chExt cx="0" cy="0"/>
-        </a:xfrm>
-      </p:grpSpPr>
-      <p:sp>
-        <p:nvSpPr>
-          <p:cNvPr id="6" name="Title 5"/>
-          <p:cNvSpPr>
-            <a:spLocks noGrp="1"/>
-          </p:cNvSpPr>
-          <p:nvPr>
-            <p:ph type="ctrTitle"/>
-          </p:nvPr>
-        </p:nvSpPr>
-        <p:spPr bwMode="auto"/>
-        <p:txBody>
-          <a:bodyPr/>
-          <a:lstStyle/>
-          <a:p>
-            <a:pPr>
-              <a:defRPr/>
-            </a:pPr>
-            <a:r>
-              <a:rPr lang="en-US"/>
-              <a:t>thank you</a:t>
-            </a:r>
-            <a:endParaRPr/>
-          </a:p>
-        </p:txBody>
-      </p:sp>
-      <p:sp>
-        <p:nvSpPr>
-          <p:cNvPr id="11" name="Content Placeholder 10"/>
-          <p:cNvSpPr>
-            <a:spLocks noGrp="1"/>
-          </p:cNvSpPr>
-          <p:nvPr>
-            <p:ph sz="quarter" idx="13"/>
-          </p:nvPr>
-        </p:nvSpPr>
-        <p:spPr bwMode="auto">
-          <a:xfrm>
-            <a:off x="6848856" y="914400"/>
-            <a:ext cx="3867911" cy="5029200"/>
-          </a:xfrm>
-        </p:spPr>
-        <p:txBody>
-          <a:bodyPr anchor="ctr"/>
-          <a:lstStyle/>
-          <a:p>
-            <a:pPr>
-              <a:defRPr/>
-            </a:pPr>
-            <a:r>
-              <a:rPr lang="en-US"/>
-              <a:t>BRITA TAMM</a:t>
-            </a:r>
-            <a:endParaRPr/>
-          </a:p>
-          <a:p>
-            <a:pPr>
-              <a:defRPr/>
-            </a:pPr>
-            <a:r>
-              <a:rPr lang="en-US"/>
-              <a:t>502-555-0152</a:t>
-            </a:r>
-            <a:endParaRPr/>
-          </a:p>
-          <a:p>
-            <a:pPr lvl="1">
-              <a:defRPr/>
-            </a:pPr>
-            <a:r>
-              <a:rPr lang="en-US"/>
-              <a:t>brita@firstupconsultants.com</a:t>
-            </a:r>
-            <a:endParaRPr/>
-          </a:p>
-          <a:p>
-            <a:pPr lvl="1">
-              <a:defRPr/>
-            </a:pPr>
-            <a:r>
-              <a:rPr lang="en-US"/>
-              <a:t>www.firstupconsultants.com</a:t>
-            </a:r>
-            <a:endParaRPr/>
-          </a:p>
-          <a:p>
-            <a:pPr>
-              <a:defRPr/>
-            </a:pPr>
-            <a:endParaRPr lang="en-US"/>
-          </a:p>
-        </p:txBody>
-      </p:sp>
-    </p:spTree>
-  </p:cSld>
-  <p:clrMapOvr>
-    <a:masterClrMapping/>
-  </p:clrMapOvr>
-  <mc:AlternateContent xmlns:mc="http://schemas.openxmlformats.org/markup-compatibility/2006">
-    <mc:Choice xmlns:p159="http://schemas.microsoft.com/office/powerpoint/2015/09/main" xmlns:p14="http://schemas.microsoft.com/office/powerpoint/2010/main" Requires="p159">
-      <p:transition p14:dur="2000" advClick="1"/>
-    </mc:Choice>
-    <mc:Fallback>
-      <p:transition advClick="1"/>
-    </mc:Fallback>
-  </mc:AlternateContent>
 </p:sld>
 </file>
 
 <file path=ppt/slides/slide2.xml><?xml version="1.0" encoding="utf-8"?>
-<p:sld xmlns:a="http://schemas.openxmlformats.org/drawingml/2006/main" xmlns:r="http://schemas.openxmlformats.org/officeDocument/2006/relationships" xmlns:p="http://schemas.openxmlformats.org/presentationml/2006/main" xmlns:m="http://schemas.openxmlformats.org/officeDocument/2006/math" xmlns:w="http://schemas.openxmlformats.org/wordprocessingml/2006/main" showMasterPhAnim="0" show="1">
-  <p:cSld name="">
+<p:sld xmlns:a="http://schemas.openxmlformats.org/drawingml/2006/main" xmlns:r="http://schemas.openxmlformats.org/officeDocument/2006/relationships" xmlns:p="http://schemas.openxmlformats.org/presentationml/2006/main" showMasterPhAnim="0">
+  <p:cSld>
     <p:spTree>
       <p:nvGrpSpPr>
         <p:cNvPr id="1" name=""/>
@@ -28259,7 +28211,6 @@
               <a:rPr lang="en-US"/>
               <a:t>Indice</a:t>
             </a:r>
-            <a:endParaRPr lang="en-US"/>
           </a:p>
         </p:txBody>
       </p:sp>
@@ -28267,27 +28218,39 @@
         <p:nvGraphicFramePr>
           <p:cNvPr id="6" name="Table 4"/>
           <p:cNvGraphicFramePr>
-            <a:graphicFrameLocks xmlns:a="http://schemas.openxmlformats.org/drawingml/2006/main" noGrp="1"/>
+            <a:graphicFrameLocks noGrp="1"/>
           </p:cNvGraphicFramePr>
           <p:nvPr>
             <p:ph idx="1"/>
+            <p:extLst>
+              <p:ext uri="{D42A27DB-BD31-4B8C-83A1-F6EECF244321}">
+                <p14:modId xmlns:p14="http://schemas.microsoft.com/office/powerpoint/2010/main" val="3307666933"/>
+              </p:ext>
+            </p:extLst>
           </p:nvPr>
         </p:nvGraphicFramePr>
         <p:xfrm>
           <a:off x="6869113" y="1143000"/>
-          <a:ext cx="4190999" cy="4614818"/>
+          <a:ext cx="4190999" cy="4574656"/>
         </p:xfrm>
         <a:graphic>
           <a:graphicData uri="http://schemas.openxmlformats.org/drawingml/2006/table">
             <a:tbl>
-              <a:tblPr firstRow="1" firstCol="0" lastRow="0" lastCol="0" bandRow="1" bandCol="0"/>
+              <a:tblPr firstRow="1" bandRow="1"/>
               <a:tblGrid>
-                <a:gridCol w="4190999"/>
+                <a:gridCol w="4190999">
+                  <a:extLst>
+                    <a:ext uri="{9D8B030D-6E8A-4147-A177-3AD203B41FA5}">
+                      <a16:colId xmlns:a16="http://schemas.microsoft.com/office/drawing/2014/main" val="20000"/>
+                    </a:ext>
+                  </a:extLst>
+                </a:gridCol>
               </a:tblGrid>
               <a:tr h="782798">
                 <a:tc>
                   <a:txBody>
                     <a:bodyPr/>
+                    <a:lstStyle/>
                     <a:p>
                       <a:pPr marL="0" marR="0" lvl="0" indent="0" algn="r" defTabSz="914400">
                         <a:lnSpc>
@@ -28306,28 +28269,16 @@
                         <a:defRPr/>
                       </a:pPr>
                       <a:r>
-                        <a:rPr lang="en-US" sz="2400" b="0">
+                        <a:rPr lang="en-US" sz="2400" b="0" dirty="0" err="1">
                           <a:latin typeface="+mn-lt"/>
                           <a:cs typeface="Gill Sans Light"/>
                         </a:rPr>
                         <a:t>Introduzione</a:t>
                       </a:r>
-                      <a:endParaRPr lang="en-US" sz="2400" b="0">
+                      <a:endParaRPr lang="en-US" sz="2400" b="0" dirty="0">
                         <a:latin typeface="+mn-lt"/>
                         <a:cs typeface="Gill Sans Light"/>
                       </a:endParaRPr>
-                    </a:p>
-                    <a:p>
-                      <a:pPr algn="r">
-                        <a:defRPr/>
-                      </a:pPr>
-                      <a:r>
-                        <a:rPr lang="en-US" sz="2400" b="0">
-                          <a:latin typeface="+mj-lt"/>
-                        </a:rPr>
-                        <a:t>3</a:t>
-                      </a:r>
-                      <a:endParaRPr/>
                     </a:p>
                   </a:txBody>
                   <a:tcPr>
@@ -28347,45 +28298,34 @@
                     </a:lnB>
                   </a:tcPr>
                 </a:tc>
+                <a:extLst>
+                  <a:ext uri="{0D108BD9-81ED-4DB2-BD59-A6C34878D82A}">
+                    <a16:rowId xmlns:a16="http://schemas.microsoft.com/office/drawing/2014/main" val="10000"/>
+                  </a:ext>
+                </a:extLst>
               </a:tr>
               <a:tr h="979008">
                 <a:tc>
                   <a:txBody>
                     <a:bodyPr/>
+                    <a:lstStyle/>
                     <a:p>
                       <a:pPr algn="r">
                         <a:defRPr/>
                       </a:pPr>
                       <a:r>
-                        <a:rPr lang="en-US" sz="2400" b="0"/>
+                        <a:rPr lang="en-US" sz="2400" b="0" dirty="0"/>
                         <a:t>Il </a:t>
                       </a:r>
                       <a:r>
-                        <a:rPr lang="en-US" sz="2400" b="0"/>
+                        <a:rPr lang="en-US" sz="2400" b="0" dirty="0" err="1"/>
                         <a:t>linguaggio</a:t>
                       </a:r>
                       <a:r>
-                        <a:rPr lang="en-US" sz="2400" b="0"/>
+                        <a:rPr lang="en-US" sz="2400" b="0" dirty="0"/>
                         <a:t> Java</a:t>
                       </a:r>
-                      <a:endParaRPr/>
-                    </a:p>
-                    <a:p>
-                      <a:pPr marL="0" algn="r" defTabSz="914400">
-                        <a:defRPr/>
-                      </a:pPr>
-                      <a:r>
-                        <a:rPr lang="en-US" sz="2400" b="0">
-                          <a:solidFill>
-                            <a:schemeClr val="tx1"/>
-                          </a:solidFill>
-                          <a:latin typeface="+mj-lt"/>
-                          <a:ea typeface="+mn-ea"/>
-                          <a:cs typeface="+mn-cs"/>
-                        </a:rPr>
-                        <a:t>4</a:t>
-                      </a:r>
-                      <a:endParaRPr/>
+                      <a:endParaRPr dirty="0"/>
                     </a:p>
                   </a:txBody>
                   <a:tcPr anchor="b">
@@ -28407,11 +28347,17 @@
                     </a:lnB>
                   </a:tcPr>
                 </a:tc>
+                <a:extLst>
+                  <a:ext uri="{0D108BD9-81ED-4DB2-BD59-A6C34878D82A}">
+                    <a16:rowId xmlns:a16="http://schemas.microsoft.com/office/drawing/2014/main" val="10001"/>
+                  </a:ext>
+                </a:extLst>
               </a:tr>
               <a:tr h="998987">
                 <a:tc>
                   <a:txBody>
                     <a:bodyPr/>
+                    <a:lstStyle/>
                     <a:p>
                       <a:pPr marL="0" marR="0" lvl="0" indent="0" algn="r" defTabSz="914400">
                         <a:lnSpc>
@@ -28430,35 +28376,18 @@
                         <a:defRPr/>
                       </a:pPr>
                       <a:r>
-                        <a:rPr lang="en-US" sz="2400" b="0"/>
+                        <a:rPr lang="en-US" sz="2400" b="0" dirty="0"/>
                         <a:t>Un nuovo </a:t>
                       </a:r>
                       <a:r>
-                        <a:rPr lang="en-US" sz="2400" b="0"/>
+                        <a:rPr lang="en-US" sz="2400" b="0" dirty="0" err="1"/>
                         <a:t>paradigma</a:t>
                       </a:r>
                       <a:r>
-                        <a:rPr lang="en-US" sz="2400" b="0"/>
+                        <a:rPr lang="en-US" sz="2400" b="0" dirty="0"/>
                         <a:t> </a:t>
                       </a:r>
-                      <a:endParaRPr/>
-                    </a:p>
-                    <a:p>
-                      <a:pPr marL="0" algn="r" defTabSz="914400">
-                        <a:defRPr/>
-                      </a:pPr>
-                      <a:r>
-                        <a:rPr lang="en-US" sz="2400" b="0">
-                          <a:solidFill>
-                            <a:schemeClr val="tx1"/>
-                          </a:solidFill>
-                          <a:latin typeface="+mj-lt"/>
-                          <a:ea typeface="+mn-ea"/>
-                          <a:cs typeface="+mn-cs"/>
-                        </a:rPr>
-                        <a:t>5</a:t>
-                      </a:r>
-                      <a:endParaRPr/>
+                      <a:endParaRPr dirty="0"/>
                     </a:p>
                   </a:txBody>
                   <a:tcPr anchor="b">
@@ -28480,11 +28409,17 @@
                     </a:lnB>
                   </a:tcPr>
                 </a:tc>
+                <a:extLst>
+                  <a:ext uri="{0D108BD9-81ED-4DB2-BD59-A6C34878D82A}">
+                    <a16:rowId xmlns:a16="http://schemas.microsoft.com/office/drawing/2014/main" val="10002"/>
+                  </a:ext>
+                </a:extLst>
               </a:tr>
               <a:tr h="959028">
                 <a:tc>
                   <a:txBody>
                     <a:bodyPr/>
+                    <a:lstStyle/>
                     <a:p>
                       <a:pPr marL="0" marR="0" lvl="0" indent="0" algn="r" defTabSz="914400">
                         <a:lnSpc>
@@ -28503,37 +28438,20 @@
                         <a:defRPr/>
                       </a:pPr>
                       <a:r>
-                        <a:rPr lang="en-US" sz="2400" b="0">
+                        <a:rPr lang="en-US" sz="2400" b="0" dirty="0" err="1">
                           <a:latin typeface="+mn-lt"/>
                           <a:cs typeface="Gill Sans Light"/>
                         </a:rPr>
                         <a:t>Creazione</a:t>
                       </a:r>
                       <a:r>
-                        <a:rPr lang="en-US" sz="2400" b="0">
+                        <a:rPr lang="en-US" sz="2400" b="0" dirty="0">
                           <a:latin typeface="+mn-lt"/>
                           <a:cs typeface="Gill Sans Light"/>
                         </a:rPr>
                         <a:t> del programma</a:t>
                       </a:r>
-                      <a:endParaRPr/>
-                    </a:p>
-                    <a:p>
-                      <a:pPr marL="0" algn="r" defTabSz="914400">
-                        <a:defRPr/>
-                      </a:pPr>
-                      <a:r>
-                        <a:rPr lang="en-US" sz="2400" b="0">
-                          <a:solidFill>
-                            <a:schemeClr val="tx1"/>
-                          </a:solidFill>
-                          <a:latin typeface="+mj-lt"/>
-                          <a:ea typeface="+mn-ea"/>
-                          <a:cs typeface="+mn-cs"/>
-                        </a:rPr>
-                        <a:t> 6</a:t>
-                      </a:r>
-                      <a:endParaRPr/>
+                      <a:endParaRPr dirty="0"/>
                     </a:p>
                   </a:txBody>
                   <a:tcPr anchor="b">
@@ -28555,11 +28473,17 @@
                     </a:lnB>
                   </a:tcPr>
                 </a:tc>
+                <a:extLst>
+                  <a:ext uri="{0D108BD9-81ED-4DB2-BD59-A6C34878D82A}">
+                    <a16:rowId xmlns:a16="http://schemas.microsoft.com/office/drawing/2014/main" val="10003"/>
+                  </a:ext>
+                </a:extLst>
               </a:tr>
               <a:tr h="854835">
                 <a:tc>
                   <a:txBody>
                     <a:bodyPr/>
+                    <a:lstStyle/>
                     <a:p>
                       <a:pPr marL="0" marR="0" lvl="0" indent="0" algn="r" defTabSz="914400">
                         <a:lnSpc>
@@ -28578,33 +28502,16 @@
                         <a:defRPr/>
                       </a:pPr>
                       <a:r>
-                        <a:rPr lang="en-US" sz="2400" b="0">
+                        <a:rPr lang="en-US" sz="2400" b="0" dirty="0" err="1">
                           <a:latin typeface="+mn-lt"/>
                           <a:cs typeface="Gill Sans Light"/>
                         </a:rPr>
                         <a:t>Conclusione</a:t>
                       </a:r>
-                      <a:endParaRPr lang="en-US" sz="2400" b="0">
+                      <a:endParaRPr lang="en-US" sz="2400" b="0" dirty="0">
                         <a:latin typeface="+mn-lt"/>
                         <a:cs typeface="Gill Sans Light"/>
                       </a:endParaRPr>
-                    </a:p>
-                    <a:p>
-                      <a:pPr marL="0" algn="r" defTabSz="914400">
-                        <a:defRPr/>
-                      </a:pPr>
-                      <a:r>
-                        <a:rPr lang="en-US" sz="2400" b="0">
-                          <a:solidFill>
-                            <a:schemeClr val="tx1"/>
-                          </a:solidFill>
-                          <a:latin typeface="+mj-lt"/>
-                          <a:ea typeface="+mn-ea"/>
-                          <a:cs typeface="+mn-cs"/>
-                        </a:rPr>
-                        <a:t>11</a:t>
-                      </a:r>
-                      <a:endParaRPr/>
                     </a:p>
                   </a:txBody>
                   <a:tcPr anchor="b">
@@ -28624,6 +28531,11 @@
                     </a:lnB>
                   </a:tcPr>
                 </a:tc>
+                <a:extLst>
+                  <a:ext uri="{0D108BD9-81ED-4DB2-BD59-A6C34878D82A}">
+                    <a16:rowId xmlns:a16="http://schemas.microsoft.com/office/drawing/2014/main" val="10004"/>
+                  </a:ext>
+                </a:extLst>
               </a:tr>
             </a:tbl>
           </a:graphicData>
@@ -28634,20 +28546,12 @@
   <p:clrMapOvr>
     <a:masterClrMapping/>
   </p:clrMapOvr>
-  <mc:AlternateContent xmlns:mc="http://schemas.openxmlformats.org/markup-compatibility/2006">
-    <mc:Choice xmlns:p159="http://schemas.microsoft.com/office/powerpoint/2015/09/main" xmlns:p14="http://schemas.microsoft.com/office/powerpoint/2010/main" Requires="p159">
-      <p:transition p14:dur="2000" advClick="1"/>
-    </mc:Choice>
-    <mc:Fallback>
-      <p:transition advClick="1"/>
-    </mc:Fallback>
-  </mc:AlternateContent>
 </p:sld>
 </file>
 
 <file path=ppt/slides/slide3.xml><?xml version="1.0" encoding="utf-8"?>
-<p:sld xmlns:a="http://schemas.openxmlformats.org/drawingml/2006/main" xmlns:r="http://schemas.openxmlformats.org/officeDocument/2006/relationships" xmlns:p="http://schemas.openxmlformats.org/presentationml/2006/main" xmlns:m="http://schemas.openxmlformats.org/officeDocument/2006/math" xmlns:w="http://schemas.openxmlformats.org/wordprocessingml/2006/main" showMasterPhAnim="0" show="1">
-  <p:cSld name="">
+<p:sld xmlns:a="http://schemas.openxmlformats.org/drawingml/2006/main" xmlns:r="http://schemas.openxmlformats.org/officeDocument/2006/relationships" xmlns:p="http://schemas.openxmlformats.org/presentationml/2006/main" showMasterPhAnim="0">
+  <p:cSld>
     <p:spTree>
       <p:nvGrpSpPr>
         <p:cNvPr id="1" name=""/>
@@ -28700,7 +28604,7 @@
         <p:nvPicPr>
           <p:cNvPr id="6" name="Picture Placeholder 5"/>
           <p:cNvPicPr>
-            <a:picLocks noChangeAspect="1" noGrp="1"/>
+            <a:picLocks noGrp="1" noChangeAspect="1"/>
           </p:cNvPicPr>
           <p:nvPr>
             <p:ph type="pic" idx="1"/>
@@ -28708,7 +28612,7 @@
         </p:nvPicPr>
         <p:blipFill>
           <a:blip r:embed="rId3"/>
-          <a:srcRect l="12840" t="0" r="12840" b="0"/>
+          <a:srcRect l="12840" r="12840"/>
           <a:stretch/>
         </p:blipFill>
         <p:spPr bwMode="auto">
@@ -28722,20 +28626,12 @@
   <p:clrMapOvr>
     <a:masterClrMapping/>
   </p:clrMapOvr>
-  <mc:AlternateContent xmlns:mc="http://schemas.openxmlformats.org/markup-compatibility/2006">
-    <mc:Choice xmlns:p159="http://schemas.microsoft.com/office/powerpoint/2015/09/main" xmlns:p14="http://schemas.microsoft.com/office/powerpoint/2010/main" Requires="p159">
-      <p:transition p14:dur="2000" advClick="1"/>
-    </mc:Choice>
-    <mc:Fallback>
-      <p:transition advClick="1"/>
-    </mc:Fallback>
-  </mc:AlternateContent>
 </p:sld>
 </file>
 
 <file path=ppt/slides/slide4.xml><?xml version="1.0" encoding="utf-8"?>
-<p:sld xmlns:a="http://schemas.openxmlformats.org/drawingml/2006/main" xmlns:r="http://schemas.openxmlformats.org/officeDocument/2006/relationships" xmlns:p="http://schemas.openxmlformats.org/presentationml/2006/main" xmlns:m="http://schemas.openxmlformats.org/officeDocument/2006/math" xmlns:w="http://schemas.openxmlformats.org/wordprocessingml/2006/main" showMasterPhAnim="0" show="1">
-  <p:cSld name="">
+<p:sld xmlns:a="http://schemas.openxmlformats.org/drawingml/2006/main" xmlns:r="http://schemas.openxmlformats.org/officeDocument/2006/relationships" xmlns:p="http://schemas.openxmlformats.org/presentationml/2006/main" showMasterPhAnim="0">
+  <p:cSld>
     <p:spTree>
       <p:nvGrpSpPr>
         <p:cNvPr id="1" name=""/>
@@ -28775,43 +28671,7 @@
             </a:pPr>
             <a:r>
               <a:rPr lang="en-US" sz="4000"/>
-              <a:t>L’idea</a:t>
-            </a:r>
-            <a:r>
-              <a:rPr lang="en-US" sz="4000"/>
-              <a:t> </a:t>
-            </a:r>
-            <a:r>
-              <a:rPr lang="en-US" sz="4000"/>
-              <a:t>che</a:t>
-            </a:r>
-            <a:r>
-              <a:rPr lang="en-US" sz="4000"/>
-              <a:t> ha fatto </a:t>
-            </a:r>
-            <a:r>
-              <a:rPr lang="en-US" sz="4000"/>
-              <a:t>nascere</a:t>
-            </a:r>
-            <a:r>
-              <a:rPr lang="en-US" sz="4000"/>
-              <a:t> il </a:t>
-            </a:r>
-            <a:r>
-              <a:rPr lang="en-US" sz="4000"/>
-              <a:t>proggetto</a:t>
-            </a:r>
-            <a:r>
-              <a:rPr lang="en-US" sz="4000"/>
-              <a:t> </a:t>
-            </a:r>
-            <a:r>
-              <a:rPr lang="en-US" sz="4000"/>
-              <a:t>che</a:t>
-            </a:r>
-            <a:r>
-              <a:rPr lang="en-US" sz="4000"/>
-              <a:t> presenter</a:t>
+              <a:t>L’idea che ha fatto nascere il proggetto che presenter</a:t>
             </a:r>
             <a:r>
               <a:rPr lang="it-IT" sz="4000"/>
@@ -28819,135 +28679,7 @@
             </a:r>
             <a:r>
               <a:rPr lang="en-US" sz="4000"/>
-              <a:t>come </a:t>
-            </a:r>
-            <a:r>
-              <a:rPr lang="en-US" sz="4000"/>
-              <a:t>capolavoro</a:t>
-            </a:r>
-            <a:r>
-              <a:rPr lang="en-US" sz="4000"/>
-              <a:t> </a:t>
-            </a:r>
-            <a:r>
-              <a:rPr lang="en-US" sz="4000"/>
-              <a:t>nasce</a:t>
-            </a:r>
-            <a:r>
-              <a:rPr lang="en-US" sz="4000"/>
-              <a:t> dalla </a:t>
-            </a:r>
-            <a:r>
-              <a:rPr lang="en-US" sz="4000"/>
-              <a:t>voglia</a:t>
-            </a:r>
-            <a:r>
-              <a:rPr lang="en-US" sz="4000"/>
-              <a:t> di </a:t>
-            </a:r>
-            <a:r>
-              <a:rPr lang="en-US" sz="4000"/>
-              <a:t>sperimentare</a:t>
-            </a:r>
-            <a:r>
-              <a:rPr lang="en-US" sz="4000"/>
-              <a:t> con </a:t>
-            </a:r>
-            <a:r>
-              <a:rPr lang="en-US" sz="4000"/>
-              <a:t>applicazioni</a:t>
-            </a:r>
-            <a:r>
-              <a:rPr lang="en-US" sz="4000"/>
-              <a:t> </a:t>
-            </a:r>
-            <a:r>
-              <a:rPr lang="en-US" sz="4000"/>
-              <a:t>grafiche</a:t>
-            </a:r>
-            <a:r>
-              <a:rPr lang="en-US" sz="4000"/>
-              <a:t> e </a:t>
-            </a:r>
-            <a:r>
-              <a:rPr lang="en-US" sz="4000"/>
-              <a:t>linguaggi</a:t>
-            </a:r>
-            <a:r>
-              <a:rPr lang="en-US" sz="4000"/>
-              <a:t> di </a:t>
-            </a:r>
-            <a:r>
-              <a:rPr lang="en-US" sz="4000"/>
-              <a:t>programmazione</a:t>
-            </a:r>
-            <a:r>
-              <a:rPr lang="en-US" sz="4000"/>
-              <a:t> </a:t>
-            </a:r>
-            <a:r>
-              <a:rPr lang="en-US" sz="4000"/>
-              <a:t>che</a:t>
-            </a:r>
-            <a:r>
-              <a:rPr lang="en-US" sz="4000"/>
-              <a:t> </a:t>
-            </a:r>
-            <a:r>
-              <a:rPr lang="en-US" sz="4000"/>
-              <a:t>seguono</a:t>
-            </a:r>
-            <a:r>
-              <a:rPr lang="en-US" sz="4000"/>
-              <a:t> il </a:t>
-            </a:r>
-            <a:r>
-              <a:rPr lang="en-US" sz="4000"/>
-              <a:t>paradigma</a:t>
-            </a:r>
-            <a:r>
-              <a:rPr lang="en-US" sz="4000"/>
-              <a:t> ad </a:t>
-            </a:r>
-            <a:r>
-              <a:rPr lang="en-US" sz="4000"/>
-              <a:t>oggetti</a:t>
-            </a:r>
-            <a:r>
-              <a:rPr lang="en-US" sz="4000"/>
-              <a:t>. Ho </a:t>
-            </a:r>
-            <a:r>
-              <a:rPr lang="en-US" sz="4000"/>
-              <a:t>scelto</a:t>
-            </a:r>
-            <a:r>
-              <a:rPr lang="en-US" sz="4000"/>
-              <a:t> il java per la </a:t>
-            </a:r>
-            <a:r>
-              <a:rPr lang="en-US" sz="4000"/>
-              <a:t>sua</a:t>
-            </a:r>
-            <a:r>
-              <a:rPr lang="en-US" sz="4000"/>
-              <a:t> </a:t>
-            </a:r>
-            <a:r>
-              <a:rPr lang="en-US" sz="4000"/>
-              <a:t>reputazione</a:t>
-            </a:r>
-            <a:r>
-              <a:rPr lang="en-US" sz="4000"/>
-              <a:t> come “OOP Made Easy” e la </a:t>
-            </a:r>
-            <a:r>
-              <a:rPr lang="en-US" sz="4000"/>
-              <a:t>suasomiglianza</a:t>
-            </a:r>
-            <a:r>
-              <a:rPr lang="en-US" sz="4000"/>
-              <a:t> al C#</a:t>
+              <a:t>come capolavoro nasce dalla voglia di sperimentare con applicazioni grafiche e linguaggi di programmazione che seguono il paradigma ad oggetti. Ho scelto il java per la sua reputazione come “OOP Made Easy” e la suasomiglianza al C#</a:t>
             </a:r>
             <a:endParaRPr/>
           </a:p>
@@ -29005,20 +28737,12 @@
   <p:clrMapOvr>
     <a:masterClrMapping/>
   </p:clrMapOvr>
-  <mc:AlternateContent xmlns:mc="http://schemas.openxmlformats.org/markup-compatibility/2006">
-    <mc:Choice xmlns:p159="http://schemas.microsoft.com/office/powerpoint/2015/09/main" xmlns:p14="http://schemas.microsoft.com/office/powerpoint/2010/main" Requires="p159">
-      <p:transition p14:dur="2000" advClick="1"/>
-    </mc:Choice>
-    <mc:Fallback>
-      <p:transition advClick="1"/>
-    </mc:Fallback>
-  </mc:AlternateContent>
 </p:sld>
 </file>
 
 <file path=ppt/slides/slide5.xml><?xml version="1.0" encoding="utf-8"?>
-<p:sld xmlns:a="http://schemas.openxmlformats.org/drawingml/2006/main" xmlns:r="http://schemas.openxmlformats.org/officeDocument/2006/relationships" xmlns:p="http://schemas.openxmlformats.org/presentationml/2006/main" xmlns:m="http://schemas.openxmlformats.org/officeDocument/2006/math" xmlns:w="http://schemas.openxmlformats.org/wordprocessingml/2006/main" showMasterPhAnim="0" show="1">
-  <p:cSld name="">
+<p:sld xmlns:a="http://schemas.openxmlformats.org/drawingml/2006/main" xmlns:r="http://schemas.openxmlformats.org/officeDocument/2006/relationships" xmlns:p="http://schemas.openxmlformats.org/presentationml/2006/main" showMasterPhAnim="0">
+  <p:cSld>
     <p:spTree>
       <p:nvGrpSpPr>
         <p:cNvPr id="1" name=""/>
@@ -29058,27 +28782,7 @@
             </a:pPr>
             <a:r>
               <a:rPr lang="en-US" sz="4000"/>
-              <a:t>Ho </a:t>
-            </a:r>
-            <a:r>
-              <a:rPr lang="en-US" sz="4000"/>
-              <a:t>seguito</a:t>
-            </a:r>
-            <a:r>
-              <a:rPr lang="en-US" sz="4000"/>
-              <a:t> la </a:t>
-            </a:r>
-            <a:r>
-              <a:rPr lang="en-US" sz="4000"/>
-              <a:t>guida</a:t>
-            </a:r>
-            <a:r>
-              <a:rPr lang="en-US" sz="4000"/>
-              <a:t> MOOC (Massive Open Online Resources) del </a:t>
-            </a:r>
-            <a:r>
-              <a:rPr lang="en-US" sz="4000"/>
-              <a:t>universit</a:t>
+              <a:t>Ho seguito la guida MOOC (Massive Open Online Resources) del universit</a:t>
             </a:r>
             <a:r>
               <a:rPr lang="it-IT" sz="4000"/>
@@ -29086,63 +28790,11 @@
             </a:r>
             <a:r>
               <a:rPr lang="en-US" sz="4000"/>
-              <a:t> di Helsinki </a:t>
-            </a:r>
-            <a:r>
-              <a:rPr lang="en-US" sz="4000"/>
-              <a:t>che</a:t>
-            </a:r>
-            <a:r>
-              <a:rPr lang="en-US" sz="4000"/>
-              <a:t> mi ha </a:t>
-            </a:r>
-            <a:r>
-              <a:rPr lang="en-US" sz="4000"/>
-              <a:t>aiutato</a:t>
-            </a:r>
-            <a:r>
-              <a:rPr lang="en-US" sz="4000"/>
-              <a:t> a </a:t>
-            </a:r>
-            <a:r>
-              <a:rPr lang="en-US" sz="4000"/>
-              <a:t>imapare</a:t>
-            </a:r>
-            <a:r>
-              <a:rPr lang="en-US" sz="4000"/>
-              <a:t> la </a:t>
-            </a:r>
-            <a:r>
-              <a:rPr lang="en-US" sz="4000"/>
-              <a:t>sintassi</a:t>
-            </a:r>
-            <a:r>
-              <a:rPr lang="en-US" sz="4000"/>
-              <a:t> del java e I </a:t>
-            </a:r>
-            <a:r>
-              <a:rPr lang="en-US" sz="4000"/>
-              <a:t>suoi</a:t>
-            </a:r>
-            <a:r>
-              <a:rPr lang="en-US" sz="4000"/>
-              <a:t> </a:t>
-            </a:r>
-            <a:r>
-              <a:rPr lang="en-US" sz="4000"/>
-              <a:t>concetti</a:t>
-            </a:r>
-            <a:r>
-              <a:rPr lang="en-US" sz="4000"/>
-              <a:t> base </a:t>
+              <a:t> di Helsinki che mi ha aiutato a imapare la sintassi del java e I suoi concetti base </a:t>
             </a:r>
             <a:r>
               <a:rPr lang="en-US" sz="4000" b="1"/>
-              <a:t>tra</a:t>
-            </a:r>
-            <a:r>
-              <a:rPr lang="en-US" sz="4000" b="1"/>
-              <a:t> cui</a:t>
+              <a:t>tra cui</a:t>
             </a:r>
             <a:endParaRPr/>
           </a:p>
@@ -29187,20 +28839,12 @@
   <p:clrMapOvr>
     <a:masterClrMapping/>
   </p:clrMapOvr>
-  <mc:AlternateContent xmlns:mc="http://schemas.openxmlformats.org/markup-compatibility/2006">
-    <mc:Choice xmlns:p159="http://schemas.microsoft.com/office/powerpoint/2015/09/main" xmlns:p14="http://schemas.microsoft.com/office/powerpoint/2010/main" Requires="p159">
-      <p:transition p14:dur="2000" advClick="1"/>
-    </mc:Choice>
-    <mc:Fallback>
-      <p:transition advClick="1"/>
-    </mc:Fallback>
-  </mc:AlternateContent>
 </p:sld>
 </file>
 
 <file path=ppt/slides/slide6.xml><?xml version="1.0" encoding="utf-8"?>
-<p:sld xmlns:a="http://schemas.openxmlformats.org/drawingml/2006/main" xmlns:r="http://schemas.openxmlformats.org/officeDocument/2006/relationships" xmlns:p="http://schemas.openxmlformats.org/presentationml/2006/main" xmlns:m="http://schemas.openxmlformats.org/officeDocument/2006/math" xmlns:w="http://schemas.openxmlformats.org/wordprocessingml/2006/main" showMasterPhAnim="0" show="1">
-  <p:cSld name="">
+<p:sld xmlns:a="http://schemas.openxmlformats.org/drawingml/2006/main" xmlns:r="http://schemas.openxmlformats.org/officeDocument/2006/relationships" xmlns:p="http://schemas.openxmlformats.org/presentationml/2006/main" showMasterPhAnim="0">
+  <p:cSld>
     <p:spTree>
       <p:nvGrpSpPr>
         <p:cNvPr id="1" name=""/>
@@ -29267,197 +28911,8 @@
             </a:pPr>
             <a:r>
               <a:rPr lang="en-US"/>
-              <a:t>In java la </a:t>
+              <a:t>In java la programmazione ad oggetti e necessiaria anche per leggere valori da tastiera quindi conoscerne il funzionamento pratico e essenziale per poter utilizzare il linguaggio in piu ho subito scoperto che la libreria standard di java non e un singolo file .h in c ma e enorme e divisa in tante piccole parti e bisogna saper importare il necessario</a:t>
             </a:r>
-            <a:r>
-              <a:rPr lang="en-US"/>
-              <a:t>programmazione</a:t>
-            </a:r>
-            <a:r>
-              <a:rPr lang="en-US"/>
-              <a:t> ad </a:t>
-            </a:r>
-            <a:r>
-              <a:rPr lang="en-US"/>
-              <a:t>oggetti</a:t>
-            </a:r>
-            <a:r>
-              <a:rPr lang="en-US"/>
-              <a:t> e </a:t>
-            </a:r>
-            <a:r>
-              <a:rPr lang="en-US"/>
-              <a:t>necessiaria</a:t>
-            </a:r>
-            <a:r>
-              <a:rPr lang="en-US"/>
-              <a:t> anche per </a:t>
-            </a:r>
-            <a:r>
-              <a:rPr lang="en-US"/>
-              <a:t>leggere</a:t>
-            </a:r>
-            <a:r>
-              <a:rPr lang="en-US"/>
-              <a:t> </a:t>
-            </a:r>
-            <a:r>
-              <a:rPr lang="en-US"/>
-              <a:t>valori</a:t>
-            </a:r>
-            <a:r>
-              <a:rPr lang="en-US"/>
-              <a:t> da </a:t>
-            </a:r>
-            <a:r>
-              <a:rPr lang="en-US"/>
-              <a:t>tastiera</a:t>
-            </a:r>
-            <a:r>
-              <a:rPr lang="en-US"/>
-              <a:t> quindi </a:t>
-            </a:r>
-            <a:r>
-              <a:rPr lang="en-US"/>
-              <a:t>conoscerne</a:t>
-            </a:r>
-            <a:r>
-              <a:rPr lang="en-US"/>
-              <a:t> il </a:t>
-            </a:r>
-            <a:r>
-              <a:rPr lang="en-US"/>
-              <a:t>funzionamento</a:t>
-            </a:r>
-            <a:r>
-              <a:rPr lang="en-US"/>
-              <a:t> </a:t>
-            </a:r>
-            <a:r>
-              <a:rPr lang="en-US"/>
-              <a:t>pratico</a:t>
-            </a:r>
-            <a:r>
-              <a:rPr lang="en-US"/>
-              <a:t> e </a:t>
-            </a:r>
-            <a:r>
-              <a:rPr lang="en-US"/>
-              <a:t>essenziale</a:t>
-            </a:r>
-            <a:r>
-              <a:rPr lang="en-US"/>
-              <a:t> per </a:t>
-            </a:r>
-            <a:r>
-              <a:rPr lang="en-US"/>
-              <a:t>poter</a:t>
-            </a:r>
-            <a:r>
-              <a:rPr lang="en-US"/>
-              <a:t> </a:t>
-            </a:r>
-            <a:r>
-              <a:rPr lang="en-US"/>
-              <a:t>utilizzare</a:t>
-            </a:r>
-            <a:r>
-              <a:rPr lang="en-US"/>
-              <a:t> il </a:t>
-            </a:r>
-            <a:r>
-              <a:rPr lang="en-US"/>
-              <a:t>linguaggio</a:t>
-            </a:r>
-            <a:r>
-              <a:rPr lang="en-US"/>
-              <a:t> in piu ho subito </a:t>
-            </a:r>
-            <a:r>
-              <a:rPr lang="en-US"/>
-              <a:t>scoperto</a:t>
-            </a:r>
-            <a:r>
-              <a:rPr lang="en-US"/>
-              <a:t> </a:t>
-            </a:r>
-            <a:r>
-              <a:rPr lang="en-US"/>
-              <a:t>che</a:t>
-            </a:r>
-            <a:r>
-              <a:rPr lang="en-US"/>
-              <a:t> la </a:t>
-            </a:r>
-            <a:r>
-              <a:rPr lang="en-US"/>
-              <a:t>libreria</a:t>
-            </a:r>
-            <a:r>
-              <a:rPr lang="en-US"/>
-              <a:t> standard di java non e un </a:t>
-            </a:r>
-            <a:r>
-              <a:rPr lang="en-US"/>
-              <a:t>singolo</a:t>
-            </a:r>
-            <a:r>
-              <a:rPr lang="en-US"/>
-              <a:t> file .h in c ma e </a:t>
-            </a:r>
-            <a:r>
-              <a:rPr lang="en-US"/>
-              <a:t>enorme</a:t>
-            </a:r>
-            <a:r>
-              <a:rPr lang="en-US"/>
-              <a:t> e divisa in </a:t>
-            </a:r>
-            <a:r>
-              <a:rPr lang="en-US"/>
-              <a:t>tante</a:t>
-            </a:r>
-            <a:r>
-              <a:rPr lang="en-US"/>
-              <a:t> </a:t>
-            </a:r>
-            <a:r>
-              <a:rPr lang="en-US"/>
-              <a:t>piccole</a:t>
-            </a:r>
-            <a:r>
-              <a:rPr lang="en-US"/>
-              <a:t> parti e </a:t>
-            </a:r>
-            <a:r>
-              <a:rPr lang="en-US"/>
-              <a:t>bisogna</a:t>
-            </a:r>
-            <a:r>
-              <a:rPr lang="en-US"/>
-              <a:t> </a:t>
-            </a:r>
-            <a:r>
-              <a:rPr lang="en-US"/>
-              <a:t>saper</a:t>
-            </a:r>
-            <a:r>
-              <a:rPr lang="en-US"/>
-              <a:t> </a:t>
-            </a:r>
-            <a:r>
-              <a:rPr lang="en-US"/>
-              <a:t>importare</a:t>
-            </a:r>
-            <a:r>
-              <a:rPr lang="en-US"/>
-              <a:t> il </a:t>
-            </a:r>
-            <a:r>
-              <a:rPr lang="en-US"/>
-              <a:t>necessario</a:t>
-            </a:r>
-            <a:endParaRPr lang="en-US"/>
           </a:p>
           <a:p>
             <a:pPr marL="0" indent="0">
@@ -29530,25 +28985,18 @@
   <p:clrMapOvr>
     <a:masterClrMapping/>
   </p:clrMapOvr>
-  <mc:AlternateContent xmlns:mc="http://schemas.openxmlformats.org/markup-compatibility/2006">
-    <mc:Choice xmlns:p159="http://schemas.microsoft.com/office/powerpoint/2015/09/main" xmlns:p14="http://schemas.microsoft.com/office/powerpoint/2010/main" Requires="p159">
-      <p:transition p14:dur="2000" advClick="1"/>
-    </mc:Choice>
-    <mc:Fallback>
-      <p:transition advClick="1"/>
-    </mc:Fallback>
-  </mc:AlternateContent>
 </p:sld>
 </file>
 
 <file path=ppt/slides/slide7.xml><?xml version="1.0" encoding="utf-8"?>
-<p:sld xmlns:a="http://schemas.openxmlformats.org/drawingml/2006/main" xmlns:r="http://schemas.openxmlformats.org/officeDocument/2006/relationships" xmlns:p="http://schemas.openxmlformats.org/presentationml/2006/main" xmlns:m="http://schemas.openxmlformats.org/officeDocument/2006/math" xmlns:w="http://schemas.openxmlformats.org/wordprocessingml/2006/main" showMasterPhAnim="0" show="1">
-  <p:cSld name="">
+<p:sld xmlns:a="http://schemas.openxmlformats.org/drawingml/2006/main" xmlns:r="http://schemas.openxmlformats.org/officeDocument/2006/relationships" xmlns:p="http://schemas.openxmlformats.org/presentationml/2006/main" showMasterPhAnim="0">
+  <p:cSld>
     <p:bg>
-      <p:bgPr shadeToTitle="0">
+      <p:bgPr>
         <a:solidFill>
           <a:schemeClr val="bg2"/>
         </a:solidFill>
+        <a:effectLst/>
       </p:bgPr>
     </p:bg>
     <p:spTree>
@@ -29590,39 +29038,8 @@
             </a:pPr>
             <a:r>
               <a:rPr lang="en-US"/>
-              <a:t>Creazione</a:t>
+              <a:t>Creazione del capolavoro</a:t>
             </a:r>
-            <a:r>
-              <a:rPr lang="en-US"/>
-              <a:t> del </a:t>
-            </a:r>
-            <a:r>
-              <a:rPr lang="en-US"/>
-              <a:t>capolavoro</a:t>
-            </a:r>
-            <a:endParaRPr lang="en-US"/>
-          </a:p>
-        </p:txBody>
-      </p:sp>
-      <p:sp>
-        <p:nvSpPr>
-          <p:cNvPr id="3" name="Text Placeholder 2"/>
-          <p:cNvSpPr>
-            <a:spLocks noGrp="1"/>
-          </p:cNvSpPr>
-          <p:nvPr>
-            <p:ph type="body" sz="quarter" idx="13"/>
-          </p:nvPr>
-        </p:nvSpPr>
-        <p:spPr bwMode="auto"/>
-        <p:txBody>
-          <a:bodyPr/>
-          <a:lstStyle/>
-          <a:p>
-            <a:pPr>
-              <a:defRPr/>
-            </a:pPr>
-            <a:endParaRPr lang="en-US"/>
           </a:p>
         </p:txBody>
       </p:sp>
@@ -29631,25 +29048,18 @@
   <p:clrMapOvr>
     <a:masterClrMapping/>
   </p:clrMapOvr>
-  <mc:AlternateContent xmlns:mc="http://schemas.openxmlformats.org/markup-compatibility/2006">
-    <mc:Choice xmlns:p159="http://schemas.microsoft.com/office/powerpoint/2015/09/main" xmlns:p14="http://schemas.microsoft.com/office/powerpoint/2010/main" Requires="p159">
-      <p:transition p14:dur="2000" advClick="1"/>
-    </mc:Choice>
-    <mc:Fallback>
-      <p:transition advClick="1"/>
-    </mc:Fallback>
-  </mc:AlternateContent>
 </p:sld>
 </file>
 
 <file path=ppt/slides/slide8.xml><?xml version="1.0" encoding="utf-8"?>
-<p:sld xmlns:a="http://schemas.openxmlformats.org/drawingml/2006/main" xmlns:r="http://schemas.openxmlformats.org/officeDocument/2006/relationships" xmlns:p="http://schemas.openxmlformats.org/presentationml/2006/main" xmlns:m="http://schemas.openxmlformats.org/officeDocument/2006/math" xmlns:w="http://schemas.openxmlformats.org/wordprocessingml/2006/main" showMasterPhAnim="0" show="1">
-  <p:cSld name="">
+<p:sld xmlns:a="http://schemas.openxmlformats.org/drawingml/2006/main" xmlns:r="http://schemas.openxmlformats.org/officeDocument/2006/relationships" xmlns:p="http://schemas.openxmlformats.org/presentationml/2006/main" showMasterPhAnim="0">
+  <p:cSld>
     <p:bg>
-      <p:bgPr shadeToTitle="0">
+      <p:bgPr>
         <a:solidFill>
           <a:schemeClr val="bg2"/>
         </a:solidFill>
+        <a:effectLst/>
       </p:bgPr>
     </p:bg>
     <p:spTree>
@@ -29686,11 +29096,7 @@
             </a:pPr>
             <a:r>
               <a:rPr lang="en-US"/>
-              <a:t>Grafiche</a:t>
-            </a:r>
-            <a:r>
-              <a:rPr lang="en-US"/>
-              <a:t>!</a:t>
+              <a:t>Grafiche!</a:t>
             </a:r>
             <a:endParaRPr/>
           </a:p>
@@ -29735,143 +29141,7 @@
             </a:pPr>
             <a:r>
               <a:rPr lang="en-US" sz="2000"/>
-              <a:t>L’idea</a:t>
-            </a:r>
-            <a:r>
-              <a:rPr lang="en-US" sz="2000"/>
-              <a:t> era create la </a:t>
-            </a:r>
-            <a:r>
-              <a:rPr lang="en-US" sz="2000"/>
-              <a:t>mia</a:t>
-            </a:r>
-            <a:r>
-              <a:rPr lang="en-US" sz="2000"/>
-              <a:t> prima app </a:t>
-            </a:r>
-            <a:r>
-              <a:rPr lang="en-US" sz="2000"/>
-              <a:t>grafica</a:t>
-            </a:r>
-            <a:r>
-              <a:rPr lang="en-US" sz="2000"/>
-              <a:t> e dopo un po di </a:t>
-            </a:r>
-            <a:r>
-              <a:rPr lang="en-US" sz="2000"/>
-              <a:t>ricerca</a:t>
-            </a:r>
-            <a:r>
-              <a:rPr lang="en-US" sz="2000"/>
-              <a:t> ho </a:t>
-            </a:r>
-            <a:r>
-              <a:rPr lang="en-US" sz="2000"/>
-              <a:t>scoperto</a:t>
-            </a:r>
-            <a:r>
-              <a:rPr lang="en-US" sz="2000"/>
-              <a:t> </a:t>
-            </a:r>
-            <a:r>
-              <a:rPr lang="en-US" sz="2000"/>
-              <a:t>che</a:t>
-            </a:r>
-            <a:r>
-              <a:rPr lang="en-US" sz="2000"/>
-              <a:t> “</a:t>
-            </a:r>
-            <a:r>
-              <a:rPr lang="en-US" sz="2000"/>
-              <a:t>javaswing</a:t>
-            </a:r>
-            <a:r>
-              <a:rPr lang="en-US" sz="2000"/>
-              <a:t>” o </a:t>
-            </a:r>
-            <a:r>
-              <a:rPr lang="en-US" sz="2000"/>
-              <a:t>semplicemente</a:t>
-            </a:r>
-            <a:r>
-              <a:rPr lang="en-US" sz="2000"/>
-              <a:t> “</a:t>
-            </a:r>
-            <a:r>
-              <a:rPr lang="en-US" sz="2000"/>
-              <a:t>jswing</a:t>
-            </a:r>
-            <a:r>
-              <a:rPr lang="en-US" sz="2000"/>
-              <a:t>” sarebbe </a:t>
-            </a:r>
-            <a:r>
-              <a:rPr lang="en-US" sz="2000"/>
-              <a:t>stata</a:t>
-            </a:r>
-            <a:r>
-              <a:rPr lang="en-US" sz="2000"/>
-              <a:t> </a:t>
-            </a:r>
-            <a:r>
-              <a:rPr lang="en-US" sz="2000"/>
-              <a:t>l’opzione</a:t>
-            </a:r>
-            <a:r>
-              <a:rPr lang="en-US" sz="2000"/>
-              <a:t> </a:t>
-            </a:r>
-            <a:r>
-              <a:rPr lang="en-US" sz="2000"/>
-              <a:t>migliore</a:t>
-            </a:r>
-            <a:r>
-              <a:rPr lang="en-US" sz="2000"/>
-              <a:t> per </a:t>
-            </a:r>
-            <a:r>
-              <a:rPr lang="en-US" sz="2000"/>
-              <a:t>imparare</a:t>
-            </a:r>
-            <a:r>
-              <a:rPr lang="en-US" sz="2000"/>
-              <a:t>. Il framework e Vecchio e non </a:t>
-            </a:r>
-            <a:r>
-              <a:rPr lang="en-US" sz="2000"/>
-              <a:t>riceve</a:t>
-            </a:r>
-            <a:r>
-              <a:rPr lang="en-US" sz="2000"/>
-              <a:t> piu </a:t>
-            </a:r>
-            <a:r>
-              <a:rPr lang="en-US" sz="2000"/>
-              <a:t>nuove</a:t>
-            </a:r>
-            <a:r>
-              <a:rPr lang="en-US" sz="2000"/>
-              <a:t> </a:t>
-            </a:r>
-            <a:r>
-              <a:rPr lang="en-US" sz="2000"/>
-              <a:t>funzionalita</a:t>
-            </a:r>
-            <a:r>
-              <a:rPr lang="en-US" sz="2000"/>
-              <a:t> rispetto al </a:t>
-            </a:r>
-            <a:r>
-              <a:rPr lang="en-US" sz="2000"/>
-              <a:t>suo</a:t>
-            </a:r>
-            <a:r>
-              <a:rPr lang="en-US" sz="2000"/>
-              <a:t> cugino</a:t>
-            </a:r>
-            <a:r>
-              <a:rPr lang="en-US" sz="2000"/>
-              <a:t> </a:t>
+              <a:t>L’idea era create la mia prima app grafica e dopo un po di ricerca ho scoperto che “javaswing” o semplicemente “jswing” sarebbe stata l’opzione migliore per imparare. Il framework e Vecchio e non riceve piu nuove funzionalita rispetto al suo cugino </a:t>
             </a:r>
             <a:r>
               <a:rPr lang="en-US" sz="2000" b="0" i="0" u="none" strike="noStrike" cap="none" spc="0">
@@ -29886,31 +29156,7 @@
             </a:r>
             <a:r>
               <a:rPr lang="en-US" sz="2000"/>
-              <a:t> JavaFX ma e semplice e </a:t>
-            </a:r>
-            <a:r>
-              <a:rPr lang="en-US" sz="2000"/>
-              <a:t>preinstallato</a:t>
-            </a:r>
-            <a:r>
-              <a:rPr lang="en-US" sz="2000"/>
-              <a:t> in </a:t>
-            </a:r>
-            <a:r>
-              <a:rPr lang="en-US" sz="2000"/>
-              <a:t>tutte</a:t>
-            </a:r>
-            <a:r>
-              <a:rPr lang="en-US" sz="2000"/>
-              <a:t> le </a:t>
-            </a:r>
-            <a:r>
-              <a:rPr lang="en-US" sz="2000"/>
-              <a:t>versioni</a:t>
-            </a:r>
-            <a:r>
-              <a:rPr lang="en-US" sz="2000"/>
-              <a:t> di java (JDK 17) </a:t>
+              <a:t> JavaFX ma e semplice e preinstallato in tutte le versioni di java (JDK 17) </a:t>
             </a:r>
             <a:endParaRPr lang="en-US"/>
           </a:p>
@@ -29975,20 +29221,12 @@
   <p:clrMapOvr>
     <a:masterClrMapping/>
   </p:clrMapOvr>
-  <mc:AlternateContent xmlns:mc="http://schemas.openxmlformats.org/markup-compatibility/2006">
-    <mc:Choice xmlns:p159="http://schemas.microsoft.com/office/powerpoint/2015/09/main" xmlns:p14="http://schemas.microsoft.com/office/powerpoint/2010/main" Requires="p159">
-      <p:transition p14:dur="2000" advClick="1"/>
-    </mc:Choice>
-    <mc:Fallback>
-      <p:transition advClick="1"/>
-    </mc:Fallback>
-  </mc:AlternateContent>
 </p:sld>
 </file>
 
 <file path=ppt/slides/slide9.xml><?xml version="1.0" encoding="utf-8"?>
-<p:sld xmlns:a="http://schemas.openxmlformats.org/drawingml/2006/main" xmlns:r="http://schemas.openxmlformats.org/officeDocument/2006/relationships" xmlns:p="http://schemas.openxmlformats.org/presentationml/2006/main" xmlns:m="http://schemas.openxmlformats.org/officeDocument/2006/math" xmlns:w="http://schemas.openxmlformats.org/wordprocessingml/2006/main" showMasterPhAnim="0" show="1">
-  <p:cSld name="">
+<p:sld xmlns:a="http://schemas.openxmlformats.org/drawingml/2006/main" xmlns:r="http://schemas.openxmlformats.org/officeDocument/2006/relationships" xmlns:p="http://schemas.openxmlformats.org/presentationml/2006/main" showMasterPhAnim="0">
+  <p:cSld>
     <p:spTree>
       <p:nvGrpSpPr>
         <p:cNvPr id="1" name=""/>
@@ -30040,7 +29278,7 @@
           </p:nvPr>
         </p:nvSpPr>
         <p:spPr bwMode="auto">
-          <a:xfrm flipH="0" flipV="0">
+          <a:xfrm>
             <a:off x="914398" y="2039112"/>
             <a:ext cx="4922210" cy="3904488"/>
           </a:xfrm>
@@ -30058,7 +29296,6 @@
               <a:rPr lang="en-US"/>
               <a:t>Ho imparato i concetti base di swing come cos’e un panello un frame un bottone una casella di testo ecc. E come posizionare gli elementi necessari dove volevo usando esclusivamente un file di testo delle classi e i loro metodi </a:t>
             </a:r>
-            <a:endParaRPr lang="en-US"/>
           </a:p>
         </p:txBody>
       </p:sp>
@@ -30095,7 +29332,7 @@
       </p:sp>
       <p:pic>
         <p:nvPicPr>
-          <p:cNvPr id="853565181" name=""/>
+          <p:cNvPr id="853565181" name="Picture 853565180"/>
           <p:cNvPicPr>
             <a:picLocks noChangeAspect="1"/>
           </p:cNvPicPr>
@@ -30106,7 +29343,7 @@
           <a:stretch/>
         </p:blipFill>
         <p:spPr bwMode="auto">
-          <a:xfrm flipH="0" flipV="0">
+          <a:xfrm>
             <a:off x="6356982" y="1828800"/>
             <a:ext cx="5658233" cy="3906483"/>
           </a:xfrm>
@@ -30120,19 +29357,11 @@
   <p:clrMapOvr>
     <a:masterClrMapping/>
   </p:clrMapOvr>
-  <mc:AlternateContent xmlns:mc="http://schemas.openxmlformats.org/markup-compatibility/2006">
-    <mc:Choice xmlns:p159="http://schemas.microsoft.com/office/powerpoint/2015/09/main" xmlns:p14="http://schemas.microsoft.com/office/powerpoint/2010/main" Requires="p159">
-      <p:transition p14:dur="2000" advClick="1"/>
-    </mc:Choice>
-    <mc:Fallback>
-      <p:transition advClick="1"/>
-    </mc:Fallback>
-  </mc:AlternateContent>
 </p:sld>
 </file>
 
 <file path=ppt/theme/theme1.xml><?xml version="1.0" encoding="utf-8"?>
-<a:theme xmlns:a="http://schemas.openxmlformats.org/drawingml/2006/main" xmlns:r="http://schemas.openxmlformats.org/officeDocument/2006/relationships" xmlns:p="http://schemas.openxmlformats.org/presentationml/2006/main" name="Custom">
+<a:theme xmlns:a="http://schemas.openxmlformats.org/drawingml/2006/main" name="Custom">
   <a:themeElements>
     <a:clrScheme name="Custom 17">
       <a:dk1>
@@ -30335,11 +29564,12 @@
     </a:fmtScheme>
   </a:themeElements>
   <a:objectDefaults/>
+  <a:extraClrSchemeLst/>
 </a:theme>
 </file>
 
 <file path=ppt/theme/theme2.xml><?xml version="1.0" encoding="utf-8"?>
-<a:theme xmlns:a="http://schemas.openxmlformats.org/drawingml/2006/main" xmlns:r="http://schemas.openxmlformats.org/officeDocument/2006/relationships" xmlns:p="http://schemas.openxmlformats.org/presentationml/2006/main" name="Office Theme">
+<a:theme xmlns:a="http://schemas.openxmlformats.org/drawingml/2006/main" name="Office Theme">
   <a:themeElements>
     <a:clrScheme name="Office">
       <a:dk1>
@@ -30542,387 +29772,6 @@
     </a:fmtScheme>
   </a:themeElements>
   <a:objectDefaults/>
+  <a:extraClrSchemeLst/>
 </a:theme>
-</file>
-
-<file path=customXml/item1.xml><?xml version="1.0" encoding="utf-8"?>
-<?mso-contentType ?>
-<FormTemplates xmlns="http://schemas.microsoft.com/sharepoint/v3/contenttype/forms">
-  <Display>DocumentLibraryForm</Display>
-  <Edit>DocumentLibraryForm</Edit>
-  <New>DocumentLibraryForm</New>
-</FormTemplates>
-</file>
-
-<file path=customXml/item2.xml><?xml version="1.0" encoding="utf-8"?>
-<ct:contentTypeSchema xmlns:ct="http://schemas.microsoft.com/office/2006/metadata/contentType" xmlns:ma="http://schemas.microsoft.com/office/2006/metadata/properties/metaAttributes" ct:_="" ma:_="" ma:contentTypeName="Document" ma:contentTypeID="0x01010079F111ED35F8CC479449609E8A0923A6" ma:contentTypeVersion="28" ma:contentTypeDescription="Create a new document." ma:contentTypeScope="" ma:versionID="60f5a4f2d2b0abadcf532d48ebf9cb71">
-  <xsd:schema xmlns:xsd="http://www.w3.org/2001/XMLSchema" xmlns:xs="http://www.w3.org/2001/XMLSchema" xmlns:p="http://schemas.microsoft.com/office/2006/metadata/properties" xmlns:ns1="http://schemas.microsoft.com/sharepoint/v3" xmlns:ns2="71af3243-3dd4-4a8d-8c0d-dd76da1f02a5" xmlns:ns3="16c05727-aa75-4e4a-9b5f-8a80a1165891" xmlns:ns4="230e9df3-be65-4c73-a93b-d1236ebd677e" targetNamespace="http://schemas.microsoft.com/office/2006/metadata/properties" ma:root="true" ma:fieldsID="7dd78129e6a1811f84807ad11c651531" ns1:_="" ns2:_="" ns3:_="" ns4:_="">
-    <xsd:import namespace="http://schemas.microsoft.com/sharepoint/v3"/>
-    <xsd:import namespace="71af3243-3dd4-4a8d-8c0d-dd76da1f02a5"/>
-    <xsd:import namespace="16c05727-aa75-4e4a-9b5f-8a80a1165891"/>
-    <xsd:import namespace="230e9df3-be65-4c73-a93b-d1236ebd677e"/>
-    <xsd:element name="properties">
-      <xsd:complexType>
-        <xsd:sequence>
-          <xsd:element name="documentManagement">
-            <xsd:complexType>
-              <xsd:all>
-                <xsd:element ref="ns2:Status" minOccurs="0"/>
-                <xsd:element ref="ns2:Image" minOccurs="0"/>
-                <xsd:element ref="ns2:MediaServiceMetadata" minOccurs="0"/>
-                <xsd:element ref="ns2:MediaServiceFastMetadata" minOccurs="0"/>
-                <xsd:element ref="ns2:MediaServiceOCR" minOccurs="0"/>
-                <xsd:element ref="ns2:MediaServiceAutoTags" minOccurs="0"/>
-                <xsd:element ref="ns2:MediaServiceEventHashCode" minOccurs="0"/>
-                <xsd:element ref="ns2:MediaServiceGenerationTime" minOccurs="0"/>
-                <xsd:element ref="ns3:SharedWithUsers" minOccurs="0"/>
-                <xsd:element ref="ns3:SharedWithDetails" minOccurs="0"/>
-                <xsd:element ref="ns2:MediaServiceAutoKeyPoints" minOccurs="0"/>
-                <xsd:element ref="ns2:MediaServiceKeyPoints" minOccurs="0"/>
-                <xsd:element ref="ns2:MediaServiceDateTaken" minOccurs="0"/>
-                <xsd:element ref="ns1:_ip_UnifiedCompliancePolicyProperties" minOccurs="0"/>
-                <xsd:element ref="ns1:_ip_UnifiedCompliancePolicyUIAction" minOccurs="0"/>
-                <xsd:element ref="ns4:TaxCatchAll" minOccurs="0"/>
-                <xsd:element ref="ns2:ImageTagsTaxHTField" minOccurs="0"/>
-                <xsd:element ref="ns2:MediaServiceLocation" minOccurs="0"/>
-                <xsd:element ref="ns2:MediaLengthInSeconds" minOccurs="0"/>
-                <xsd:element ref="ns2:Background" minOccurs="0"/>
-                <xsd:element ref="ns2:MediaServiceSearchProperties" minOccurs="0"/>
-                <xsd:element ref="ns2:MediaServiceDocTags" minOccurs="0"/>
-                <xsd:element ref="ns2:MediaServiceObjectDetectorVersions" minOccurs="0"/>
-                <xsd:element ref="ns2:MediaServiceSystemTags" minOccurs="0"/>
-              </xsd:all>
-            </xsd:complexType>
-          </xsd:element>
-        </xsd:sequence>
-      </xsd:complexType>
-    </xsd:element>
-  </xsd:schema>
-  <xsd:schema xmlns:xsd="http://www.w3.org/2001/XMLSchema" xmlns:xs="http://www.w3.org/2001/XMLSchema" xmlns:dms="http://schemas.microsoft.com/office/2006/documentManagement/types" xmlns:pc="http://schemas.microsoft.com/office/infopath/2007/PartnerControls" targetNamespace="http://schemas.microsoft.com/sharepoint/v3" elementFormDefault="qualified">
-    <xsd:import namespace="http://schemas.microsoft.com/office/2006/documentManagement/types"/>
-    <xsd:import namespace="http://schemas.microsoft.com/office/infopath/2007/PartnerControls"/>
-    <xsd:element name="_ip_UnifiedCompliancePolicyProperties" ma:index="20" nillable="true" ma:displayName="Unified Compliance Policy Properties" ma:hidden="true" ma:internalName="_ip_UnifiedCompliancePolicyProperties" ma:readOnly="false">
-      <xsd:simpleType>
-        <xsd:restriction base="dms:Note"/>
-      </xsd:simpleType>
-    </xsd:element>
-    <xsd:element name="_ip_UnifiedCompliancePolicyUIAction" ma:index="21" nillable="true" ma:displayName="Unified Compliance Policy UI Action" ma:hidden="true" ma:internalName="_ip_UnifiedCompliancePolicyUIAction" ma:readOnly="false">
-      <xsd:simpleType>
-        <xsd:restriction base="dms:Text"/>
-      </xsd:simpleType>
-    </xsd:element>
-  </xsd:schema>
-  <xsd:schema xmlns:xsd="http://www.w3.org/2001/XMLSchema" xmlns:xs="http://www.w3.org/2001/XMLSchema" xmlns:dms="http://schemas.microsoft.com/office/2006/documentManagement/types" xmlns:pc="http://schemas.microsoft.com/office/infopath/2007/PartnerControls" targetNamespace="71af3243-3dd4-4a8d-8c0d-dd76da1f02a5" elementFormDefault="qualified">
-    <xsd:import namespace="http://schemas.microsoft.com/office/2006/documentManagement/types"/>
-    <xsd:import namespace="http://schemas.microsoft.com/office/infopath/2007/PartnerControls"/>
-    <xsd:element name="Status" ma:index="2" nillable="true" ma:displayName="Status" ma:default="Not started" ma:format="Dropdown" ma:internalName="Status" ma:readOnly="false">
-      <xsd:simpleType>
-        <xsd:restriction base="dms:Choice">
-          <xsd:enumeration value="Not started"/>
-          <xsd:enumeration value="In Progress"/>
-          <xsd:enumeration value="Completed"/>
-        </xsd:restriction>
-      </xsd:simpleType>
-    </xsd:element>
-    <xsd:element name="Image" ma:index="3" nillable="true" ma:displayName="Image" ma:format="Image" ma:internalName="Image" ma:readOnly="false">
-      <xsd:complexType>
-        <xsd:complexContent>
-          <xsd:extension base="dms:URL">
-            <xsd:sequence>
-              <xsd:element name="Url" type="dms:ValidUrl" minOccurs="0" nillable="true"/>
-              <xsd:element name="Description" type="xsd:string" nillable="true"/>
-            </xsd:sequence>
-          </xsd:extension>
-        </xsd:complexContent>
-      </xsd:complexType>
-    </xsd:element>
-    <xsd:element name="MediaServiceMetadata" ma:index="8" nillable="true" ma:displayName="MediaServiceMetadata" ma:hidden="true" ma:internalName="MediaServiceMetadata" ma:readOnly="true">
-      <xsd:simpleType>
-        <xsd:restriction base="dms:Note"/>
-      </xsd:simpleType>
-    </xsd:element>
-    <xsd:element name="MediaServiceFastMetadata" ma:index="9" nillable="true" ma:displayName="MediaServiceFastMetadata" ma:hidden="true" ma:internalName="MediaServiceFastMetadata" ma:readOnly="true">
-      <xsd:simpleType>
-        <xsd:restriction base="dms:Note"/>
-      </xsd:simpleType>
-    </xsd:element>
-    <xsd:element name="MediaServiceOCR" ma:index="10" nillable="true" ma:displayName="MediaServiceOCR" ma:hidden="true" ma:internalName="MediaServiceOCR" ma:readOnly="true">
-      <xsd:simpleType>
-        <xsd:restriction base="dms:Note"/>
-      </xsd:simpleType>
-    </xsd:element>
-    <xsd:element name="MediaServiceAutoTags" ma:index="11" nillable="true" ma:displayName="MediaServiceAutoTags" ma:hidden="true" ma:internalName="MediaServiceAutoTags" ma:readOnly="true">
-      <xsd:simpleType>
-        <xsd:restriction base="dms:Text"/>
-      </xsd:simpleType>
-    </xsd:element>
-    <xsd:element name="MediaServiceEventHashCode" ma:index="12" nillable="true" ma:displayName="MediaServiceEventHashCode" ma:hidden="true" ma:internalName="MediaServiceEventHashCode" ma:readOnly="true">
-      <xsd:simpleType>
-        <xsd:restriction base="dms:Text"/>
-      </xsd:simpleType>
-    </xsd:element>
-    <xsd:element name="MediaServiceGenerationTime" ma:index="13" nillable="true" ma:displayName="MediaServiceGenerationTime" ma:hidden="true" ma:internalName="MediaServiceGenerationTime" ma:readOnly="true">
-      <xsd:simpleType>
-        <xsd:restriction base="dms:Text"/>
-      </xsd:simpleType>
-    </xsd:element>
-    <xsd:element name="MediaServiceAutoKeyPoints" ma:index="16" nillable="true" ma:displayName="MediaServiceAutoKeyPoints" ma:hidden="true" ma:internalName="MediaServiceAutoKeyPoints" ma:readOnly="true">
-      <xsd:simpleType>
-        <xsd:restriction base="dms:Note"/>
-      </xsd:simpleType>
-    </xsd:element>
-    <xsd:element name="MediaServiceKeyPoints" ma:index="17" nillable="true" ma:displayName="KeyPoints" ma:hidden="true" ma:internalName="MediaServiceKeyPoints" ma:readOnly="false">
-      <xsd:simpleType>
-        <xsd:restriction base="dms:Note"/>
-      </xsd:simpleType>
-    </xsd:element>
-    <xsd:element name="MediaServiceDateTaken" ma:index="18" nillable="true" ma:displayName="MediaServiceDateTaken" ma:hidden="true" ma:internalName="MediaServiceDateTaken" ma:readOnly="true">
-      <xsd:simpleType>
-        <xsd:restriction base="dms:Text"/>
-      </xsd:simpleType>
-    </xsd:element>
-    <xsd:element name="ImageTagsTaxHTField" ma:index="25" nillable="true" ma:taxonomy="true" ma:internalName="ImageTagsTaxHTField" ma:taxonomyFieldName="MediaServiceImageTags" ma:displayName="Image Tags" ma:readOnly="false" ma:fieldId="{5cf76f15-5ced-4ddc-b409-7134ff3c332f}" ma:taxonomyMulti="true" ma:sspId="e385fb40-52d4-4fae-9c5b-3e8ff8a5878e" ma:termSetId="09814cd3-568e-fe90-9814-8d621ff8fb84" ma:anchorId="fba54fb3-c3e1-fe81-a776-ca4b69148c4d" ma:open="true" ma:isKeyword="false">
-      <xsd:complexType>
-        <xsd:sequence>
-          <xsd:element ref="pc:Terms" minOccurs="0" maxOccurs="1"/>
-        </xsd:sequence>
-      </xsd:complexType>
-    </xsd:element>
-    <xsd:element name="MediaServiceLocation" ma:index="26" nillable="true" ma:displayName="Location" ma:hidden="true" ma:internalName="MediaServiceLocation" ma:readOnly="true">
-      <xsd:simpleType>
-        <xsd:restriction base="dms:Text"/>
-      </xsd:simpleType>
-    </xsd:element>
-    <xsd:element name="MediaLengthInSeconds" ma:index="27" nillable="true" ma:displayName="MediaLengthInSeconds" ma:hidden="true" ma:internalName="MediaLengthInSeconds" ma:readOnly="true">
-      <xsd:simpleType>
-        <xsd:restriction base="dms:Unknown"/>
-      </xsd:simpleType>
-    </xsd:element>
-    <xsd:element name="Background" ma:index="28" nillable="true" ma:displayName="Background" ma:default="0" ma:format="Dropdown" ma:internalName="Background">
-      <xsd:simpleType>
-        <xsd:restriction base="dms:Boolean"/>
-      </xsd:simpleType>
-    </xsd:element>
-    <xsd:element name="MediaServiceSearchProperties" ma:index="29" nillable="true" ma:displayName="MediaServiceSearchProperties" ma:hidden="true" ma:internalName="MediaServiceSearchProperties" ma:readOnly="true">
-      <xsd:simpleType>
-        <xsd:restriction base="dms:Note"/>
-      </xsd:simpleType>
-    </xsd:element>
-    <xsd:element name="MediaServiceDocTags" ma:index="30" nillable="true" ma:displayName="MediaServiceDocTags" ma:hidden="true" ma:internalName="MediaServiceDocTags" ma:readOnly="true">
-      <xsd:simpleType>
-        <xsd:restriction base="dms:Note"/>
-      </xsd:simpleType>
-    </xsd:element>
-    <xsd:element name="MediaServiceObjectDetectorVersions" ma:index="31" nillable="true" ma:displayName="MediaServiceObjectDetectorVersions" ma:description="" ma:hidden="true" ma:indexed="true" ma:internalName="MediaServiceObjectDetectorVersions" ma:readOnly="true">
-      <xsd:simpleType>
-        <xsd:restriction base="dms:Text"/>
-      </xsd:simpleType>
-    </xsd:element>
-    <xsd:element name="MediaServiceSystemTags" ma:index="32" nillable="true" ma:displayName="MediaServiceSystemTags" ma:hidden="true" ma:internalName="MediaServiceSystemTags" ma:readOnly="true">
-      <xsd:simpleType>
-        <xsd:restriction base="dms:Note"/>
-      </xsd:simpleType>
-    </xsd:element>
-  </xsd:schema>
-  <xsd:schema xmlns:xsd="http://www.w3.org/2001/XMLSchema" xmlns:xs="http://www.w3.org/2001/XMLSchema" xmlns:dms="http://schemas.microsoft.com/office/2006/documentManagement/types" xmlns:pc="http://schemas.microsoft.com/office/infopath/2007/PartnerControls" targetNamespace="16c05727-aa75-4e4a-9b5f-8a80a1165891" elementFormDefault="qualified">
-    <xsd:import namespace="http://schemas.microsoft.com/office/2006/documentManagement/types"/>
-    <xsd:import namespace="http://schemas.microsoft.com/office/infopath/2007/PartnerControls"/>
-    <xsd:element name="SharedWithUsers" ma:index="14" nillable="true" ma:displayName="Shared With" ma:hidden="true" ma:internalName="SharedWithUsers" ma:readOnly="true">
-      <xsd:complexType>
-        <xsd:complexContent>
-          <xsd:extension base="dms:UserMulti">
-            <xsd:sequence>
-              <xsd:element name="UserInfo" minOccurs="0" maxOccurs="unbounded">
-                <xsd:complexType>
-                  <xsd:sequence>
-                    <xsd:element name="DisplayName" type="xsd:string" minOccurs="0"/>
-                    <xsd:element name="AccountId" type="dms:UserId" minOccurs="0" nillable="true"/>
-                    <xsd:element name="AccountType" type="xsd:string" minOccurs="0"/>
-                  </xsd:sequence>
-                </xsd:complexType>
-              </xsd:element>
-            </xsd:sequence>
-          </xsd:extension>
-        </xsd:complexContent>
-      </xsd:complexType>
-    </xsd:element>
-    <xsd:element name="SharedWithDetails" ma:index="15" nillable="true" ma:displayName="Shared With Details" ma:hidden="true" ma:internalName="SharedWithDetails" ma:readOnly="true">
-      <xsd:simpleType>
-        <xsd:restriction base="dms:Note"/>
-      </xsd:simpleType>
-    </xsd:element>
-  </xsd:schema>
-  <xsd:schema xmlns:xsd="http://www.w3.org/2001/XMLSchema" xmlns:xs="http://www.w3.org/2001/XMLSchema" xmlns:dms="http://schemas.microsoft.com/office/2006/documentManagement/types" xmlns:pc="http://schemas.microsoft.com/office/infopath/2007/PartnerControls" targetNamespace="230e9df3-be65-4c73-a93b-d1236ebd677e" elementFormDefault="qualified">
-    <xsd:import namespace="http://schemas.microsoft.com/office/2006/documentManagement/types"/>
-    <xsd:import namespace="http://schemas.microsoft.com/office/infopath/2007/PartnerControls"/>
-    <xsd:element name="TaxCatchAll" ma:index="23" nillable="true" ma:displayName="Taxonomy Catch All Column" ma:hidden="true" ma:list="{3f6bfcbc-3db3-4ae6-bd76-326f0798ad28}" ma:internalName="TaxCatchAll" ma:readOnly="false" ma:showField="CatchAllData" ma:web="16c05727-aa75-4e4a-9b5f-8a80a1165891">
-      <xsd:complexType>
-        <xsd:complexContent>
-          <xsd:extension base="dms:MultiChoiceLookup">
-            <xsd:sequence>
-              <xsd:element name="Value" type="dms:Lookup" maxOccurs="unbounded" minOccurs="0" nillable="true"/>
-            </xsd:sequence>
-          </xsd:extension>
-        </xsd:complexContent>
-      </xsd:complexType>
-    </xsd:element>
-  </xsd:schema>
-  <xsd:schema xmlns="http://schemas.openxmlformats.org/package/2006/metadata/core-properties" xmlns:xsd="http://www.w3.org/2001/XMLSchema" xmlns:xsi="http://www.w3.org/2001/XMLSchema-instance" xmlns:dc="http://purl.org/dc/elements/1.1/" xmlns:dcterms="http://purl.org/dc/terms/" xmlns:odoc="http://schemas.microsoft.com/internal/obd" targetNamespace="http://schemas.openxmlformats.org/package/2006/metadata/core-properties" elementFormDefault="qualified" attributeFormDefault="unqualified" blockDefault="#all">
-    <xsd:import namespace="http://purl.org/dc/elements/1.1/" schemaLocation="http://dublincore.org/schemas/xmls/qdc/2003/04/02/dc.xsd"/>
-    <xsd:import namespace="http://purl.org/dc/terms/" schemaLocation="http://dublincore.org/schemas/xmls/qdc/2003/04/02/dcterms.xsd"/>
-    <xsd:element name="coreProperties" type="CT_coreProperties"/>
-    <xsd:complexType name="CT_coreProperties">
-      <xsd:all>
-        <xsd:element ref="dc:creator" minOccurs="0" maxOccurs="1"/>
-        <xsd:element ref="dcterms:created" minOccurs="0" maxOccurs="1"/>
-        <xsd:element ref="dc:identifier" minOccurs="0" maxOccurs="1"/>
-        <xsd:element name="contentType" minOccurs="0" maxOccurs="1" type="xsd:string" ma:displayName="Content Type"/>
-        <xsd:element ref="dc:title" minOccurs="0" maxOccurs="1" ma:index="1" ma:displayName="Title"/>
-        <xsd:element ref="dc:subject" minOccurs="0" maxOccurs="1"/>
-        <xsd:element ref="dc:description" minOccurs="0" maxOccurs="1"/>
-        <xsd:element name="keywords" minOccurs="0" maxOccurs="1" type="xsd:string"/>
-        <xsd:element ref="dc:language" minOccurs="0" maxOccurs="1"/>
-        <xsd:element name="category" minOccurs="0" maxOccurs="1" type="xsd:string"/>
-        <xsd:element name="version" minOccurs="0" maxOccurs="1" type="xsd:string"/>
-        <xsd:element name="revision" minOccurs="0" maxOccurs="1" type="xsd:string">
-          <xsd:annotation>
-            <xsd:documentation>
-                        This value indicates the number of saves or revisions. The application is responsible for updating this value after each revision.
-                    </xsd:documentation>
-          </xsd:annotation>
-        </xsd:element>
-        <xsd:element name="lastModifiedBy" minOccurs="0" maxOccurs="1" type="xsd:string"/>
-        <xsd:element ref="dcterms:modified" minOccurs="0" maxOccurs="1"/>
-        <xsd:element name="contentStatus" minOccurs="0" maxOccurs="1" type="xsd:string"/>
-      </xsd:all>
-    </xsd:complexType>
-  </xsd:schema>
-  <xs:schema xmlns:pc="http://schemas.microsoft.com/office/infopath/2007/PartnerControls" xmlns:xs="http://www.w3.org/2001/XMLSchema" targetNamespace="http://schemas.microsoft.com/office/infopath/2007/PartnerControls" elementFormDefault="qualified" attributeFormDefault="unqualified">
-    <xs:element name="Person">
-      <xs:complexType>
-        <xs:sequence>
-          <xs:element ref="pc:DisplayName" minOccurs="0"/>
-          <xs:element ref="pc:AccountId" minOccurs="0"/>
-          <xs:element ref="pc:AccountType" minOccurs="0"/>
-        </xs:sequence>
-      </xs:complexType>
-    </xs:element>
-    <xs:element name="DisplayName" type="xs:string"/>
-    <xs:element name="AccountId" type="xs:string"/>
-    <xs:element name="AccountType" type="xs:string"/>
-    <xs:element name="BDCAssociatedEntity">
-      <xs:complexType>
-        <xs:sequence>
-          <xs:element ref="pc:BDCEntity" minOccurs="0" maxOccurs="unbounded"/>
-        </xs:sequence>
-        <xs:attribute ref="pc:EntityNamespace"/>
-        <xs:attribute ref="pc:EntityName"/>
-        <xs:attribute ref="pc:SystemInstanceName"/>
-        <xs:attribute ref="pc:AssociationName"/>
-      </xs:complexType>
-    </xs:element>
-    <xs:attribute name="EntityNamespace" type="xs:string"/>
-    <xs:attribute name="EntityName" type="xs:string"/>
-    <xs:attribute name="SystemInstanceName" type="xs:string"/>
-    <xs:attribute name="AssociationName" type="xs:string"/>
-    <xs:element name="BDCEntity">
-      <xs:complexType>
-        <xs:sequence>
-          <xs:element ref="pc:EntityDisplayName" minOccurs="0"/>
-          <xs:element ref="pc:EntityInstanceReference" minOccurs="0"/>
-          <xs:element ref="pc:EntityId1" minOccurs="0"/>
-          <xs:element ref="pc:EntityId2" minOccurs="0"/>
-          <xs:element ref="pc:EntityId3" minOccurs="0"/>
-          <xs:element ref="pc:EntityId4" minOccurs="0"/>
-          <xs:element ref="pc:EntityId5" minOccurs="0"/>
-        </xs:sequence>
-      </xs:complexType>
-    </xs:element>
-    <xs:element name="EntityDisplayName" type="xs:string"/>
-    <xs:element name="EntityInstanceReference" type="xs:string"/>
-    <xs:element name="EntityId1" type="xs:string"/>
-    <xs:element name="EntityId2" type="xs:string"/>
-    <xs:element name="EntityId3" type="xs:string"/>
-    <xs:element name="EntityId4" type="xs:string"/>
-    <xs:element name="EntityId5" type="xs:string"/>
-    <xs:element name="Terms">
-      <xs:complexType>
-        <xs:sequence>
-          <xs:element ref="pc:TermInfo" minOccurs="0" maxOccurs="unbounded"/>
-        </xs:sequence>
-      </xs:complexType>
-    </xs:element>
-    <xs:element name="TermInfo">
-      <xs:complexType>
-        <xs:sequence>
-          <xs:element ref="pc:TermName" minOccurs="0"/>
-          <xs:element ref="pc:TermId" minOccurs="0"/>
-        </xs:sequence>
-      </xs:complexType>
-    </xs:element>
-    <xs:element name="TermName" type="xs:string"/>
-    <xs:element name="TermId" type="xs:string"/>
-  </xs:schema>
-</ct:contentTypeSchema>
-</file>
-
-<file path=customXml/item3.xml><?xml version="1.0" encoding="utf-8"?>
-<p:properties xmlns:p="http://schemas.microsoft.com/office/2006/metadata/properties" xmlns:xsi="http://www.w3.org/2001/XMLSchema-instance" xmlns:pc="http://schemas.microsoft.com/office/infopath/2007/PartnerControls">
-  <documentManagement>
-    <_ip_UnifiedCompliancePolicyUIAction xmlns="http://schemas.microsoft.com/sharepoint/v3" xsi:nil="true"/>
-    <Image xmlns="71af3243-3dd4-4a8d-8c0d-dd76da1f02a5">
-      <Url xsi:nil="true"/>
-      <Description xsi:nil="true"/>
-    </Image>
-    <Status xmlns="71af3243-3dd4-4a8d-8c0d-dd76da1f02a5">Not started</Status>
-    <Background xmlns="71af3243-3dd4-4a8d-8c0d-dd76da1f02a5">false</Background>
-    <_ip_UnifiedCompliancePolicyProperties xmlns="http://schemas.microsoft.com/sharepoint/v3" xsi:nil="true"/>
-    <ImageTagsTaxHTField xmlns="71af3243-3dd4-4a8d-8c0d-dd76da1f02a5">
-      <Terms xmlns="http://schemas.microsoft.com/office/infopath/2007/PartnerControls"/>
-    </ImageTagsTaxHTField>
-    <TaxCatchAll xmlns="230e9df3-be65-4c73-a93b-d1236ebd677e" xsi:nil="true"/>
-    <MediaServiceKeyPoints xmlns="71af3243-3dd4-4a8d-8c0d-dd76da1f02a5" xsi:nil="true"/>
-  </documentManagement>
-</p:properties>
-</file>
-
-<file path=customXml/itemProps1.xml><?xml version="1.0" encoding="utf-8"?>
-<ds:datastoreItem xmlns:ds="http://schemas.openxmlformats.org/officeDocument/2006/customXml" ds:itemID="{1249AD37-9510-4A2D-B790-12C439A83F93}">
-  <ds:schemaRefs>
-    <ds:schemaRef ds:uri="http://schemas.microsoft.com/sharepoint/v3/contenttype/forms"/>
-  </ds:schemaRefs>
-</ds:datastoreItem>
-</file>
-
-<file path=customXml/itemProps2.xml><?xml version="1.0" encoding="utf-8"?>
-<ds:datastoreItem xmlns:ds="http://schemas.openxmlformats.org/officeDocument/2006/customXml" ds:itemID="{4D8B1D1D-0064-435C-8533-29A36067B8ED}">
-  <ds:schemaRefs>
-    <ds:schemaRef ds:uri="http://schemas.microsoft.com/office/2006/metadata/contentType"/>
-    <ds:schemaRef ds:uri="http://schemas.microsoft.com/office/2006/metadata/properties/metaAttributes"/>
-    <ds:schemaRef ds:uri="http://www.w3.org/2001/XMLSchema"/>
-    <ds:schemaRef ds:uri="http://schemas.microsoft.com/office/2006/metadata/properties"/>
-    <ds:schemaRef ds:uri="http://schemas.microsoft.com/sharepoint/v3"/>
-    <ds:schemaRef ds:uri="71af3243-3dd4-4a8d-8c0d-dd76da1f02a5"/>
-    <ds:schemaRef ds:uri="16c05727-aa75-4e4a-9b5f-8a80a1165891"/>
-    <ds:schemaRef ds:uri="230e9df3-be65-4c73-a93b-d1236ebd677e"/>
-    <ds:schemaRef ds:uri="http://schemas.microsoft.com/office/2006/documentManagement/types"/>
-    <ds:schemaRef ds:uri="http://schemas.microsoft.com/office/infopath/2007/PartnerControls"/>
-    <ds:schemaRef ds:uri="http://schemas.openxmlformats.org/package/2006/metadata/core-properties"/>
-    <ds:schemaRef ds:uri="http://purl.org/dc/elements/1.1/"/>
-    <ds:schemaRef ds:uri="http://purl.org/dc/terms/"/>
-    <ds:schemaRef ds:uri="http://schemas.microsoft.com/internal/obd"/>
-  </ds:schemaRefs>
-</ds:datastoreItem>
-</file>
-
-<file path=customXml/itemProps3.xml><?xml version="1.0" encoding="utf-8"?>
-<ds:datastoreItem xmlns:ds="http://schemas.openxmlformats.org/officeDocument/2006/customXml" ds:itemID="{85DF9CEC-52C2-4D14-B2F5-11176002A8B6}">
-  <ds:schemaRefs>
-    <ds:schemaRef ds:uri="http://schemas.microsoft.com/office/2006/metadata/properties"/>
-    <ds:schemaRef ds:uri="http://schemas.microsoft.com/office/infopath/2007/PartnerControls"/>
-    <ds:schemaRef ds:uri="http://schemas.microsoft.com/sharepoint/v3"/>
-    <ds:schemaRef ds:uri="71af3243-3dd4-4a8d-8c0d-dd76da1f02a5"/>
-    <ds:schemaRef ds:uri="230e9df3-be65-4c73-a93b-d1236ebd677e"/>
-  </ds:schemaRefs>
-</ds:datastoreItem>
 </file>